--- a/Diapositivas/Design Patterns.pptx
+++ b/Diapositivas/Design Patterns.pptx
@@ -514,142 +514,6 @@
           <a:bodyPr/>
           <a:lstStyle/>
           <a:p>
-            <a:r>
-              <a:rPr lang="en-US" sz="1200" b="0" i="0" kern="1200" dirty="0" smtClean="0">
-                <a:solidFill>
-                  <a:schemeClr val="tx1"/>
-                </a:solidFill>
-                <a:effectLst/>
-                <a:latin typeface="+mn-lt"/>
-                <a:ea typeface="+mn-ea"/>
-                <a:cs typeface="+mn-cs"/>
-              </a:rPr>
-              <a:t>What is object oriented design? What is it all about? What are it's benefits? What are it's costs? It may seem silly to ask these questions in a day and age when virtually every software developer is using an object oriented language of some kind. Yet the question is important because, it seems to me, that most of us use those languages without knowing why, and without knowing how to get the </a:t>
-            </a:r>
-            <a:r>
-              <a:rPr lang="en-US" sz="1200" b="0" i="0" kern="1200" dirty="0" err="1" smtClean="0">
-                <a:solidFill>
-                  <a:schemeClr val="tx1"/>
-                </a:solidFill>
-                <a:effectLst/>
-                <a:latin typeface="+mn-lt"/>
-                <a:ea typeface="+mn-ea"/>
-                <a:cs typeface="+mn-cs"/>
-              </a:rPr>
-              <a:t>the</a:t>
-            </a:r>
-            <a:r>
-              <a:rPr lang="en-US" sz="1200" b="0" i="0" kern="1200" dirty="0" smtClean="0">
-                <a:solidFill>
-                  <a:schemeClr val="tx1"/>
-                </a:solidFill>
-                <a:effectLst/>
-                <a:latin typeface="+mn-lt"/>
-                <a:ea typeface="+mn-ea"/>
-                <a:cs typeface="+mn-cs"/>
-              </a:rPr>
-              <a:t> most benefit out of them.</a:t>
-            </a:r>
-            <a:r>
-              <a:rPr lang="en-US" dirty="0" smtClean="0"/>
-              <a:t/>
-            </a:r>
-            <a:br>
-              <a:rPr lang="en-US" dirty="0" smtClean="0"/>
-            </a:br>
-            <a:r>
-              <a:rPr lang="en-US" dirty="0" smtClean="0"/>
-              <a:t/>
-            </a:r>
-            <a:br>
-              <a:rPr lang="en-US" dirty="0" smtClean="0"/>
-            </a:br>
-            <a:r>
-              <a:rPr lang="en-US" sz="1200" b="0" i="0" kern="1200" dirty="0" smtClean="0">
-                <a:solidFill>
-                  <a:schemeClr val="tx1"/>
-                </a:solidFill>
-                <a:effectLst/>
-                <a:latin typeface="+mn-lt"/>
-                <a:ea typeface="+mn-ea"/>
-                <a:cs typeface="+mn-cs"/>
-              </a:rPr>
-              <a:t>Of all the revolutions that have occurred in our industry, two have been so successful that they have permeated our mentality to the extent that we take them for granted. Structured Programming and Object Oriented Programming. All of our mainstream modern languages are strongly influenced by these two disciplines. Indeed, it has become difficult to write a program that does not have the external appearance of both structured programming and object oriented programming. Our mainstream languages do not have </a:t>
-            </a:r>
-            <a:r>
-              <a:rPr lang="en-US" sz="1200" b="1" i="0" kern="1200" dirty="0" err="1" smtClean="0">
-                <a:solidFill>
-                  <a:schemeClr val="tx1"/>
-                </a:solidFill>
-                <a:effectLst/>
-                <a:latin typeface="+mn-lt"/>
-                <a:ea typeface="+mn-ea"/>
-                <a:cs typeface="+mn-cs"/>
-              </a:rPr>
-              <a:t>goto</a:t>
-            </a:r>
-            <a:r>
-              <a:rPr lang="en-US" sz="1200" b="0" i="0" kern="1200" dirty="0" smtClean="0">
-                <a:solidFill>
-                  <a:schemeClr val="tx1"/>
-                </a:solidFill>
-                <a:effectLst/>
-                <a:latin typeface="+mn-lt"/>
-                <a:ea typeface="+mn-ea"/>
-                <a:cs typeface="+mn-cs"/>
-              </a:rPr>
-              <a:t>, and therefore appear to obey the most famous proscription of structured programming. Most of our mainstream languages are class based and do not support functions or variables that are not within a class, therefore they appear to obey the most obvious trappings of object oriented programming.</a:t>
-            </a:r>
-            <a:r>
-              <a:rPr lang="en-US" dirty="0" smtClean="0"/>
-              <a:t/>
-            </a:r>
-            <a:br>
-              <a:rPr lang="en-US" dirty="0" smtClean="0"/>
-            </a:br>
-            <a:r>
-              <a:rPr lang="en-US" dirty="0" smtClean="0"/>
-              <a:t/>
-            </a:r>
-            <a:br>
-              <a:rPr lang="en-US" dirty="0" smtClean="0"/>
-            </a:br>
-            <a:r>
-              <a:rPr lang="en-US" sz="1200" b="0" i="0" kern="1200" dirty="0" smtClean="0">
-                <a:solidFill>
-                  <a:schemeClr val="tx1"/>
-                </a:solidFill>
-                <a:effectLst/>
-                <a:latin typeface="+mn-lt"/>
-                <a:ea typeface="+mn-ea"/>
-                <a:cs typeface="+mn-cs"/>
-              </a:rPr>
-              <a:t>Programs written in these languages may look structured and object oriented, but looks can be </a:t>
-            </a:r>
-            <a:r>
-              <a:rPr lang="en-US" sz="1200" b="0" i="0" kern="1200" dirty="0" err="1" smtClean="0">
-                <a:solidFill>
-                  <a:schemeClr val="tx1"/>
-                </a:solidFill>
-                <a:effectLst/>
-                <a:latin typeface="+mn-lt"/>
-                <a:ea typeface="+mn-ea"/>
-                <a:cs typeface="+mn-cs"/>
-              </a:rPr>
-              <a:t>decieving</a:t>
-            </a:r>
-            <a:r>
-              <a:rPr lang="en-US" sz="1200" b="0" i="0" kern="1200" dirty="0" smtClean="0">
-                <a:solidFill>
-                  <a:schemeClr val="tx1"/>
-                </a:solidFill>
-                <a:effectLst/>
-                <a:latin typeface="+mn-lt"/>
-                <a:ea typeface="+mn-ea"/>
-                <a:cs typeface="+mn-cs"/>
-              </a:rPr>
-              <a:t>. All too often today's programmers are unaware of the principles that are the foundation of the disciplines that their languages were derived around. In another blog I'll discuss the principles of structured programming. In this blog I want to talk about the principles of object oriented programming.</a:t>
-            </a:r>
             <a:endParaRPr lang="es-PE" dirty="0"/>
           </a:p>
         </p:txBody>
@@ -5131,33 +4995,7 @@
                 <a:latin typeface="Arial" pitchFamily="34" charset="0"/>
                 <a:cs typeface="Arial" pitchFamily="34" charset="0"/>
               </a:rPr>
-              <a:t>En grupos e</a:t>
-            </a:r>
-            <a:r>
-              <a:rPr lang="es-PE" sz="2400" dirty="0" smtClean="0">
-                <a:solidFill>
-                  <a:schemeClr val="bg1">
-                    <a:lumMod val="95000"/>
-                    <a:lumOff val="5000"/>
-                  </a:schemeClr>
-                </a:solidFill>
-                <a:latin typeface="Arial" pitchFamily="34" charset="0"/>
-                <a:cs typeface="Arial" pitchFamily="34" charset="0"/>
-              </a:rPr>
-              <a:t>nlazar cada patr</a:t>
-            </a:r>
-            <a:r>
-              <a:rPr lang="es-PE" sz="2400" dirty="0" smtClean="0">
-                <a:solidFill>
-                  <a:schemeClr val="bg1">
-                    <a:lumMod val="95000"/>
-                    <a:lumOff val="5000"/>
-                  </a:schemeClr>
-                </a:solidFill>
-                <a:latin typeface="Arial" pitchFamily="34" charset="0"/>
-                <a:cs typeface="Arial" pitchFamily="34" charset="0"/>
-              </a:rPr>
-              <a:t>ón con su definición.</a:t>
+              <a:t>En grupos enlazar cada patrón con su definición.</a:t>
             </a:r>
           </a:p>
           <a:p>
@@ -5371,10 +5209,10 @@
                 <a:latin typeface="Arial" pitchFamily="34" charset="0"/>
                 <a:cs typeface="Arial" pitchFamily="34" charset="0"/>
               </a:rPr>
-              <a:t>A cada grupo se le ha repartido una descripción con las categorías</a:t>
-            </a:r>
-            <a:r>
-              <a:rPr lang="es-PE" sz="2400" dirty="0" smtClean="0">
+              <a:t>A cada grupo se le ha repartido una descripción con las categorías de </a:t>
+            </a:r>
+            <a:r>
+              <a:rPr lang="es-PE" sz="2400" dirty="0" err="1" smtClean="0">
                 <a:solidFill>
                   <a:schemeClr val="bg1">
                     <a:lumMod val="95000"/>
@@ -5384,10 +5222,10 @@
                 <a:latin typeface="Arial" pitchFamily="34" charset="0"/>
                 <a:cs typeface="Arial" pitchFamily="34" charset="0"/>
               </a:rPr>
-              <a:t> de </a:t>
-            </a:r>
-            <a:r>
-              <a:rPr lang="es-PE" sz="2400" dirty="0" err="1" smtClean="0">
+              <a:t>Patrone</a:t>
+            </a:r>
+            <a:r>
+              <a:rPr lang="es-PE" sz="2400" dirty="0" smtClean="0">
                 <a:solidFill>
                   <a:schemeClr val="bg1">
                     <a:lumMod val="95000"/>
@@ -5397,31 +5235,8 @@
                 <a:latin typeface="Arial" pitchFamily="34" charset="0"/>
                 <a:cs typeface="Arial" pitchFamily="34" charset="0"/>
               </a:rPr>
-              <a:t>Patrone</a:t>
-            </a:r>
-            <a:r>
-              <a:rPr lang="es-PE" sz="2400" dirty="0" smtClean="0">
-                <a:solidFill>
-                  <a:schemeClr val="bg1">
-                    <a:lumMod val="95000"/>
-                    <a:lumOff val="5000"/>
-                  </a:schemeClr>
-                </a:solidFill>
-                <a:latin typeface="Arial" pitchFamily="34" charset="0"/>
-                <a:cs typeface="Arial" pitchFamily="34" charset="0"/>
-              </a:rPr>
               <a:t> de Diseño que existen.</a:t>
             </a:r>
-            <a:endParaRPr lang="es-PE" sz="2400" dirty="0" smtClean="0">
-              <a:solidFill>
-                <a:schemeClr val="bg1">
-                  <a:lumMod val="95000"/>
-                  <a:lumOff val="5000"/>
-                </a:schemeClr>
-              </a:solidFill>
-              <a:latin typeface="Arial" pitchFamily="34" charset="0"/>
-              <a:cs typeface="Arial" pitchFamily="34" charset="0"/>
-            </a:endParaRPr>
           </a:p>
           <a:p>
             <a:pPr>
@@ -5455,16 +5270,6 @@
               </a:rPr>
               <a:t>Cada grupo deberá encontrar a que</a:t>
             </a:r>
-            <a:endParaRPr lang="es-PE" sz="2400" dirty="0" smtClean="0">
-              <a:solidFill>
-                <a:schemeClr val="bg1">
-                  <a:lumMod val="95000"/>
-                  <a:lumOff val="5000"/>
-                </a:schemeClr>
-              </a:solidFill>
-              <a:latin typeface="Arial" pitchFamily="34" charset="0"/>
-              <a:cs typeface="Arial" pitchFamily="34" charset="0"/>
-            </a:endParaRPr>
           </a:p>
           <a:p>
             <a:pPr lvl="1">
@@ -5538,15 +5343,6 @@
               </a:rPr>
               <a:t>Beneficios de los Patrones de Diseño</a:t>
             </a:r>
-            <a:endParaRPr lang="es-PE" sz="4400" dirty="0" smtClean="0">
-              <a:solidFill>
-                <a:schemeClr val="accent6">
-                  <a:lumMod val="75000"/>
-                </a:schemeClr>
-              </a:solidFill>
-              <a:latin typeface="Arial" pitchFamily="34" charset="0"/>
-              <a:cs typeface="Arial" pitchFamily="34" charset="0"/>
-            </a:endParaRPr>
           </a:p>
         </p:txBody>
       </p:sp>
@@ -5629,44 +5425,8 @@
                 <a:latin typeface="Arial" pitchFamily="34" charset="0"/>
                 <a:cs typeface="Arial" pitchFamily="34" charset="0"/>
               </a:rPr>
-              <a:t>Nos dividiremos en grupos y cada </a:t>
-            </a:r>
-            <a:r>
-              <a:rPr lang="es-PE" sz="2400" dirty="0" smtClean="0">
-                <a:solidFill>
-                  <a:schemeClr val="bg1">
-                    <a:lumMod val="95000"/>
-                    <a:lumOff val="5000"/>
-                  </a:schemeClr>
-                </a:solidFill>
-                <a:latin typeface="Arial" pitchFamily="34" charset="0"/>
-                <a:cs typeface="Arial" pitchFamily="34" charset="0"/>
-              </a:rPr>
-              <a:t>grupo se le dará la descripció</a:t>
-            </a:r>
-            <a:r>
-              <a:rPr lang="es-PE" sz="2400" dirty="0" smtClean="0">
-                <a:solidFill>
-                  <a:schemeClr val="bg1">
-                    <a:lumMod val="95000"/>
-                    <a:lumOff val="5000"/>
-                  </a:schemeClr>
-                </a:solidFill>
-                <a:latin typeface="Arial" pitchFamily="34" charset="0"/>
-                <a:cs typeface="Arial" pitchFamily="34" charset="0"/>
-              </a:rPr>
-              <a:t>n de un requerimiento de desarrollo.</a:t>
-            </a:r>
-            <a:endParaRPr lang="es-PE" sz="2400" dirty="0" smtClean="0">
-              <a:solidFill>
-                <a:schemeClr val="bg1">
-                  <a:lumMod val="95000"/>
-                  <a:lumOff val="5000"/>
-                </a:schemeClr>
-              </a:solidFill>
-              <a:latin typeface="Arial" pitchFamily="34" charset="0"/>
-              <a:cs typeface="Arial" pitchFamily="34" charset="0"/>
-            </a:endParaRPr>
+              <a:t>Nos dividiremos en grupos y cada grupo se le dará la descripción de un requerimiento de desarrollo.</a:t>
+            </a:r>
           </a:p>
           <a:p>
             <a:pPr>
@@ -5698,20 +5458,7 @@
                 <a:latin typeface="Arial" pitchFamily="34" charset="0"/>
                 <a:cs typeface="Arial" pitchFamily="34" charset="0"/>
               </a:rPr>
-              <a:t>Cad</a:t>
-            </a:r>
-            <a:r>
-              <a:rPr lang="es-PE" sz="2400" dirty="0" smtClean="0">
-                <a:solidFill>
-                  <a:schemeClr val="bg1">
-                    <a:lumMod val="95000"/>
-                    <a:lumOff val="5000"/>
-                  </a:schemeClr>
-                </a:solidFill>
-                <a:latin typeface="Arial" pitchFamily="34" charset="0"/>
-                <a:cs typeface="Arial" pitchFamily="34" charset="0"/>
-              </a:rPr>
-              <a:t>a grupo deberá analizar la descripción del requerimiento y responder las preguntas que se encuentran en el material.</a:t>
+              <a:t>Cada grupo deberá analizar la descripción del requerimiento y responder las preguntas que se encuentran en el material.</a:t>
             </a:r>
           </a:p>
           <a:p>
@@ -5847,19 +5594,7 @@
                 <a:latin typeface="Arial" pitchFamily="34" charset="0"/>
                 <a:cs typeface="Arial" pitchFamily="34" charset="0"/>
               </a:rPr>
-              <a:t>¿Qu</a:t>
-            </a:r>
-            <a:r>
-              <a:rPr lang="es-PE" sz="4400" dirty="0" smtClean="0">
-                <a:solidFill>
-                  <a:schemeClr val="accent6">
-                    <a:lumMod val="75000"/>
-                  </a:schemeClr>
-                </a:solidFill>
-                <a:latin typeface="Arial" pitchFamily="34" charset="0"/>
-                <a:cs typeface="Arial" pitchFamily="34" charset="0"/>
-              </a:rPr>
-              <a:t>é es un </a:t>
+              <a:t>¿Qué es un </a:t>
             </a:r>
             <a:r>
               <a:rPr lang="es-PE" sz="4400" dirty="0" err="1" smtClean="0">
@@ -6000,44 +5735,8 @@
                 <a:latin typeface="Arial" pitchFamily="34" charset="0"/>
                 <a:cs typeface="Arial" pitchFamily="34" charset="0"/>
               </a:rPr>
-              <a:t>Nos dividiremos en grupos y cada </a:t>
-            </a:r>
-            <a:r>
-              <a:rPr lang="es-PE" sz="2400" dirty="0" smtClean="0">
-                <a:solidFill>
-                  <a:schemeClr val="bg1">
-                    <a:lumMod val="95000"/>
-                    <a:lumOff val="5000"/>
-                  </a:schemeClr>
-                </a:solidFill>
-                <a:latin typeface="Arial" pitchFamily="34" charset="0"/>
-                <a:cs typeface="Arial" pitchFamily="34" charset="0"/>
-              </a:rPr>
-              <a:t>grupo se le dará la descripció</a:t>
-            </a:r>
-            <a:r>
-              <a:rPr lang="es-PE" sz="2400" dirty="0" smtClean="0">
-                <a:solidFill>
-                  <a:schemeClr val="bg1">
-                    <a:lumMod val="95000"/>
-                    <a:lumOff val="5000"/>
-                  </a:schemeClr>
-                </a:solidFill>
-                <a:latin typeface="Arial" pitchFamily="34" charset="0"/>
-                <a:cs typeface="Arial" pitchFamily="34" charset="0"/>
-              </a:rPr>
-              <a:t>n de un requerimiento de desarrollo.</a:t>
-            </a:r>
-            <a:endParaRPr lang="es-PE" sz="2400" dirty="0" smtClean="0">
-              <a:solidFill>
-                <a:schemeClr val="bg1">
-                  <a:lumMod val="95000"/>
-                  <a:lumOff val="5000"/>
-                </a:schemeClr>
-              </a:solidFill>
-              <a:latin typeface="Arial" pitchFamily="34" charset="0"/>
-              <a:cs typeface="Arial" pitchFamily="34" charset="0"/>
-            </a:endParaRPr>
+              <a:t>Nos dividiremos en grupos y cada grupo se le dará la descripción de un requerimiento de desarrollo.</a:t>
+            </a:r>
           </a:p>
           <a:p>
             <a:pPr>
@@ -6069,20 +5768,7 @@
                 <a:latin typeface="Arial" pitchFamily="34" charset="0"/>
                 <a:cs typeface="Arial" pitchFamily="34" charset="0"/>
               </a:rPr>
-              <a:t>Cad</a:t>
-            </a:r>
-            <a:r>
-              <a:rPr lang="es-PE" sz="2400" dirty="0" smtClean="0">
-                <a:solidFill>
-                  <a:schemeClr val="bg1">
-                    <a:lumMod val="95000"/>
-                    <a:lumOff val="5000"/>
-                  </a:schemeClr>
-                </a:solidFill>
-                <a:latin typeface="Arial" pitchFamily="34" charset="0"/>
-                <a:cs typeface="Arial" pitchFamily="34" charset="0"/>
-              </a:rPr>
-              <a:t>a grupo deberá analizar la descripción del requerimiento y responder las preguntas que se encuentran en el material.</a:t>
+              <a:t>Cada grupo deberá analizar la descripción del requerimiento y responder las preguntas que se encuentran en el material.</a:t>
             </a:r>
           </a:p>
           <a:p>
@@ -6220,15 +5906,6 @@
               </a:rPr>
               <a:t>Entender el problema</a:t>
             </a:r>
-            <a:endParaRPr lang="es-PE" sz="4400" dirty="0" smtClean="0">
-              <a:solidFill>
-                <a:schemeClr val="accent6">
-                  <a:lumMod val="75000"/>
-                </a:schemeClr>
-              </a:solidFill>
-              <a:latin typeface="Arial" pitchFamily="34" charset="0"/>
-              <a:cs typeface="Arial" pitchFamily="34" charset="0"/>
-            </a:endParaRPr>
           </a:p>
         </p:txBody>
       </p:sp>
@@ -6313,16 +5990,6 @@
               </a:rPr>
               <a:t>A cada grupo se le dará la descripción de varios patrones de diseño.</a:t>
             </a:r>
-            <a:endParaRPr lang="es-PE" sz="2400" dirty="0" smtClean="0">
-              <a:solidFill>
-                <a:schemeClr val="bg1">
-                  <a:lumMod val="95000"/>
-                  <a:lumOff val="5000"/>
-                </a:schemeClr>
-              </a:solidFill>
-              <a:latin typeface="Arial" pitchFamily="34" charset="0"/>
-              <a:cs typeface="Arial" pitchFamily="34" charset="0"/>
-            </a:endParaRPr>
           </a:p>
           <a:p>
             <a:pPr>
@@ -6354,20 +6021,7 @@
                 <a:latin typeface="Arial" pitchFamily="34" charset="0"/>
                 <a:cs typeface="Arial" pitchFamily="34" charset="0"/>
               </a:rPr>
-              <a:t>Los grupos deberán encontrar cu</a:t>
-            </a:r>
-            <a:r>
-              <a:rPr lang="es-PE" sz="2400" dirty="0" smtClean="0">
-                <a:solidFill>
-                  <a:schemeClr val="bg1">
-                    <a:lumMod val="95000"/>
-                    <a:lumOff val="5000"/>
-                  </a:schemeClr>
-                </a:solidFill>
-                <a:latin typeface="Arial" pitchFamily="34" charset="0"/>
-                <a:cs typeface="Arial" pitchFamily="34" charset="0"/>
-              </a:rPr>
-              <a:t>ál es el patrón que mejor resuelve el problema de su requerimiento.</a:t>
+              <a:t>Los grupos deberán encontrar cuál es el patrón que mejor resuelve el problema de su requerimiento.</a:t>
             </a:r>
           </a:p>
           <a:p>
@@ -6505,15 +6159,6 @@
               </a:rPr>
               <a:t>Encontrar el Patrón para el Problema</a:t>
             </a:r>
-            <a:endParaRPr lang="es-PE" sz="4400" dirty="0" smtClean="0">
-              <a:solidFill>
-                <a:schemeClr val="accent6">
-                  <a:lumMod val="75000"/>
-                </a:schemeClr>
-              </a:solidFill>
-              <a:latin typeface="Arial" pitchFamily="34" charset="0"/>
-              <a:cs typeface="Arial" pitchFamily="34" charset="0"/>
-            </a:endParaRPr>
           </a:p>
         </p:txBody>
       </p:sp>
@@ -6596,20 +6241,7 @@
                 <a:latin typeface="Arial" pitchFamily="34" charset="0"/>
                 <a:cs typeface="Arial" pitchFamily="34" charset="0"/>
               </a:rPr>
-              <a:t>Cada grupo deberá dibujar el diagrama de clases del dise</a:t>
-            </a:r>
-            <a:r>
-              <a:rPr lang="es-PE" sz="2400" dirty="0" smtClean="0">
-                <a:solidFill>
-                  <a:schemeClr val="bg1">
-                    <a:lumMod val="95000"/>
-                    <a:lumOff val="5000"/>
-                  </a:schemeClr>
-                </a:solidFill>
-                <a:latin typeface="Arial" pitchFamily="34" charset="0"/>
-                <a:cs typeface="Arial" pitchFamily="34" charset="0"/>
-              </a:rPr>
-              <a:t>ño final de la aplicación luego de haber aplicado el patrón de diseño.</a:t>
+              <a:t>Cada grupo deberá dibujar el diagrama de clases del diseño final de la aplicación luego de haber aplicado el patrón de diseño.</a:t>
             </a:r>
           </a:p>
           <a:p>
@@ -6748,15 +6380,6 @@
               </a:rPr>
               <a:t>Diagrama de Clases de la Solución</a:t>
             </a:r>
-            <a:endParaRPr lang="es-PE" sz="4400" dirty="0" smtClean="0">
-              <a:solidFill>
-                <a:schemeClr val="accent6">
-                  <a:lumMod val="75000"/>
-                </a:schemeClr>
-              </a:solidFill>
-              <a:latin typeface="Arial" pitchFamily="34" charset="0"/>
-              <a:cs typeface="Arial" pitchFamily="34" charset="0"/>
-            </a:endParaRPr>
           </a:p>
         </p:txBody>
       </p:sp>
@@ -6839,20 +6462,7 @@
                 <a:latin typeface="Arial" pitchFamily="34" charset="0"/>
                 <a:cs typeface="Arial" pitchFamily="34" charset="0"/>
               </a:rPr>
-              <a:t>Cada grupo deberá buscar u</a:t>
-            </a:r>
-            <a:r>
-              <a:rPr lang="es-PE" sz="2400" dirty="0" smtClean="0">
-                <a:solidFill>
-                  <a:schemeClr val="bg1">
-                    <a:lumMod val="95000"/>
-                    <a:lumOff val="5000"/>
-                  </a:schemeClr>
-                </a:solidFill>
-                <a:latin typeface="Arial" pitchFamily="34" charset="0"/>
-                <a:cs typeface="Arial" pitchFamily="34" charset="0"/>
-              </a:rPr>
-              <a:t>n ejemplo dentro del API de .NET que ya implemente el mismo patrón del grupo para realizar alguna funcionalidad.</a:t>
+              <a:t>Cada grupo deberá buscar un ejemplo dentro del API de .NET que ya implemente el mismo patrón del grupo para realizar alguna funcionalidad.</a:t>
             </a:r>
             <a:br>
               <a:rPr lang="es-PE" sz="2400" dirty="0" smtClean="0">
@@ -7237,15 +6847,6 @@
               </a:rPr>
               <a:t>Ejercicio – Ejemplos en .NET </a:t>
             </a:r>
-            <a:endParaRPr lang="es-PE" sz="4400" dirty="0" smtClean="0">
-              <a:solidFill>
-                <a:schemeClr val="accent6">
-                  <a:lumMod val="75000"/>
-                </a:schemeClr>
-              </a:solidFill>
-              <a:latin typeface="Arial" pitchFamily="34" charset="0"/>
-              <a:cs typeface="Arial" pitchFamily="34" charset="0"/>
-            </a:endParaRPr>
           </a:p>
         </p:txBody>
       </p:sp>
@@ -7328,20 +6929,7 @@
                 <a:latin typeface="Arial" pitchFamily="34" charset="0"/>
                 <a:cs typeface="Arial" pitchFamily="34" charset="0"/>
               </a:rPr>
-              <a:t>Cada grupo deberá prepara una presentaci</a:t>
-            </a:r>
-            <a:r>
-              <a:rPr lang="es-PE" sz="2400" dirty="0" smtClean="0">
-                <a:solidFill>
-                  <a:schemeClr val="bg1">
-                    <a:lumMod val="95000"/>
-                    <a:lumOff val="5000"/>
-                  </a:schemeClr>
-                </a:solidFill>
-                <a:latin typeface="Arial" pitchFamily="34" charset="0"/>
-                <a:cs typeface="Arial" pitchFamily="34" charset="0"/>
-              </a:rPr>
-              <a:t>ón visual de su trabajo:</a:t>
+              <a:t>Cada grupo deberá prepara una presentación visual de su trabajo:</a:t>
             </a:r>
           </a:p>
           <a:p>
@@ -7490,15 +7078,6 @@
               </a:rPr>
               <a:t>Preparar una Presentación</a:t>
             </a:r>
-            <a:endParaRPr lang="es-PE" sz="4400" dirty="0" smtClean="0">
-              <a:solidFill>
-                <a:schemeClr val="accent6">
-                  <a:lumMod val="75000"/>
-                </a:schemeClr>
-              </a:solidFill>
-              <a:latin typeface="Arial" pitchFamily="34" charset="0"/>
-              <a:cs typeface="Arial" pitchFamily="34" charset="0"/>
-            </a:endParaRPr>
           </a:p>
         </p:txBody>
       </p:sp>
@@ -7829,15 +7408,6 @@
               </a:rPr>
               <a:t>Preparar una Presentación</a:t>
             </a:r>
-            <a:endParaRPr lang="es-PE" sz="4400" dirty="0" smtClean="0">
-              <a:solidFill>
-                <a:schemeClr val="accent6">
-                  <a:lumMod val="75000"/>
-                </a:schemeClr>
-              </a:solidFill>
-              <a:latin typeface="Arial" pitchFamily="34" charset="0"/>
-              <a:cs typeface="Arial" pitchFamily="34" charset="0"/>
-            </a:endParaRPr>
           </a:p>
         </p:txBody>
       </p:sp>
@@ -7920,33 +7490,7 @@
                 <a:latin typeface="Arial" pitchFamily="34" charset="0"/>
                 <a:cs typeface="Arial" pitchFamily="34" charset="0"/>
               </a:rPr>
-              <a:t>En grupos e</a:t>
-            </a:r>
-            <a:r>
-              <a:rPr lang="es-PE" sz="2400" dirty="0" smtClean="0">
-                <a:solidFill>
-                  <a:schemeClr val="bg1">
-                    <a:lumMod val="95000"/>
-                    <a:lumOff val="5000"/>
-                  </a:schemeClr>
-                </a:solidFill>
-                <a:latin typeface="Arial" pitchFamily="34" charset="0"/>
-                <a:cs typeface="Arial" pitchFamily="34" charset="0"/>
-              </a:rPr>
-              <a:t>nlazar cada patr</a:t>
-            </a:r>
-            <a:r>
-              <a:rPr lang="es-PE" sz="2400" dirty="0" smtClean="0">
-                <a:solidFill>
-                  <a:schemeClr val="bg1">
-                    <a:lumMod val="95000"/>
-                    <a:lumOff val="5000"/>
-                  </a:schemeClr>
-                </a:solidFill>
-                <a:latin typeface="Arial" pitchFamily="34" charset="0"/>
-                <a:cs typeface="Arial" pitchFamily="34" charset="0"/>
-              </a:rPr>
-              <a:t>ón con su definición.</a:t>
+              <a:t>En grupos enlazar cada patrón con su definición.</a:t>
             </a:r>
           </a:p>
           <a:p>

--- a/Diapositivas/Design Patterns.pptx
+++ b/Diapositivas/Design Patterns.pptx
@@ -5403,19 +5403,20 @@
         </p:nvSpPr>
         <p:spPr>
           <a:xfrm>
-            <a:off x="467544" y="1340768"/>
-            <a:ext cx="8352928" cy="5184576"/>
+            <a:off x="467544" y="1988840"/>
+            <a:ext cx="8352928" cy="2736304"/>
           </a:xfrm>
         </p:spPr>
         <p:txBody>
           <a:bodyPr/>
           <a:lstStyle/>
           <a:p>
-            <a:pPr>
+            <a:pPr marL="0" indent="0" algn="ctr">
               <a:buSzPct val="100000"/>
+              <a:buNone/>
             </a:pPr>
             <a:r>
-              <a:rPr lang="es-PE" sz="2400" dirty="0" smtClean="0">
+              <a:rPr lang="es-PE" sz="2800" dirty="0" smtClean="0">
                 <a:solidFill>
                   <a:schemeClr val="bg1">
                     <a:lumMod val="95000"/>
@@ -5425,14 +5426,41 @@
                 <a:latin typeface="Arial" pitchFamily="34" charset="0"/>
                 <a:cs typeface="Arial" pitchFamily="34" charset="0"/>
               </a:rPr>
-              <a:t>Nos dividiremos en grupos y cada grupo se le dará la descripción de un requerimiento de desarrollo.</a:t>
-            </a:r>
-          </a:p>
-          <a:p>
-            <a:pPr>
+              <a:t>Es una solución repetible a un problema de diseño que ocurre </a:t>
+            </a:r>
+            <a:r>
+              <a:rPr lang="es-PE" sz="2800" dirty="0" err="1" smtClean="0">
+                <a:solidFill>
+                  <a:schemeClr val="bg1">
+                    <a:lumMod val="95000"/>
+                    <a:lumOff val="5000"/>
+                  </a:schemeClr>
+                </a:solidFill>
+                <a:latin typeface="Arial" pitchFamily="34" charset="0"/>
+                <a:cs typeface="Arial" pitchFamily="34" charset="0"/>
+              </a:rPr>
+              <a:t>comunmente</a:t>
+            </a:r>
+            <a:r>
+              <a:rPr lang="es-PE" sz="2800" dirty="0" smtClean="0">
+                <a:solidFill>
+                  <a:schemeClr val="bg1">
+                    <a:lumMod val="95000"/>
+                    <a:lumOff val="5000"/>
+                  </a:schemeClr>
+                </a:solidFill>
+                <a:latin typeface="Arial" pitchFamily="34" charset="0"/>
+                <a:cs typeface="Arial" pitchFamily="34" charset="0"/>
+              </a:rPr>
+              <a:t>. </a:t>
+            </a:r>
+          </a:p>
+          <a:p>
+            <a:pPr marL="0" indent="0" algn="ctr">
               <a:buSzPct val="100000"/>
+              <a:buNone/>
             </a:pPr>
-            <a:endParaRPr lang="es-PE" sz="2400" dirty="0" smtClean="0">
+            <a:endParaRPr lang="es-PE" sz="2800" dirty="0" smtClean="0">
               <a:solidFill>
                 <a:schemeClr val="bg1">
                   <a:lumMod val="95000"/>
@@ -5444,11 +5472,12 @@
             </a:endParaRPr>
           </a:p>
           <a:p>
-            <a:pPr>
+            <a:pPr marL="0" indent="0" algn="ctr">
               <a:buSzPct val="100000"/>
+              <a:buNone/>
             </a:pPr>
             <a:r>
-              <a:rPr lang="es-PE" sz="2400" dirty="0" smtClean="0">
+              <a:rPr lang="es-PE" sz="2800" dirty="0" smtClean="0">
                 <a:solidFill>
                   <a:schemeClr val="bg1">
                     <a:lumMod val="95000"/>
@@ -5458,14 +5487,9 @@
                 <a:latin typeface="Arial" pitchFamily="34" charset="0"/>
                 <a:cs typeface="Arial" pitchFamily="34" charset="0"/>
               </a:rPr>
-              <a:t>Cada grupo deberá analizar la descripción del requerimiento y responder las preguntas que se encuentran en el material.</a:t>
-            </a:r>
-          </a:p>
-          <a:p>
-            <a:pPr>
-              <a:buSzPct val="100000"/>
-            </a:pPr>
-            <a:endParaRPr lang="en-US" sz="2400" dirty="0">
+              <a:t>No es una guía que puede ser transformada directamente en código, es una descripción de cómo solucionar un problema en diferentes situaciones.</a:t>
+            </a:r>
+            <a:endParaRPr lang="es-PE" sz="2800" dirty="0" smtClean="0">
               <a:solidFill>
                 <a:schemeClr val="bg1">
                   <a:lumMod val="95000"/>
@@ -5477,62 +5501,11 @@
             </a:endParaRPr>
           </a:p>
           <a:p>
-            <a:pPr>
+            <a:pPr marL="0" indent="0" algn="ctr">
               <a:buSzPct val="100000"/>
+              <a:buNone/>
             </a:pPr>
-            <a:r>
-              <a:rPr lang="en-US" sz="2400" dirty="0" err="1" smtClean="0">
-                <a:solidFill>
-                  <a:schemeClr val="bg1">
-                    <a:lumMod val="95000"/>
-                    <a:lumOff val="5000"/>
-                  </a:schemeClr>
-                </a:solidFill>
-                <a:latin typeface="Arial" pitchFamily="34" charset="0"/>
-                <a:cs typeface="Arial" pitchFamily="34" charset="0"/>
-              </a:rPr>
-              <a:t>Tiempo</a:t>
-            </a:r>
-            <a:r>
-              <a:rPr lang="en-US" sz="2400" dirty="0" smtClean="0">
-                <a:solidFill>
-                  <a:schemeClr val="bg1">
-                    <a:lumMod val="95000"/>
-                    <a:lumOff val="5000"/>
-                  </a:schemeClr>
-                </a:solidFill>
-                <a:latin typeface="Arial" pitchFamily="34" charset="0"/>
-                <a:cs typeface="Arial" pitchFamily="34" charset="0"/>
-              </a:rPr>
-              <a:t>: 15 </a:t>
-            </a:r>
-            <a:r>
-              <a:rPr lang="en-US" sz="2400" dirty="0" err="1" smtClean="0">
-                <a:solidFill>
-                  <a:schemeClr val="bg1">
-                    <a:lumMod val="95000"/>
-                    <a:lumOff val="5000"/>
-                  </a:schemeClr>
-                </a:solidFill>
-                <a:latin typeface="Arial" pitchFamily="34" charset="0"/>
-                <a:cs typeface="Arial" pitchFamily="34" charset="0"/>
-              </a:rPr>
-              <a:t>minutos</a:t>
-            </a:r>
-            <a:r>
-              <a:rPr lang="en-US" sz="2400" dirty="0" smtClean="0">
-                <a:solidFill>
-                  <a:schemeClr val="bg1">
-                    <a:lumMod val="95000"/>
-                    <a:lumOff val="5000"/>
-                  </a:schemeClr>
-                </a:solidFill>
-                <a:latin typeface="Arial" pitchFamily="34" charset="0"/>
-                <a:cs typeface="Arial" pitchFamily="34" charset="0"/>
-              </a:rPr>
-              <a:t>.</a:t>
-            </a:r>
-            <a:endParaRPr lang="es-PE" sz="2400" dirty="0" smtClean="0">
+            <a:endParaRPr lang="es-PE" sz="2800" dirty="0">
               <a:solidFill>
                 <a:schemeClr val="bg1">
                   <a:lumMod val="95000"/>
@@ -5543,22 +5516,6 @@
               <a:cs typeface="Arial" pitchFamily="34" charset="0"/>
             </a:endParaRPr>
           </a:p>
-          <a:p>
-            <a:pPr marL="0" indent="0">
-              <a:buSzPct val="100000"/>
-              <a:buNone/>
-            </a:pPr>
-            <a:endParaRPr lang="es-PE" sz="2000" dirty="0">
-              <a:solidFill>
-                <a:schemeClr val="bg1">
-                  <a:lumMod val="95000"/>
-                  <a:lumOff val="5000"/>
-                </a:schemeClr>
-              </a:solidFill>
-              <a:latin typeface="Arial" pitchFamily="34" charset="0"/>
-              <a:cs typeface="Arial" pitchFamily="34" charset="0"/>
-            </a:endParaRPr>
-          </a:p>
         </p:txBody>
       </p:sp>
       <p:sp>
@@ -5569,7 +5526,7 @@
         </p:nvSpPr>
         <p:spPr>
           <a:xfrm>
-            <a:off x="539552" y="260648"/>
+            <a:off x="539552" y="908720"/>
             <a:ext cx="8136904" cy="769441"/>
           </a:xfrm>
           <a:prstGeom prst="rect">

--- a/Diapositivas/Design Patterns.pptx
+++ b/Diapositivas/Design Patterns.pptx
@@ -5,7 +5,7 @@
     <p:sldMasterId id="2147483660" r:id="rId1"/>
   </p:sldMasterIdLst>
   <p:notesMasterIdLst>
-    <p:notesMasterId r:id="rId13"/>
+    <p:notesMasterId r:id="rId16"/>
   </p:notesMasterIdLst>
   <p:sldIdLst>
     <p:sldId id="256" r:id="rId2"/>
@@ -19,6 +19,9 @@
     <p:sldId id="307" r:id="rId10"/>
     <p:sldId id="310" r:id="rId11"/>
     <p:sldId id="305" r:id="rId12"/>
+    <p:sldId id="312" r:id="rId13"/>
+    <p:sldId id="311" r:id="rId14"/>
+    <p:sldId id="313" r:id="rId15"/>
   </p:sldIdLst>
   <p:sldSz cx="9144000" cy="6858000" type="screen4x3"/>
   <p:notesSz cx="6858000" cy="9144000"/>
@@ -202,7 +205,7 @@
           <a:p>
             <a:fld id="{651770C5-50B1-4017-8384-CA51988A7F0C}" type="datetimeFigureOut">
               <a:rPr lang="es-PE" smtClean="0"/>
-              <a:t>17/06/2013</a:t>
+              <a:t>26/06/2013</a:t>
             </a:fld>
             <a:endParaRPr lang="es-PE"/>
           </a:p>
@@ -722,6 +725,677 @@
 </p:notes>
 </file>
 
+<file path=ppt/notesSlides/notesSlide12.xml><?xml version="1.0" encoding="utf-8"?>
+<p:notes xmlns:a="http://schemas.openxmlformats.org/drawingml/2006/main" xmlns:r="http://schemas.openxmlformats.org/officeDocument/2006/relationships" xmlns:p="http://schemas.openxmlformats.org/presentationml/2006/main">
+  <p:cSld>
+    <p:spTree>
+      <p:nvGrpSpPr>
+        <p:cNvPr id="1" name=""/>
+        <p:cNvGrpSpPr/>
+        <p:nvPr/>
+      </p:nvGrpSpPr>
+      <p:grpSpPr>
+        <a:xfrm>
+          <a:off x="0" y="0"/>
+          <a:ext cx="0" cy="0"/>
+          <a:chOff x="0" y="0"/>
+          <a:chExt cx="0" cy="0"/>
+        </a:xfrm>
+      </p:grpSpPr>
+      <p:sp>
+        <p:nvSpPr>
+          <p:cNvPr id="2" name="1 Marcador de imagen de diapositiva"/>
+          <p:cNvSpPr>
+            <a:spLocks noGrp="1" noRot="1" noChangeAspect="1"/>
+          </p:cNvSpPr>
+          <p:nvPr>
+            <p:ph type="sldImg"/>
+          </p:nvPr>
+        </p:nvSpPr>
+        <p:spPr/>
+      </p:sp>
+      <p:sp>
+        <p:nvSpPr>
+          <p:cNvPr id="3" name="2 Marcador de notas"/>
+          <p:cNvSpPr>
+            <a:spLocks noGrp="1"/>
+          </p:cNvSpPr>
+          <p:nvPr>
+            <p:ph type="body" idx="1"/>
+          </p:nvPr>
+        </p:nvSpPr>
+        <p:spPr/>
+        <p:txBody>
+          <a:bodyPr/>
+          <a:lstStyle/>
+          <a:p>
+            <a:r>
+              <a:rPr lang="en-US" sz="1200" b="0" i="0" kern="1200" dirty="0" smtClean="0">
+                <a:solidFill>
+                  <a:schemeClr val="tx1"/>
+                </a:solidFill>
+                <a:effectLst/>
+                <a:latin typeface="+mn-lt"/>
+                <a:ea typeface="+mn-ea"/>
+                <a:cs typeface="+mn-cs"/>
+              </a:rPr>
+              <a:t>Design </a:t>
+            </a:r>
+            <a:r>
+              <a:rPr lang="en-US" sz="1200" b="0" i="0" u="sng" kern="1200" dirty="0" smtClean="0">
+                <a:solidFill>
+                  <a:schemeClr val="tx1"/>
+                </a:solidFill>
+                <a:effectLst/>
+                <a:latin typeface="+mn-lt"/>
+                <a:ea typeface="+mn-ea"/>
+                <a:cs typeface="+mn-cs"/>
+              </a:rPr>
+              <a:t>Patterns</a:t>
+            </a:r>
+            <a:r>
+              <a:rPr lang="en-US" sz="1200" b="0" i="0" kern="1200" dirty="0" smtClean="0">
+                <a:solidFill>
+                  <a:schemeClr val="tx1"/>
+                </a:solidFill>
+                <a:effectLst/>
+                <a:latin typeface="+mn-lt"/>
+                <a:ea typeface="+mn-ea"/>
+                <a:cs typeface="+mn-cs"/>
+              </a:rPr>
+              <a:t> are solutions to the recurring problems. There are different types of patterns. The most basic ones are the </a:t>
+            </a:r>
+            <a:r>
+              <a:rPr lang="en-US" sz="1200" b="1" i="0" kern="1200" dirty="0" smtClean="0">
+                <a:solidFill>
+                  <a:schemeClr val="tx1"/>
+                </a:solidFill>
+                <a:effectLst/>
+                <a:latin typeface="+mn-lt"/>
+                <a:ea typeface="+mn-ea"/>
+                <a:cs typeface="+mn-cs"/>
+              </a:rPr>
+              <a:t>Design Patterns</a:t>
+            </a:r>
+            <a:r>
+              <a:rPr lang="en-US" sz="1200" b="0" i="0" kern="1200" dirty="0" smtClean="0">
+                <a:solidFill>
+                  <a:schemeClr val="tx1"/>
+                </a:solidFill>
+                <a:effectLst/>
+                <a:latin typeface="+mn-lt"/>
+                <a:ea typeface="+mn-ea"/>
+                <a:cs typeface="+mn-cs"/>
+              </a:rPr>
+              <a:t>. Then there are higher level patterns like </a:t>
+            </a:r>
+            <a:r>
+              <a:rPr lang="en-US" sz="1200" b="1" i="0" kern="1200" dirty="0" smtClean="0">
+                <a:solidFill>
+                  <a:schemeClr val="tx1"/>
+                </a:solidFill>
+                <a:effectLst/>
+                <a:latin typeface="+mn-lt"/>
+                <a:ea typeface="+mn-ea"/>
+                <a:cs typeface="+mn-cs"/>
+              </a:rPr>
+              <a:t>Enterprise Design Patterns</a:t>
+            </a:r>
+            <a:r>
+              <a:rPr lang="en-US" sz="1200" b="0" i="0" kern="1200" dirty="0" smtClean="0">
+                <a:solidFill>
+                  <a:schemeClr val="tx1"/>
+                </a:solidFill>
+                <a:effectLst/>
+                <a:latin typeface="+mn-lt"/>
+                <a:ea typeface="+mn-ea"/>
+                <a:cs typeface="+mn-cs"/>
+              </a:rPr>
+              <a:t>. We can classify patterns  based on different criteria. The classic </a:t>
+            </a:r>
+            <a:r>
+              <a:rPr lang="en-US" sz="1200" b="1" i="0" u="none" strike="noStrike" kern="1200" dirty="0" smtClean="0">
+                <a:solidFill>
+                  <a:schemeClr val="tx1"/>
+                </a:solidFill>
+                <a:effectLst/>
+                <a:latin typeface="+mn-lt"/>
+                <a:ea typeface="+mn-ea"/>
+                <a:cs typeface="+mn-cs"/>
+                <a:hlinkClick r:id="rId3"/>
+              </a:rPr>
+              <a:t>Gang of Four Design Patterns</a:t>
+            </a:r>
+            <a:r>
+              <a:rPr lang="en-US" sz="1200" b="1" i="0" kern="1200" dirty="0" smtClean="0">
+                <a:solidFill>
+                  <a:schemeClr val="tx1"/>
+                </a:solidFill>
+                <a:effectLst/>
+                <a:latin typeface="+mn-lt"/>
+                <a:ea typeface="+mn-ea"/>
+                <a:cs typeface="+mn-cs"/>
+              </a:rPr>
+              <a:t> </a:t>
+            </a:r>
+            <a:r>
+              <a:rPr lang="en-US" sz="1200" b="0" i="0" kern="1200" dirty="0" smtClean="0">
+                <a:solidFill>
+                  <a:schemeClr val="tx1"/>
+                </a:solidFill>
+                <a:effectLst/>
+                <a:latin typeface="+mn-lt"/>
+                <a:ea typeface="+mn-ea"/>
+                <a:cs typeface="+mn-cs"/>
+              </a:rPr>
+              <a:t>(</a:t>
+            </a:r>
+            <a:r>
+              <a:rPr lang="en-US" sz="1200" b="0" i="0" kern="1200" dirty="0" err="1" smtClean="0">
+                <a:solidFill>
+                  <a:schemeClr val="tx1"/>
+                </a:solidFill>
+                <a:effectLst/>
+                <a:latin typeface="+mn-lt"/>
+                <a:ea typeface="+mn-ea"/>
+                <a:cs typeface="+mn-cs"/>
+              </a:rPr>
+              <a:t>GoF</a:t>
+            </a:r>
+            <a:r>
+              <a:rPr lang="en-US" sz="1200" b="0" i="0" kern="1200" dirty="0" smtClean="0">
+                <a:solidFill>
+                  <a:schemeClr val="tx1"/>
+                </a:solidFill>
+                <a:effectLst/>
+                <a:latin typeface="+mn-lt"/>
+                <a:ea typeface="+mn-ea"/>
+                <a:cs typeface="+mn-cs"/>
+              </a:rPr>
+              <a:t>) are the foundation for recurring software problems. These consists of 23patterns which mostly deal with the </a:t>
+            </a:r>
+            <a:r>
+              <a:rPr lang="en-US" sz="1200" b="0" i="0" u="sng" kern="1200" dirty="0" smtClean="0">
+                <a:solidFill>
+                  <a:schemeClr val="tx1"/>
+                </a:solidFill>
+                <a:effectLst/>
+                <a:latin typeface="+mn-lt"/>
+                <a:ea typeface="+mn-ea"/>
+                <a:cs typeface="+mn-cs"/>
+              </a:rPr>
+              <a:t>low level</a:t>
+            </a:r>
+            <a:r>
+              <a:rPr lang="en-US" sz="1200" b="0" i="0" kern="1200" dirty="0" smtClean="0">
+                <a:solidFill>
+                  <a:schemeClr val="tx1"/>
+                </a:solidFill>
+                <a:effectLst/>
+                <a:latin typeface="+mn-lt"/>
+                <a:ea typeface="+mn-ea"/>
+                <a:cs typeface="+mn-cs"/>
+              </a:rPr>
+              <a:t> design of software. These patterns are solutions or in fact templates for making the code more and more reusable and maintainable. One of the primary goals of design patterns is to make the software easy to modify and maintain without making large scale changes. Hence most of the Gang of Four patterns talk about adapting the software to new requirements without major modifications to the existing software. They are more into making the software flexible to adapt to new changes.</a:t>
+            </a:r>
+          </a:p>
+          <a:p>
+            <a:r>
+              <a:rPr lang="en-US" sz="1200" b="1" i="0" u="none" strike="noStrike" kern="1200" dirty="0" smtClean="0">
+                <a:solidFill>
+                  <a:schemeClr val="tx1"/>
+                </a:solidFill>
+                <a:effectLst/>
+                <a:latin typeface="+mn-lt"/>
+                <a:ea typeface="+mn-ea"/>
+                <a:cs typeface="+mn-cs"/>
+                <a:hlinkClick r:id="rId4"/>
+              </a:rPr>
+              <a:t>Martin Fowler</a:t>
+            </a:r>
+            <a:r>
+              <a:rPr lang="en-US" sz="1200" b="1" i="0" kern="1200" dirty="0" smtClean="0">
+                <a:solidFill>
+                  <a:schemeClr val="tx1"/>
+                </a:solidFill>
+                <a:effectLst/>
+                <a:latin typeface="+mn-lt"/>
+                <a:ea typeface="+mn-ea"/>
+                <a:cs typeface="+mn-cs"/>
+              </a:rPr>
+              <a:t> </a:t>
+            </a:r>
+            <a:r>
+              <a:rPr lang="en-US" sz="1200" b="0" i="0" kern="1200" dirty="0" smtClean="0">
+                <a:solidFill>
+                  <a:schemeClr val="tx1"/>
+                </a:solidFill>
+                <a:effectLst/>
+                <a:latin typeface="+mn-lt"/>
+                <a:ea typeface="+mn-ea"/>
+                <a:cs typeface="+mn-cs"/>
+              </a:rPr>
+              <a:t>and various other prominent software professionals came up with next level </a:t>
+            </a:r>
+            <a:r>
+              <a:rPr lang="en-US" sz="1200" b="0" i="0" kern="1200" dirty="0" err="1" smtClean="0">
+                <a:solidFill>
+                  <a:schemeClr val="tx1"/>
+                </a:solidFill>
+                <a:effectLst/>
+                <a:latin typeface="+mn-lt"/>
+                <a:ea typeface="+mn-ea"/>
+                <a:cs typeface="+mn-cs"/>
+              </a:rPr>
+              <a:t>ofpatterns</a:t>
+            </a:r>
+            <a:r>
+              <a:rPr lang="en-US" sz="1200" b="0" i="0" kern="1200" dirty="0" smtClean="0">
+                <a:solidFill>
+                  <a:schemeClr val="tx1"/>
+                </a:solidFill>
+                <a:effectLst/>
+                <a:latin typeface="+mn-lt"/>
+                <a:ea typeface="+mn-ea"/>
+                <a:cs typeface="+mn-cs"/>
+              </a:rPr>
+              <a:t> which don’t necessarily deal with how we design the classes and interfaces. But </a:t>
+            </a:r>
+            <a:r>
+              <a:rPr lang="en-US" sz="1200" b="0" i="0" kern="1200" dirty="0" err="1" smtClean="0">
+                <a:solidFill>
+                  <a:schemeClr val="tx1"/>
+                </a:solidFill>
+                <a:effectLst/>
+                <a:latin typeface="+mn-lt"/>
+                <a:ea typeface="+mn-ea"/>
+                <a:cs typeface="+mn-cs"/>
+              </a:rPr>
+              <a:t>theirpatterns</a:t>
+            </a:r>
+            <a:r>
+              <a:rPr lang="en-US" sz="1200" b="0" i="0" kern="1200" dirty="0" smtClean="0">
+                <a:solidFill>
+                  <a:schemeClr val="tx1"/>
+                </a:solidFill>
+                <a:effectLst/>
+                <a:latin typeface="+mn-lt"/>
+                <a:ea typeface="+mn-ea"/>
+                <a:cs typeface="+mn-cs"/>
+              </a:rPr>
+              <a:t> were based on how we use the components in broader sense. They defined </a:t>
+            </a:r>
+            <a:r>
+              <a:rPr lang="en-US" sz="1200" b="0" i="0" kern="1200" dirty="0" err="1" smtClean="0">
+                <a:solidFill>
+                  <a:schemeClr val="tx1"/>
+                </a:solidFill>
+                <a:effectLst/>
+                <a:latin typeface="+mn-lt"/>
+                <a:ea typeface="+mn-ea"/>
+                <a:cs typeface="+mn-cs"/>
+              </a:rPr>
+              <a:t>the</a:t>
+            </a:r>
+            <a:r>
+              <a:rPr lang="en-US" sz="1200" b="1" i="0" u="none" strike="noStrike" kern="1200" dirty="0" err="1" smtClean="0">
+                <a:solidFill>
+                  <a:schemeClr val="tx1"/>
+                </a:solidFill>
+                <a:effectLst/>
+                <a:latin typeface="+mn-lt"/>
+                <a:ea typeface="+mn-ea"/>
+                <a:cs typeface="+mn-cs"/>
+                <a:hlinkClick r:id="rId5"/>
+              </a:rPr>
+              <a:t>Enterprise</a:t>
+            </a:r>
+            <a:r>
+              <a:rPr lang="en-US" sz="1200" b="1" i="0" u="none" strike="noStrike" kern="1200" dirty="0" smtClean="0">
+                <a:solidFill>
+                  <a:schemeClr val="tx1"/>
+                </a:solidFill>
+                <a:effectLst/>
+                <a:latin typeface="+mn-lt"/>
+                <a:ea typeface="+mn-ea"/>
+                <a:cs typeface="+mn-cs"/>
+                <a:hlinkClick r:id="rId5"/>
+              </a:rPr>
+              <a:t> Architectural Patterns</a:t>
+            </a:r>
+            <a:r>
+              <a:rPr lang="en-US" sz="1200" b="0" i="0" kern="1200" dirty="0" smtClean="0">
+                <a:solidFill>
+                  <a:schemeClr val="tx1"/>
+                </a:solidFill>
+                <a:effectLst/>
+                <a:latin typeface="+mn-lt"/>
+                <a:ea typeface="+mn-ea"/>
+                <a:cs typeface="+mn-cs"/>
+              </a:rPr>
+              <a:t>. These patterns deal with commonly used solutions across enterprises. These patterns are still evolving and unlike the </a:t>
+            </a:r>
+            <a:r>
+              <a:rPr lang="en-US" sz="1200" b="0" i="0" kern="1200" dirty="0" err="1" smtClean="0">
+                <a:solidFill>
+                  <a:schemeClr val="tx1"/>
+                </a:solidFill>
+                <a:effectLst/>
+                <a:latin typeface="+mn-lt"/>
+                <a:ea typeface="+mn-ea"/>
+                <a:cs typeface="+mn-cs"/>
+              </a:rPr>
+              <a:t>GoF</a:t>
+            </a:r>
+            <a:r>
+              <a:rPr lang="en-US" sz="1200" b="0" i="0" kern="1200" dirty="0" smtClean="0">
+                <a:solidFill>
+                  <a:schemeClr val="tx1"/>
+                </a:solidFill>
+                <a:effectLst/>
+                <a:latin typeface="+mn-lt"/>
+                <a:ea typeface="+mn-ea"/>
+                <a:cs typeface="+mn-cs"/>
+              </a:rPr>
+              <a:t> patterns their origins are in different places.</a:t>
+            </a:r>
+          </a:p>
+          <a:p>
+            <a:endParaRPr lang="es-PE" dirty="0"/>
+          </a:p>
+        </p:txBody>
+      </p:sp>
+      <p:sp>
+        <p:nvSpPr>
+          <p:cNvPr id="4" name="3 Marcador de número de diapositiva"/>
+          <p:cNvSpPr>
+            <a:spLocks noGrp="1"/>
+          </p:cNvSpPr>
+          <p:nvPr>
+            <p:ph type="sldNum" sz="quarter" idx="10"/>
+          </p:nvPr>
+        </p:nvSpPr>
+        <p:spPr/>
+        <p:txBody>
+          <a:bodyPr/>
+          <a:lstStyle/>
+          <a:p>
+            <a:fld id="{461E77B3-7305-48AE-9B41-F8AEDAD2F2AA}" type="slidenum">
+              <a:rPr lang="es-PE" smtClean="0"/>
+              <a:t>12</a:t>
+            </a:fld>
+            <a:endParaRPr lang="es-PE"/>
+          </a:p>
+        </p:txBody>
+      </p:sp>
+    </p:spTree>
+    <p:extLst>
+      <p:ext uri="{BB962C8B-B14F-4D97-AF65-F5344CB8AC3E}">
+        <p14:creationId xmlns:p14="http://schemas.microsoft.com/office/powerpoint/2010/main" val="465031155"/>
+      </p:ext>
+    </p:extLst>
+  </p:cSld>
+  <p:clrMapOvr>
+    <a:masterClrMapping/>
+  </p:clrMapOvr>
+</p:notes>
+</file>
+
+<file path=ppt/notesSlides/notesSlide13.xml><?xml version="1.0" encoding="utf-8"?>
+<p:notes xmlns:a="http://schemas.openxmlformats.org/drawingml/2006/main" xmlns:r="http://schemas.openxmlformats.org/officeDocument/2006/relationships" xmlns:p="http://schemas.openxmlformats.org/presentationml/2006/main">
+  <p:cSld>
+    <p:spTree>
+      <p:nvGrpSpPr>
+        <p:cNvPr id="1" name=""/>
+        <p:cNvGrpSpPr/>
+        <p:nvPr/>
+      </p:nvGrpSpPr>
+      <p:grpSpPr>
+        <a:xfrm>
+          <a:off x="0" y="0"/>
+          <a:ext cx="0" cy="0"/>
+          <a:chOff x="0" y="0"/>
+          <a:chExt cx="0" cy="0"/>
+        </a:xfrm>
+      </p:grpSpPr>
+      <p:sp>
+        <p:nvSpPr>
+          <p:cNvPr id="2" name="1 Marcador de imagen de diapositiva"/>
+          <p:cNvSpPr>
+            <a:spLocks noGrp="1" noRot="1" noChangeAspect="1"/>
+          </p:cNvSpPr>
+          <p:nvPr>
+            <p:ph type="sldImg"/>
+          </p:nvPr>
+        </p:nvSpPr>
+        <p:spPr/>
+      </p:sp>
+      <p:sp>
+        <p:nvSpPr>
+          <p:cNvPr id="3" name="2 Marcador de notas"/>
+          <p:cNvSpPr>
+            <a:spLocks noGrp="1"/>
+          </p:cNvSpPr>
+          <p:nvPr>
+            <p:ph type="body" idx="1"/>
+          </p:nvPr>
+        </p:nvSpPr>
+        <p:spPr/>
+        <p:txBody>
+          <a:bodyPr/>
+          <a:lstStyle/>
+          <a:p>
+            <a:r>
+              <a:rPr lang="en-US" sz="1200" b="0" i="0" kern="1200" dirty="0" smtClean="0">
+                <a:solidFill>
+                  <a:schemeClr val="tx1"/>
+                </a:solidFill>
+                <a:effectLst/>
+                <a:latin typeface="+mn-lt"/>
+                <a:ea typeface="+mn-ea"/>
+                <a:cs typeface="+mn-cs"/>
+              </a:rPr>
+              <a:t>An enterprise application is a business application, obviously. As most people use the term, it is a </a:t>
+            </a:r>
+            <a:r>
+              <a:rPr lang="en-US" sz="1200" b="0" i="1" kern="1200" dirty="0" smtClean="0">
+                <a:solidFill>
+                  <a:schemeClr val="tx1"/>
+                </a:solidFill>
+                <a:effectLst/>
+                <a:latin typeface="+mn-lt"/>
+                <a:ea typeface="+mn-ea"/>
+                <a:cs typeface="+mn-cs"/>
+              </a:rPr>
+              <a:t>big</a:t>
+            </a:r>
+            <a:r>
+              <a:rPr lang="en-US" sz="1200" b="0" i="0" kern="1200" dirty="0" smtClean="0">
+                <a:solidFill>
+                  <a:schemeClr val="tx1"/>
+                </a:solidFill>
+                <a:effectLst/>
+                <a:latin typeface="+mn-lt"/>
+                <a:ea typeface="+mn-ea"/>
+                <a:cs typeface="+mn-cs"/>
+              </a:rPr>
+              <a:t> business application. In today’s corporate environment, enterprise applications are complex, scalable, distributed, component-based, and mission-critical. They may be deployed on a variety of platforms across corporate networks, intranets, or the Internet. They are data-centric, user-friendly, and must meet stringent requirements for security, administration, and maintenance. In short, they are highly complex systems.</a:t>
+            </a:r>
+          </a:p>
+          <a:p>
+            <a:endParaRPr lang="en-US" sz="1200" b="0" i="0" kern="1200" dirty="0" smtClean="0">
+              <a:solidFill>
+                <a:schemeClr val="tx1"/>
+              </a:solidFill>
+              <a:effectLst/>
+              <a:latin typeface="+mn-lt"/>
+              <a:ea typeface="+mn-ea"/>
+              <a:cs typeface="+mn-cs"/>
+            </a:endParaRPr>
+          </a:p>
+          <a:p>
+            <a:r>
+              <a:rPr lang="en-US" sz="1200" b="0" i="0" kern="1200" dirty="0" smtClean="0">
+                <a:solidFill>
+                  <a:schemeClr val="tx1"/>
+                </a:solidFill>
+                <a:effectLst/>
+                <a:latin typeface="+mn-lt"/>
+                <a:ea typeface="+mn-ea"/>
+                <a:cs typeface="+mn-cs"/>
+              </a:rPr>
+              <a:t>Designing and developing such enterprise applications means satisfying hundreds or thousands of separate requirements. What’s more, every development decision you make to satisfy each requirement affects many other requirements, often in ways that are difficult to understand or predict — and the failure to meet </a:t>
+            </a:r>
+            <a:r>
+              <a:rPr lang="en-US" sz="1200" b="0" i="1" kern="1200" dirty="0" smtClean="0">
+                <a:solidFill>
+                  <a:schemeClr val="tx1"/>
+                </a:solidFill>
+                <a:effectLst/>
+                <a:latin typeface="+mn-lt"/>
+                <a:ea typeface="+mn-ea"/>
+                <a:cs typeface="+mn-cs"/>
+              </a:rPr>
+              <a:t>any</a:t>
+            </a:r>
+            <a:r>
+              <a:rPr lang="en-US" sz="1200" b="0" i="0" kern="1200" dirty="0" smtClean="0">
+                <a:solidFill>
+                  <a:schemeClr val="tx1"/>
+                </a:solidFill>
+                <a:effectLst/>
+                <a:latin typeface="+mn-lt"/>
+                <a:ea typeface="+mn-ea"/>
+                <a:cs typeface="+mn-cs"/>
+              </a:rPr>
+              <a:t> of these requirements can mean the failure of the entire project!</a:t>
+            </a:r>
+          </a:p>
+          <a:p>
+            <a:endParaRPr lang="es-PE" dirty="0"/>
+          </a:p>
+        </p:txBody>
+      </p:sp>
+      <p:sp>
+        <p:nvSpPr>
+          <p:cNvPr id="4" name="3 Marcador de número de diapositiva"/>
+          <p:cNvSpPr>
+            <a:spLocks noGrp="1"/>
+          </p:cNvSpPr>
+          <p:nvPr>
+            <p:ph type="sldNum" sz="quarter" idx="10"/>
+          </p:nvPr>
+        </p:nvSpPr>
+        <p:spPr/>
+        <p:txBody>
+          <a:bodyPr/>
+          <a:lstStyle/>
+          <a:p>
+            <a:fld id="{96DE5A63-0F1F-4DC0-ADE0-CC17EBA6F230}" type="slidenum">
+              <a:rPr lang="es-PE" smtClean="0"/>
+              <a:t>13</a:t>
+            </a:fld>
+            <a:endParaRPr lang="es-PE"/>
+          </a:p>
+        </p:txBody>
+      </p:sp>
+    </p:spTree>
+    <p:extLst>
+      <p:ext uri="{BB962C8B-B14F-4D97-AF65-F5344CB8AC3E}">
+        <p14:creationId xmlns:p14="http://schemas.microsoft.com/office/powerpoint/2010/main" val="3614550747"/>
+      </p:ext>
+    </p:extLst>
+  </p:cSld>
+  <p:clrMapOvr>
+    <a:masterClrMapping/>
+  </p:clrMapOvr>
+</p:notes>
+</file>
+
+<file path=ppt/notesSlides/notesSlide14.xml><?xml version="1.0" encoding="utf-8"?>
+<p:notes xmlns:a="http://schemas.openxmlformats.org/drawingml/2006/main" xmlns:r="http://schemas.openxmlformats.org/officeDocument/2006/relationships" xmlns:p="http://schemas.openxmlformats.org/presentationml/2006/main">
+  <p:cSld>
+    <p:spTree>
+      <p:nvGrpSpPr>
+        <p:cNvPr id="1" name=""/>
+        <p:cNvGrpSpPr/>
+        <p:nvPr/>
+      </p:nvGrpSpPr>
+      <p:grpSpPr>
+        <a:xfrm>
+          <a:off x="0" y="0"/>
+          <a:ext cx="0" cy="0"/>
+          <a:chOff x="0" y="0"/>
+          <a:chExt cx="0" cy="0"/>
+        </a:xfrm>
+      </p:grpSpPr>
+      <p:sp>
+        <p:nvSpPr>
+          <p:cNvPr id="2" name="1 Marcador de imagen de diapositiva"/>
+          <p:cNvSpPr>
+            <a:spLocks noGrp="1" noRot="1" noChangeAspect="1"/>
+          </p:cNvSpPr>
+          <p:nvPr>
+            <p:ph type="sldImg"/>
+          </p:nvPr>
+        </p:nvSpPr>
+        <p:spPr/>
+      </p:sp>
+      <p:sp>
+        <p:nvSpPr>
+          <p:cNvPr id="3" name="2 Marcador de notas"/>
+          <p:cNvSpPr>
+            <a:spLocks noGrp="1"/>
+          </p:cNvSpPr>
+          <p:nvPr>
+            <p:ph type="body" idx="1"/>
+          </p:nvPr>
+        </p:nvSpPr>
+        <p:spPr/>
+        <p:txBody>
+          <a:bodyPr/>
+          <a:lstStyle/>
+          <a:p>
+            <a:endParaRPr lang="es-PE" dirty="0"/>
+          </a:p>
+        </p:txBody>
+      </p:sp>
+      <p:sp>
+        <p:nvSpPr>
+          <p:cNvPr id="4" name="3 Marcador de número de diapositiva"/>
+          <p:cNvSpPr>
+            <a:spLocks noGrp="1"/>
+          </p:cNvSpPr>
+          <p:nvPr>
+            <p:ph type="sldNum" sz="quarter" idx="10"/>
+          </p:nvPr>
+        </p:nvSpPr>
+        <p:spPr/>
+        <p:txBody>
+          <a:bodyPr/>
+          <a:lstStyle/>
+          <a:p>
+            <a:fld id="{96DE5A63-0F1F-4DC0-ADE0-CC17EBA6F230}" type="slidenum">
+              <a:rPr lang="es-PE" smtClean="0"/>
+              <a:t>14</a:t>
+            </a:fld>
+            <a:endParaRPr lang="es-PE"/>
+          </a:p>
+        </p:txBody>
+      </p:sp>
+    </p:spTree>
+    <p:extLst>
+      <p:ext uri="{BB962C8B-B14F-4D97-AF65-F5344CB8AC3E}">
+        <p14:creationId xmlns:p14="http://schemas.microsoft.com/office/powerpoint/2010/main" val="3614550747"/>
+      </p:ext>
+    </p:extLst>
+  </p:cSld>
+  <p:clrMapOvr>
+    <a:masterClrMapping/>
+  </p:clrMapOvr>
+</p:notes>
+</file>
+
 <file path=ppt/notesSlides/notesSlide2.xml><?xml version="1.0" encoding="utf-8"?>
 <p:notes xmlns:a="http://schemas.openxmlformats.org/drawingml/2006/main" xmlns:r="http://schemas.openxmlformats.org/officeDocument/2006/relationships" xmlns:p="http://schemas.openxmlformats.org/presentationml/2006/main">
   <p:cSld>
@@ -1579,7 +2253,7 @@
           <a:p>
             <a:fld id="{D76286B0-60B7-4FD7-B94C-B0421D9B2B26}" type="datetimeFigureOut">
               <a:rPr lang="es-PE" smtClean="0"/>
-              <a:t>17/06/2013</a:t>
+              <a:t>26/06/2013</a:t>
             </a:fld>
             <a:endParaRPr lang="es-PE"/>
           </a:p>
@@ -1756,7 +2430,7 @@
           <a:p>
             <a:fld id="{D76286B0-60B7-4FD7-B94C-B0421D9B2B26}" type="datetimeFigureOut">
               <a:rPr lang="es-PE" smtClean="0"/>
-              <a:t>17/06/2013</a:t>
+              <a:t>26/06/2013</a:t>
             </a:fld>
             <a:endParaRPr lang="es-PE"/>
           </a:p>
@@ -1943,7 +2617,7 @@
           <a:p>
             <a:fld id="{D76286B0-60B7-4FD7-B94C-B0421D9B2B26}" type="datetimeFigureOut">
               <a:rPr lang="es-PE" smtClean="0"/>
-              <a:t>17/06/2013</a:t>
+              <a:t>26/06/2013</a:t>
             </a:fld>
             <a:endParaRPr lang="es-PE"/>
           </a:p>
@@ -2120,7 +2794,7 @@
           <a:p>
             <a:fld id="{D76286B0-60B7-4FD7-B94C-B0421D9B2B26}" type="datetimeFigureOut">
               <a:rPr lang="es-PE" smtClean="0"/>
-              <a:t>17/06/2013</a:t>
+              <a:t>26/06/2013</a:t>
             </a:fld>
             <a:endParaRPr lang="es-PE"/>
           </a:p>
@@ -2373,7 +3047,7 @@
           <a:p>
             <a:fld id="{D76286B0-60B7-4FD7-B94C-B0421D9B2B26}" type="datetimeFigureOut">
               <a:rPr lang="es-PE" smtClean="0"/>
-              <a:t>17/06/2013</a:t>
+              <a:t>26/06/2013</a:t>
             </a:fld>
             <a:endParaRPr lang="es-PE"/>
           </a:p>
@@ -2668,7 +3342,7 @@
           <a:p>
             <a:fld id="{D76286B0-60B7-4FD7-B94C-B0421D9B2B26}" type="datetimeFigureOut">
               <a:rPr lang="es-PE" smtClean="0"/>
-              <a:t>17/06/2013</a:t>
+              <a:t>26/06/2013</a:t>
             </a:fld>
             <a:endParaRPr lang="es-PE"/>
           </a:p>
@@ -3097,7 +3771,7 @@
           <a:p>
             <a:fld id="{D76286B0-60B7-4FD7-B94C-B0421D9B2B26}" type="datetimeFigureOut">
               <a:rPr lang="es-PE" smtClean="0"/>
-              <a:t>17/06/2013</a:t>
+              <a:t>26/06/2013</a:t>
             </a:fld>
             <a:endParaRPr lang="es-PE"/>
           </a:p>
@@ -3222,7 +3896,7 @@
           <a:p>
             <a:fld id="{D76286B0-60B7-4FD7-B94C-B0421D9B2B26}" type="datetimeFigureOut">
               <a:rPr lang="es-PE" smtClean="0"/>
-              <a:t>17/06/2013</a:t>
+              <a:t>26/06/2013</a:t>
             </a:fld>
             <a:endParaRPr lang="es-PE"/>
           </a:p>
@@ -3324,7 +3998,7 @@
           <a:p>
             <a:fld id="{D76286B0-60B7-4FD7-B94C-B0421D9B2B26}" type="datetimeFigureOut">
               <a:rPr lang="es-PE" smtClean="0"/>
-              <a:t>17/06/2013</a:t>
+              <a:t>26/06/2013</a:t>
             </a:fld>
             <a:endParaRPr lang="es-PE"/>
           </a:p>
@@ -3608,7 +4282,7 @@
           <a:p>
             <a:fld id="{D76286B0-60B7-4FD7-B94C-B0421D9B2B26}" type="datetimeFigureOut">
               <a:rPr lang="es-PE" smtClean="0"/>
-              <a:t>17/06/2013</a:t>
+              <a:t>26/06/2013</a:t>
             </a:fld>
             <a:endParaRPr lang="es-PE"/>
           </a:p>
@@ -3875,7 +4549,7 @@
           <a:p>
             <a:fld id="{D76286B0-60B7-4FD7-B94C-B0421D9B2B26}" type="datetimeFigureOut">
               <a:rPr lang="es-PE" smtClean="0"/>
-              <a:t>17/06/2013</a:t>
+              <a:t>26/06/2013</a:t>
             </a:fld>
             <a:endParaRPr lang="es-PE"/>
           </a:p>
@@ -4120,7 +4794,7 @@
           <a:p>
             <a:fld id="{D76286B0-60B7-4FD7-B94C-B0421D9B2B26}" type="datetimeFigureOut">
               <a:rPr lang="es-PE" smtClean="0"/>
-              <a:t>17/06/2013</a:t>
+              <a:t>26/06/2013</a:t>
             </a:fld>
             <a:endParaRPr lang="es-PE"/>
           </a:p>
@@ -5374,6 +6048,1040 @@
 </p:sld>
 </file>
 
+<file path=ppt/slides/slide12.xml><?xml version="1.0" encoding="utf-8"?>
+<p:sld xmlns:a="http://schemas.openxmlformats.org/drawingml/2006/main" xmlns:r="http://schemas.openxmlformats.org/officeDocument/2006/relationships" xmlns:p="http://schemas.openxmlformats.org/presentationml/2006/main">
+  <p:cSld>
+    <p:spTree>
+      <p:nvGrpSpPr>
+        <p:cNvPr id="1" name=""/>
+        <p:cNvGrpSpPr/>
+        <p:nvPr/>
+      </p:nvGrpSpPr>
+      <p:grpSpPr>
+        <a:xfrm>
+          <a:off x="0" y="0"/>
+          <a:ext cx="0" cy="0"/>
+          <a:chOff x="0" y="0"/>
+          <a:chExt cx="0" cy="0"/>
+        </a:xfrm>
+      </p:grpSpPr>
+      <p:sp>
+        <p:nvSpPr>
+          <p:cNvPr id="4" name="1 Título"/>
+          <p:cNvSpPr>
+            <a:spLocks noGrp="1"/>
+          </p:cNvSpPr>
+          <p:nvPr>
+            <p:ph type="ctrTitle"/>
+          </p:nvPr>
+        </p:nvSpPr>
+        <p:spPr>
+          <a:xfrm>
+            <a:off x="827584" y="1700808"/>
+            <a:ext cx="7560840" cy="1944216"/>
+          </a:xfrm>
+        </p:spPr>
+        <p:txBody>
+          <a:bodyPr/>
+          <a:lstStyle/>
+          <a:p>
+            <a:r>
+              <a:rPr lang="es-PE" sz="9600" b="1" dirty="0" smtClean="0">
+                <a:solidFill>
+                  <a:srgbClr val="0070C0"/>
+                </a:solidFill>
+              </a:rPr>
+              <a:t>Enterprise</a:t>
+            </a:r>
+            <a:br>
+              <a:rPr lang="es-PE" sz="9600" b="1" dirty="0" smtClean="0">
+                <a:solidFill>
+                  <a:srgbClr val="0070C0"/>
+                </a:solidFill>
+              </a:rPr>
+            </a:br>
+            <a:r>
+              <a:rPr lang="es-PE" sz="9600" b="1" dirty="0" err="1" smtClean="0">
+                <a:solidFill>
+                  <a:srgbClr val="0070C0"/>
+                </a:solidFill>
+              </a:rPr>
+              <a:t>Design</a:t>
+            </a:r>
+            <a:r>
+              <a:rPr lang="es-PE" sz="9600" b="1" dirty="0" smtClean="0">
+                <a:solidFill>
+                  <a:srgbClr val="0070C0"/>
+                </a:solidFill>
+              </a:rPr>
+              <a:t/>
+            </a:r>
+            <a:br>
+              <a:rPr lang="es-PE" sz="9600" b="1" dirty="0" smtClean="0">
+                <a:solidFill>
+                  <a:srgbClr val="0070C0"/>
+                </a:solidFill>
+              </a:rPr>
+            </a:br>
+            <a:r>
+              <a:rPr lang="es-PE" sz="9600" b="1" dirty="0" err="1" smtClean="0">
+                <a:solidFill>
+                  <a:srgbClr val="0070C0"/>
+                </a:solidFill>
+              </a:rPr>
+              <a:t>Patterns</a:t>
+            </a:r>
+            <a:r>
+              <a:rPr lang="es-PE" sz="9600" b="1" dirty="0" smtClean="0">
+                <a:solidFill>
+                  <a:srgbClr val="0070C0"/>
+                </a:solidFill>
+              </a:rPr>
+              <a:t> </a:t>
+            </a:r>
+            <a:endParaRPr lang="es-ES" sz="9600" b="1" dirty="0">
+              <a:solidFill>
+                <a:srgbClr val="0070C0"/>
+              </a:solidFill>
+            </a:endParaRPr>
+          </a:p>
+        </p:txBody>
+      </p:sp>
+      <p:sp>
+        <p:nvSpPr>
+          <p:cNvPr id="5" name="2 Subtítulo"/>
+          <p:cNvSpPr txBox="1">
+            <a:spLocks/>
+          </p:cNvSpPr>
+          <p:nvPr/>
+        </p:nvSpPr>
+        <p:spPr bwMode="auto">
+          <a:xfrm>
+            <a:off x="179512" y="5471621"/>
+            <a:ext cx="3214709" cy="515717"/>
+          </a:xfrm>
+          <a:prstGeom prst="rect">
+            <a:avLst/>
+          </a:prstGeom>
+          <a:noFill/>
+          <a:ln w="9525">
+            <a:noFill/>
+            <a:miter lim="800000"/>
+            <a:headEnd/>
+            <a:tailEnd/>
+          </a:ln>
+        </p:spPr>
+        <p:txBody>
+          <a:bodyPr vert="horz" wrap="square" lIns="91440" tIns="45720" rIns="91440" bIns="45720" numCol="1" rtlCol="0" anchor="t" anchorCtr="0" compatLnSpc="1">
+            <a:prstTxWarp prst="textNoShape">
+              <a:avLst/>
+            </a:prstTxWarp>
+            <a:noAutofit/>
+          </a:bodyPr>
+          <a:lstStyle/>
+          <a:p>
+            <a:pPr marL="0" marR="0" lvl="0" indent="0" algn="ctr" defTabSz="914400" rtl="0" eaLnBrk="1" fontAlgn="auto" latinLnBrk="0" hangingPunct="1">
+              <a:lnSpc>
+                <a:spcPct val="100000"/>
+              </a:lnSpc>
+              <a:spcBef>
+                <a:spcPct val="20000"/>
+              </a:spcBef>
+              <a:spcAft>
+                <a:spcPts val="0"/>
+              </a:spcAft>
+              <a:buClrTx/>
+              <a:buSzTx/>
+              <a:buFont typeface="Arial" pitchFamily="34" charset="0"/>
+              <a:buNone/>
+              <a:tabLst/>
+              <a:defRPr/>
+            </a:pPr>
+            <a:r>
+              <a:rPr kumimoji="0" lang="es-PE" sz="2600" b="1" i="0" u="none" strike="noStrike" kern="1200" cap="none" spc="0" normalizeH="0" baseline="0" noProof="0" dirty="0" smtClean="0">
+                <a:ln>
+                  <a:noFill/>
+                </a:ln>
+                <a:solidFill>
+                  <a:schemeClr val="bg2"/>
+                </a:solidFill>
+                <a:effectLst/>
+                <a:uLnTx/>
+                <a:uFillTx/>
+              </a:rPr>
+              <a:t>Angel Núñez Salazar</a:t>
+            </a:r>
+          </a:p>
+        </p:txBody>
+      </p:sp>
+      <p:sp>
+        <p:nvSpPr>
+          <p:cNvPr id="6" name="Rectangle 1"/>
+          <p:cNvSpPr>
+            <a:spLocks noChangeArrowheads="1"/>
+          </p:cNvSpPr>
+          <p:nvPr/>
+        </p:nvSpPr>
+        <p:spPr bwMode="auto">
+          <a:xfrm>
+            <a:off x="3715072" y="5221649"/>
+            <a:ext cx="5105400" cy="1015663"/>
+          </a:xfrm>
+          <a:prstGeom prst="rect">
+            <a:avLst/>
+          </a:prstGeom>
+          <a:noFill/>
+          <a:ln w="9525">
+            <a:noFill/>
+            <a:miter lim="800000"/>
+            <a:headEnd/>
+            <a:tailEnd/>
+          </a:ln>
+          <a:effectLst/>
+        </p:spPr>
+        <p:txBody>
+          <a:bodyPr vert="horz" wrap="square" lIns="91440" tIns="45720" rIns="91440" bIns="45720" numCol="1" anchor="ctr" anchorCtr="0" compatLnSpc="1">
+            <a:prstTxWarp prst="textNoShape">
+              <a:avLst/>
+            </a:prstTxWarp>
+            <a:spAutoFit/>
+          </a:bodyPr>
+          <a:lstStyle/>
+          <a:p>
+            <a:pPr lvl="0" algn="r" fontAlgn="base">
+              <a:spcBef>
+                <a:spcPct val="0"/>
+              </a:spcBef>
+              <a:spcAft>
+                <a:spcPct val="0"/>
+              </a:spcAft>
+            </a:pPr>
+            <a:r>
+              <a:rPr lang="en-US" sz="2000" b="1" dirty="0" smtClean="0">
+                <a:solidFill>
+                  <a:schemeClr val="bg2"/>
+                </a:solidFill>
+                <a:latin typeface="Trebuchet MS" pitchFamily="34" charset="0"/>
+                <a:ea typeface="Calibri" pitchFamily="34" charset="0"/>
+                <a:cs typeface="Arial" pitchFamily="34" charset="0"/>
+              </a:rPr>
+              <a:t>angel.nunez.salazar@gmail.com</a:t>
+            </a:r>
+            <a:endParaRPr lang="en-US" sz="2000" b="1" dirty="0">
+              <a:solidFill>
+                <a:schemeClr val="bg2"/>
+              </a:solidFill>
+              <a:latin typeface="Trebuchet MS" pitchFamily="34" charset="0"/>
+              <a:ea typeface="Calibri" pitchFamily="34" charset="0"/>
+              <a:cs typeface="Arial" pitchFamily="34" charset="0"/>
+            </a:endParaRPr>
+          </a:p>
+          <a:p>
+            <a:pPr lvl="0" algn="r" eaLnBrk="0" fontAlgn="base" hangingPunct="0">
+              <a:spcBef>
+                <a:spcPct val="0"/>
+              </a:spcBef>
+              <a:spcAft>
+                <a:spcPct val="0"/>
+              </a:spcAft>
+            </a:pPr>
+            <a:r>
+              <a:rPr lang="en-US" sz="2000" b="1" dirty="0" smtClean="0">
+                <a:solidFill>
+                  <a:schemeClr val="bg2"/>
+                </a:solidFill>
+                <a:latin typeface="Trebuchet MS" pitchFamily="34" charset="0"/>
+                <a:ea typeface="Calibri" pitchFamily="34" charset="0"/>
+                <a:cs typeface="Arial" pitchFamily="34" charset="0"/>
+              </a:rPr>
+              <a:t>http</a:t>
+            </a:r>
+            <a:r>
+              <a:rPr lang="en-US" sz="2000" b="1" dirty="0">
+                <a:solidFill>
+                  <a:schemeClr val="bg2"/>
+                </a:solidFill>
+                <a:latin typeface="Trebuchet MS" pitchFamily="34" charset="0"/>
+                <a:ea typeface="Calibri" pitchFamily="34" charset="0"/>
+                <a:cs typeface="Arial" pitchFamily="34" charset="0"/>
+              </a:rPr>
+              <a:t>://</a:t>
+            </a:r>
+            <a:r>
+              <a:rPr lang="en-US" sz="2000" b="1" dirty="0" smtClean="0">
+                <a:solidFill>
+                  <a:schemeClr val="bg2"/>
+                </a:solidFill>
+                <a:latin typeface="Trebuchet MS" pitchFamily="34" charset="0"/>
+                <a:ea typeface="Calibri" pitchFamily="34" charset="0"/>
+                <a:cs typeface="Arial" pitchFamily="34" charset="0"/>
+              </a:rPr>
+              <a:t>snahider.blogspot.com</a:t>
+            </a:r>
+          </a:p>
+          <a:p>
+            <a:pPr lvl="0" algn="r" eaLnBrk="0" fontAlgn="base" hangingPunct="0">
+              <a:spcBef>
+                <a:spcPct val="0"/>
+              </a:spcBef>
+              <a:spcAft>
+                <a:spcPct val="0"/>
+              </a:spcAft>
+            </a:pPr>
+            <a:r>
+              <a:rPr lang="en-US" sz="2000" b="1" dirty="0" smtClean="0">
+                <a:solidFill>
+                  <a:schemeClr val="bg2"/>
+                </a:solidFill>
+                <a:latin typeface="Trebuchet MS" pitchFamily="34" charset="0"/>
+                <a:ea typeface="Calibri" pitchFamily="34" charset="0"/>
+                <a:cs typeface="Arial" pitchFamily="34" charset="0"/>
+              </a:rPr>
+              <a:t>@</a:t>
+            </a:r>
+            <a:r>
+              <a:rPr lang="en-US" sz="2000" b="1" dirty="0" err="1" smtClean="0">
+                <a:solidFill>
+                  <a:schemeClr val="bg2"/>
+                </a:solidFill>
+                <a:latin typeface="Trebuchet MS" pitchFamily="34" charset="0"/>
+                <a:ea typeface="Calibri" pitchFamily="34" charset="0"/>
+                <a:cs typeface="Arial" pitchFamily="34" charset="0"/>
+              </a:rPr>
+              <a:t>snahider</a:t>
+            </a:r>
+            <a:r>
+              <a:rPr lang="en-US" sz="2000" b="1" dirty="0" smtClean="0">
+                <a:solidFill>
+                  <a:schemeClr val="bg2"/>
+                </a:solidFill>
+                <a:latin typeface="Trebuchet MS" pitchFamily="34" charset="0"/>
+                <a:cs typeface="Arial" pitchFamily="34" charset="0"/>
+              </a:rPr>
+              <a:t> </a:t>
+            </a:r>
+          </a:p>
+        </p:txBody>
+      </p:sp>
+    </p:spTree>
+    <p:extLst>
+      <p:ext uri="{BB962C8B-B14F-4D97-AF65-F5344CB8AC3E}">
+        <p14:creationId xmlns:p14="http://schemas.microsoft.com/office/powerpoint/2010/main" val="3977330961"/>
+      </p:ext>
+    </p:extLst>
+  </p:cSld>
+  <p:clrMapOvr>
+    <a:masterClrMapping/>
+  </p:clrMapOvr>
+  <mc:AlternateContent xmlns:mc="http://schemas.openxmlformats.org/markup-compatibility/2006" xmlns:p14="http://schemas.microsoft.com/office/powerpoint/2010/main">
+    <mc:Choice Requires="p14">
+      <p:transition p14:dur="0"/>
+    </mc:Choice>
+    <mc:Fallback xmlns="">
+      <p:transition/>
+    </mc:Fallback>
+  </mc:AlternateContent>
+  <p:timing>
+    <p:tnLst>
+      <p:par>
+        <p:cTn id="1" dur="indefinite" restart="never" nodeType="tmRoot"/>
+      </p:par>
+    </p:tnLst>
+  </p:timing>
+</p:sld>
+</file>
+
+<file path=ppt/slides/slide13.xml><?xml version="1.0" encoding="utf-8"?>
+<p:sld xmlns:a="http://schemas.openxmlformats.org/drawingml/2006/main" xmlns:r="http://schemas.openxmlformats.org/officeDocument/2006/relationships" xmlns:p="http://schemas.openxmlformats.org/presentationml/2006/main">
+  <p:cSld>
+    <p:spTree>
+      <p:nvGrpSpPr>
+        <p:cNvPr id="1" name=""/>
+        <p:cNvGrpSpPr/>
+        <p:nvPr/>
+      </p:nvGrpSpPr>
+      <p:grpSpPr>
+        <a:xfrm>
+          <a:off x="0" y="0"/>
+          <a:ext cx="0" cy="0"/>
+          <a:chOff x="0" y="0"/>
+          <a:chExt cx="0" cy="0"/>
+        </a:xfrm>
+      </p:grpSpPr>
+      <p:sp>
+        <p:nvSpPr>
+          <p:cNvPr id="38" name="2 Marcador de contenido"/>
+          <p:cNvSpPr>
+            <a:spLocks noGrp="1"/>
+          </p:cNvSpPr>
+          <p:nvPr>
+            <p:ph idx="1"/>
+          </p:nvPr>
+        </p:nvSpPr>
+        <p:spPr>
+          <a:xfrm>
+            <a:off x="467544" y="1628800"/>
+            <a:ext cx="8352928" cy="2736304"/>
+          </a:xfrm>
+        </p:spPr>
+        <p:txBody>
+          <a:bodyPr/>
+          <a:lstStyle/>
+          <a:p>
+            <a:pPr marL="0" indent="0" algn="ctr">
+              <a:buSzPct val="100000"/>
+              <a:buNone/>
+            </a:pPr>
+            <a:r>
+              <a:rPr lang="es-PE" sz="2800" dirty="0" smtClean="0">
+                <a:solidFill>
+                  <a:schemeClr val="bg1">
+                    <a:lumMod val="95000"/>
+                    <a:lumOff val="5000"/>
+                  </a:schemeClr>
+                </a:solidFill>
+                <a:latin typeface="Arial" pitchFamily="34" charset="0"/>
+                <a:cs typeface="Arial" pitchFamily="34" charset="0"/>
+              </a:rPr>
+              <a:t>Describe aplicaciones que asisten a la organización en resolver problemas a nivel empresarial.</a:t>
+            </a:r>
+          </a:p>
+          <a:p>
+            <a:pPr marL="0" indent="0" algn="ctr">
+              <a:buSzPct val="100000"/>
+              <a:buNone/>
+            </a:pPr>
+            <a:endParaRPr lang="es-PE" sz="2800" dirty="0">
+              <a:solidFill>
+                <a:schemeClr val="bg1">
+                  <a:lumMod val="95000"/>
+                  <a:lumOff val="5000"/>
+                </a:schemeClr>
+              </a:solidFill>
+              <a:latin typeface="Arial" pitchFamily="34" charset="0"/>
+              <a:cs typeface="Arial" pitchFamily="34" charset="0"/>
+            </a:endParaRPr>
+          </a:p>
+          <a:p>
+            <a:pPr>
+              <a:buSzPct val="100000"/>
+            </a:pPr>
+            <a:r>
+              <a:rPr lang="es-PE" sz="2400" dirty="0" err="1" smtClean="0">
+                <a:solidFill>
+                  <a:schemeClr val="bg1">
+                    <a:lumMod val="95000"/>
+                    <a:lumOff val="5000"/>
+                  </a:schemeClr>
+                </a:solidFill>
+                <a:latin typeface="Arial" pitchFamily="34" charset="0"/>
+                <a:cs typeface="Arial" pitchFamily="34" charset="0"/>
+              </a:rPr>
+              <a:t>Billing</a:t>
+            </a:r>
+            <a:r>
+              <a:rPr lang="es-PE" sz="2400" dirty="0" smtClean="0">
+                <a:solidFill>
+                  <a:schemeClr val="bg1">
+                    <a:lumMod val="95000"/>
+                    <a:lumOff val="5000"/>
+                  </a:schemeClr>
+                </a:solidFill>
+                <a:latin typeface="Arial" pitchFamily="34" charset="0"/>
+                <a:cs typeface="Arial" pitchFamily="34" charset="0"/>
+              </a:rPr>
+              <a:t> </a:t>
+            </a:r>
+            <a:r>
+              <a:rPr lang="es-PE" sz="2400" dirty="0" err="1" smtClean="0">
+                <a:solidFill>
+                  <a:schemeClr val="bg1">
+                    <a:lumMod val="95000"/>
+                    <a:lumOff val="5000"/>
+                  </a:schemeClr>
+                </a:solidFill>
+                <a:latin typeface="Arial" pitchFamily="34" charset="0"/>
+                <a:cs typeface="Arial" pitchFamily="34" charset="0"/>
+              </a:rPr>
+              <a:t>Systems</a:t>
+            </a:r>
+            <a:endParaRPr lang="es-PE" sz="2400" dirty="0" smtClean="0">
+              <a:solidFill>
+                <a:schemeClr val="bg1">
+                  <a:lumMod val="95000"/>
+                  <a:lumOff val="5000"/>
+                </a:schemeClr>
+              </a:solidFill>
+              <a:latin typeface="Arial" pitchFamily="34" charset="0"/>
+              <a:cs typeface="Arial" pitchFamily="34" charset="0"/>
+            </a:endParaRPr>
+          </a:p>
+          <a:p>
+            <a:pPr>
+              <a:buSzPct val="100000"/>
+            </a:pPr>
+            <a:r>
+              <a:rPr lang="es-PE" sz="2400" dirty="0" smtClean="0">
+                <a:solidFill>
+                  <a:schemeClr val="bg1">
+                    <a:lumMod val="95000"/>
+                    <a:lumOff val="5000"/>
+                  </a:schemeClr>
+                </a:solidFill>
+                <a:latin typeface="Arial" pitchFamily="34" charset="0"/>
+                <a:cs typeface="Arial" pitchFamily="34" charset="0"/>
+              </a:rPr>
+              <a:t>CRM, ERP</a:t>
+            </a:r>
+          </a:p>
+          <a:p>
+            <a:pPr>
+              <a:buSzPct val="100000"/>
+            </a:pPr>
+            <a:r>
+              <a:rPr lang="es-PE" sz="2400" dirty="0" err="1" smtClean="0">
+                <a:solidFill>
+                  <a:schemeClr val="bg1">
+                    <a:lumMod val="95000"/>
+                    <a:lumOff val="5000"/>
+                  </a:schemeClr>
+                </a:solidFill>
+                <a:latin typeface="Arial" pitchFamily="34" charset="0"/>
+                <a:cs typeface="Arial" pitchFamily="34" charset="0"/>
+              </a:rPr>
+              <a:t>Payment</a:t>
+            </a:r>
+            <a:r>
+              <a:rPr lang="es-PE" sz="2400" dirty="0" smtClean="0">
+                <a:solidFill>
+                  <a:schemeClr val="bg1">
+                    <a:lumMod val="95000"/>
+                    <a:lumOff val="5000"/>
+                  </a:schemeClr>
+                </a:solidFill>
+                <a:latin typeface="Arial" pitchFamily="34" charset="0"/>
+                <a:cs typeface="Arial" pitchFamily="34" charset="0"/>
+              </a:rPr>
+              <a:t> </a:t>
+            </a:r>
+            <a:r>
+              <a:rPr lang="es-PE" sz="2400" dirty="0" err="1" smtClean="0">
+                <a:solidFill>
+                  <a:schemeClr val="bg1">
+                    <a:lumMod val="95000"/>
+                    <a:lumOff val="5000"/>
+                  </a:schemeClr>
+                </a:solidFill>
+                <a:latin typeface="Arial" pitchFamily="34" charset="0"/>
+                <a:cs typeface="Arial" pitchFamily="34" charset="0"/>
+              </a:rPr>
+              <a:t>Processing</a:t>
+            </a:r>
+            <a:endParaRPr lang="es-PE" sz="2400" dirty="0" smtClean="0">
+              <a:solidFill>
+                <a:schemeClr val="bg1">
+                  <a:lumMod val="95000"/>
+                  <a:lumOff val="5000"/>
+                </a:schemeClr>
+              </a:solidFill>
+              <a:latin typeface="Arial" pitchFamily="34" charset="0"/>
+              <a:cs typeface="Arial" pitchFamily="34" charset="0"/>
+            </a:endParaRPr>
+          </a:p>
+          <a:p>
+            <a:pPr>
+              <a:buSzPct val="100000"/>
+            </a:pPr>
+            <a:r>
+              <a:rPr lang="es-PE" sz="2400" dirty="0" err="1" smtClean="0">
+                <a:solidFill>
+                  <a:schemeClr val="bg1">
+                    <a:lumMod val="95000"/>
+                    <a:lumOff val="5000"/>
+                  </a:schemeClr>
+                </a:solidFill>
+                <a:latin typeface="Arial" pitchFamily="34" charset="0"/>
+                <a:cs typeface="Arial" pitchFamily="34" charset="0"/>
+              </a:rPr>
+              <a:t>Customer</a:t>
+            </a:r>
+            <a:r>
+              <a:rPr lang="es-PE" sz="2400" dirty="0" smtClean="0">
+                <a:solidFill>
+                  <a:schemeClr val="bg1">
+                    <a:lumMod val="95000"/>
+                    <a:lumOff val="5000"/>
+                  </a:schemeClr>
+                </a:solidFill>
+                <a:latin typeface="Arial" pitchFamily="34" charset="0"/>
+                <a:cs typeface="Arial" pitchFamily="34" charset="0"/>
+              </a:rPr>
+              <a:t> </a:t>
+            </a:r>
+            <a:r>
+              <a:rPr lang="es-PE" sz="2400" dirty="0" err="1" smtClean="0">
+                <a:solidFill>
+                  <a:schemeClr val="bg1">
+                    <a:lumMod val="95000"/>
+                    <a:lumOff val="5000"/>
+                  </a:schemeClr>
+                </a:solidFill>
+                <a:latin typeface="Arial" pitchFamily="34" charset="0"/>
+                <a:cs typeface="Arial" pitchFamily="34" charset="0"/>
+              </a:rPr>
+              <a:t>Support</a:t>
+            </a:r>
+            <a:endParaRPr lang="es-PE" sz="2400" dirty="0" smtClean="0">
+              <a:solidFill>
+                <a:schemeClr val="bg1">
+                  <a:lumMod val="95000"/>
+                  <a:lumOff val="5000"/>
+                </a:schemeClr>
+              </a:solidFill>
+              <a:latin typeface="Arial" pitchFamily="34" charset="0"/>
+              <a:cs typeface="Arial" pitchFamily="34" charset="0"/>
+            </a:endParaRPr>
+          </a:p>
+          <a:p>
+            <a:pPr>
+              <a:buSzPct val="100000"/>
+            </a:pPr>
+            <a:r>
+              <a:rPr lang="es-PE" sz="2400" dirty="0" smtClean="0">
+                <a:solidFill>
+                  <a:schemeClr val="bg1">
+                    <a:lumMod val="95000"/>
+                    <a:lumOff val="5000"/>
+                  </a:schemeClr>
+                </a:solidFill>
+                <a:latin typeface="Arial" pitchFamily="34" charset="0"/>
+                <a:cs typeface="Arial" pitchFamily="34" charset="0"/>
+              </a:rPr>
+              <a:t>HR </a:t>
+            </a:r>
+            <a:r>
+              <a:rPr lang="es-PE" sz="2400" dirty="0" err="1" smtClean="0">
+                <a:solidFill>
+                  <a:schemeClr val="bg1">
+                    <a:lumMod val="95000"/>
+                    <a:lumOff val="5000"/>
+                  </a:schemeClr>
+                </a:solidFill>
+                <a:latin typeface="Arial" pitchFamily="34" charset="0"/>
+                <a:cs typeface="Arial" pitchFamily="34" charset="0"/>
+              </a:rPr>
+              <a:t>Managment</a:t>
+            </a:r>
+            <a:endParaRPr lang="es-PE" sz="2400" dirty="0" smtClean="0">
+              <a:solidFill>
+                <a:schemeClr val="bg1">
+                  <a:lumMod val="95000"/>
+                  <a:lumOff val="5000"/>
+                </a:schemeClr>
+              </a:solidFill>
+              <a:latin typeface="Arial" pitchFamily="34" charset="0"/>
+              <a:cs typeface="Arial" pitchFamily="34" charset="0"/>
+            </a:endParaRPr>
+          </a:p>
+        </p:txBody>
+      </p:sp>
+      <p:sp>
+        <p:nvSpPr>
+          <p:cNvPr id="3" name="2 CuadroTexto"/>
+          <p:cNvSpPr txBox="1"/>
+          <p:nvPr/>
+        </p:nvSpPr>
+        <p:spPr>
+          <a:xfrm>
+            <a:off x="539552" y="548680"/>
+            <a:ext cx="8136904" cy="769441"/>
+          </a:xfrm>
+          <a:prstGeom prst="rect">
+            <a:avLst/>
+          </a:prstGeom>
+          <a:noFill/>
+        </p:spPr>
+        <p:txBody>
+          <a:bodyPr wrap="square" rtlCol="0">
+            <a:spAutoFit/>
+          </a:bodyPr>
+          <a:lstStyle/>
+          <a:p>
+            <a:pPr algn="ctr"/>
+            <a:r>
+              <a:rPr lang="es-PE" sz="4400" dirty="0" smtClean="0">
+                <a:solidFill>
+                  <a:schemeClr val="accent6">
+                    <a:lumMod val="75000"/>
+                  </a:schemeClr>
+                </a:solidFill>
+                <a:latin typeface="Arial" pitchFamily="34" charset="0"/>
+                <a:cs typeface="Arial" pitchFamily="34" charset="0"/>
+              </a:rPr>
+              <a:t>Enterprise </a:t>
+            </a:r>
+            <a:r>
+              <a:rPr lang="es-PE" sz="4400" dirty="0" err="1" smtClean="0">
+                <a:solidFill>
+                  <a:schemeClr val="accent6">
+                    <a:lumMod val="75000"/>
+                  </a:schemeClr>
+                </a:solidFill>
+                <a:latin typeface="Arial" pitchFamily="34" charset="0"/>
+                <a:cs typeface="Arial" pitchFamily="34" charset="0"/>
+              </a:rPr>
+              <a:t>Applications</a:t>
+            </a:r>
+            <a:endParaRPr lang="es-PE" sz="4400" dirty="0" smtClean="0">
+              <a:solidFill>
+                <a:schemeClr val="accent6">
+                  <a:lumMod val="75000"/>
+                </a:schemeClr>
+              </a:solidFill>
+              <a:latin typeface="Arial" pitchFamily="34" charset="0"/>
+              <a:cs typeface="Arial" pitchFamily="34" charset="0"/>
+            </a:endParaRPr>
+          </a:p>
+        </p:txBody>
+      </p:sp>
+    </p:spTree>
+    <p:extLst>
+      <p:ext uri="{BB962C8B-B14F-4D97-AF65-F5344CB8AC3E}">
+        <p14:creationId xmlns:p14="http://schemas.microsoft.com/office/powerpoint/2010/main" val="3483968986"/>
+      </p:ext>
+    </p:extLst>
+  </p:cSld>
+  <p:clrMapOvr>
+    <a:masterClrMapping/>
+  </p:clrMapOvr>
+  <mc:AlternateContent xmlns:mc="http://schemas.openxmlformats.org/markup-compatibility/2006" xmlns:p14="http://schemas.microsoft.com/office/powerpoint/2010/main">
+    <mc:Choice Requires="p14">
+      <p:transition p14:dur="0"/>
+    </mc:Choice>
+    <mc:Fallback xmlns="">
+      <p:transition/>
+    </mc:Fallback>
+  </mc:AlternateContent>
+  <p:timing>
+    <p:tnLst>
+      <p:par>
+        <p:cTn id="1" dur="indefinite" restart="never" nodeType="tmRoot"/>
+      </p:par>
+    </p:tnLst>
+  </p:timing>
+</p:sld>
+</file>
+
+<file path=ppt/slides/slide14.xml><?xml version="1.0" encoding="utf-8"?>
+<p:sld xmlns:a="http://schemas.openxmlformats.org/drawingml/2006/main" xmlns:r="http://schemas.openxmlformats.org/officeDocument/2006/relationships" xmlns:p="http://schemas.openxmlformats.org/presentationml/2006/main">
+  <p:cSld>
+    <p:spTree>
+      <p:nvGrpSpPr>
+        <p:cNvPr id="1" name=""/>
+        <p:cNvGrpSpPr/>
+        <p:nvPr/>
+      </p:nvGrpSpPr>
+      <p:grpSpPr>
+        <a:xfrm>
+          <a:off x="0" y="0"/>
+          <a:ext cx="0" cy="0"/>
+          <a:chOff x="0" y="0"/>
+          <a:chExt cx="0" cy="0"/>
+        </a:xfrm>
+      </p:grpSpPr>
+      <p:sp>
+        <p:nvSpPr>
+          <p:cNvPr id="38" name="2 Marcador de contenido"/>
+          <p:cNvSpPr>
+            <a:spLocks noGrp="1"/>
+          </p:cNvSpPr>
+          <p:nvPr>
+            <p:ph idx="1"/>
+          </p:nvPr>
+        </p:nvSpPr>
+        <p:spPr>
+          <a:xfrm>
+            <a:off x="467544" y="1628800"/>
+            <a:ext cx="8352928" cy="2736304"/>
+          </a:xfrm>
+        </p:spPr>
+        <p:txBody>
+          <a:bodyPr/>
+          <a:lstStyle/>
+          <a:p>
+            <a:pPr marL="0" indent="0" algn="ctr">
+              <a:buSzPct val="100000"/>
+              <a:buNone/>
+            </a:pPr>
+            <a:r>
+              <a:rPr lang="es-PE" sz="2800" dirty="0" smtClean="0">
+                <a:solidFill>
+                  <a:schemeClr val="bg1">
+                    <a:lumMod val="95000"/>
+                    <a:lumOff val="5000"/>
+                  </a:schemeClr>
+                </a:solidFill>
+                <a:latin typeface="Arial" pitchFamily="34" charset="0"/>
+                <a:cs typeface="Arial" pitchFamily="34" charset="0"/>
+              </a:rPr>
+              <a:t>Soluciones a problemas comunes en aplicaciones empresariales.</a:t>
+            </a:r>
+          </a:p>
+          <a:p>
+            <a:pPr marL="0" indent="0" algn="ctr">
+              <a:buSzPct val="100000"/>
+              <a:buNone/>
+            </a:pPr>
+            <a:endParaRPr lang="es-PE" sz="2800" dirty="0">
+              <a:solidFill>
+                <a:schemeClr val="bg1">
+                  <a:lumMod val="95000"/>
+                  <a:lumOff val="5000"/>
+                </a:schemeClr>
+              </a:solidFill>
+              <a:latin typeface="Arial" pitchFamily="34" charset="0"/>
+              <a:cs typeface="Arial" pitchFamily="34" charset="0"/>
+            </a:endParaRPr>
+          </a:p>
+          <a:p>
+            <a:pPr>
+              <a:buSzPct val="100000"/>
+            </a:pPr>
+            <a:r>
+              <a:rPr lang="es-PE" sz="2800" dirty="0" err="1" smtClean="0">
+                <a:solidFill>
+                  <a:schemeClr val="bg1">
+                    <a:lumMod val="95000"/>
+                    <a:lumOff val="5000"/>
+                  </a:schemeClr>
+                </a:solidFill>
+                <a:latin typeface="Arial" pitchFamily="34" charset="0"/>
+                <a:cs typeface="Arial" pitchFamily="34" charset="0"/>
+              </a:rPr>
+              <a:t>Layering</a:t>
+            </a:r>
+            <a:endParaRPr lang="es-PE" sz="2800" dirty="0" smtClean="0">
+              <a:solidFill>
+                <a:schemeClr val="bg1">
+                  <a:lumMod val="95000"/>
+                  <a:lumOff val="5000"/>
+                </a:schemeClr>
+              </a:solidFill>
+              <a:latin typeface="Arial" pitchFamily="34" charset="0"/>
+              <a:cs typeface="Arial" pitchFamily="34" charset="0"/>
+            </a:endParaRPr>
+          </a:p>
+          <a:p>
+            <a:pPr>
+              <a:buSzPct val="100000"/>
+            </a:pPr>
+            <a:r>
+              <a:rPr lang="es-PE" sz="2800" dirty="0" smtClean="0">
+                <a:solidFill>
+                  <a:schemeClr val="bg1">
+                    <a:lumMod val="95000"/>
+                    <a:lumOff val="5000"/>
+                  </a:schemeClr>
+                </a:solidFill>
+                <a:latin typeface="Arial" pitchFamily="34" charset="0"/>
+                <a:cs typeface="Arial" pitchFamily="34" charset="0"/>
+              </a:rPr>
+              <a:t>Organización Lógica del Dominio</a:t>
+            </a:r>
+          </a:p>
+          <a:p>
+            <a:pPr>
+              <a:buSzPct val="100000"/>
+            </a:pPr>
+            <a:r>
+              <a:rPr lang="es-PE" sz="2800" dirty="0" smtClean="0">
+                <a:solidFill>
+                  <a:schemeClr val="bg1">
+                    <a:lumMod val="95000"/>
+                    <a:lumOff val="5000"/>
+                  </a:schemeClr>
+                </a:solidFill>
+                <a:latin typeface="Arial" pitchFamily="34" charset="0"/>
+                <a:cs typeface="Arial" pitchFamily="34" charset="0"/>
+              </a:rPr>
+              <a:t>Mapeo de BD Relaciones</a:t>
+            </a:r>
+          </a:p>
+          <a:p>
+            <a:pPr>
+              <a:buSzPct val="100000"/>
+            </a:pPr>
+            <a:r>
+              <a:rPr lang="es-PE" sz="2800" dirty="0" smtClean="0">
+                <a:solidFill>
+                  <a:schemeClr val="bg1">
+                    <a:lumMod val="95000"/>
+                    <a:lumOff val="5000"/>
+                  </a:schemeClr>
+                </a:solidFill>
+                <a:latin typeface="Arial" pitchFamily="34" charset="0"/>
+                <a:cs typeface="Arial" pitchFamily="34" charset="0"/>
+              </a:rPr>
+              <a:t>Presentación Web</a:t>
+            </a:r>
+          </a:p>
+          <a:p>
+            <a:pPr>
+              <a:buSzPct val="100000"/>
+            </a:pPr>
+            <a:r>
+              <a:rPr lang="es-PE" sz="2800" dirty="0" smtClean="0">
+                <a:solidFill>
+                  <a:schemeClr val="bg1">
+                    <a:lumMod val="95000"/>
+                    <a:lumOff val="5000"/>
+                  </a:schemeClr>
+                </a:solidFill>
+                <a:latin typeface="Arial" pitchFamily="34" charset="0"/>
+                <a:cs typeface="Arial" pitchFamily="34" charset="0"/>
+              </a:rPr>
+              <a:t>Concurrencia</a:t>
+            </a:r>
+            <a:endParaRPr lang="es-PE" sz="2800" dirty="0" smtClean="0">
+              <a:solidFill>
+                <a:schemeClr val="bg1">
+                  <a:lumMod val="95000"/>
+                  <a:lumOff val="5000"/>
+                </a:schemeClr>
+              </a:solidFill>
+              <a:latin typeface="Arial" pitchFamily="34" charset="0"/>
+              <a:cs typeface="Arial" pitchFamily="34" charset="0"/>
+            </a:endParaRPr>
+          </a:p>
+          <a:p>
+            <a:pPr marL="0" indent="0" algn="ctr">
+              <a:buSzPct val="100000"/>
+              <a:buNone/>
+            </a:pPr>
+            <a:endParaRPr lang="es-PE" sz="2800" dirty="0">
+              <a:solidFill>
+                <a:schemeClr val="bg1">
+                  <a:lumMod val="95000"/>
+                  <a:lumOff val="5000"/>
+                </a:schemeClr>
+              </a:solidFill>
+              <a:latin typeface="Arial" pitchFamily="34" charset="0"/>
+              <a:cs typeface="Arial" pitchFamily="34" charset="0"/>
+            </a:endParaRPr>
+          </a:p>
+        </p:txBody>
+      </p:sp>
+      <p:sp>
+        <p:nvSpPr>
+          <p:cNvPr id="3" name="2 CuadroTexto"/>
+          <p:cNvSpPr txBox="1"/>
+          <p:nvPr/>
+        </p:nvSpPr>
+        <p:spPr>
+          <a:xfrm>
+            <a:off x="539552" y="548680"/>
+            <a:ext cx="8136904" cy="769441"/>
+          </a:xfrm>
+          <a:prstGeom prst="rect">
+            <a:avLst/>
+          </a:prstGeom>
+          <a:noFill/>
+        </p:spPr>
+        <p:txBody>
+          <a:bodyPr wrap="square" rtlCol="0">
+            <a:spAutoFit/>
+          </a:bodyPr>
+          <a:lstStyle/>
+          <a:p>
+            <a:pPr algn="ctr"/>
+            <a:r>
+              <a:rPr lang="es-PE" sz="4400" dirty="0" smtClean="0">
+                <a:solidFill>
+                  <a:schemeClr val="accent6">
+                    <a:lumMod val="75000"/>
+                  </a:schemeClr>
+                </a:solidFill>
+                <a:latin typeface="Arial" pitchFamily="34" charset="0"/>
+                <a:cs typeface="Arial" pitchFamily="34" charset="0"/>
+              </a:rPr>
+              <a:t>Enterprise </a:t>
+            </a:r>
+            <a:r>
+              <a:rPr lang="es-PE" sz="4400" dirty="0" err="1" smtClean="0">
+                <a:solidFill>
+                  <a:schemeClr val="accent6">
+                    <a:lumMod val="75000"/>
+                  </a:schemeClr>
+                </a:solidFill>
+                <a:latin typeface="Arial" pitchFamily="34" charset="0"/>
+                <a:cs typeface="Arial" pitchFamily="34" charset="0"/>
+              </a:rPr>
+              <a:t>Design</a:t>
+            </a:r>
+            <a:r>
+              <a:rPr lang="es-PE" sz="4400" dirty="0" smtClean="0">
+                <a:solidFill>
+                  <a:schemeClr val="accent6">
+                    <a:lumMod val="75000"/>
+                  </a:schemeClr>
+                </a:solidFill>
+                <a:latin typeface="Arial" pitchFamily="34" charset="0"/>
+                <a:cs typeface="Arial" pitchFamily="34" charset="0"/>
+              </a:rPr>
+              <a:t> </a:t>
+            </a:r>
+            <a:r>
+              <a:rPr lang="es-PE" sz="4400" dirty="0" err="1" smtClean="0">
+                <a:solidFill>
+                  <a:schemeClr val="accent6">
+                    <a:lumMod val="75000"/>
+                  </a:schemeClr>
+                </a:solidFill>
+                <a:latin typeface="Arial" pitchFamily="34" charset="0"/>
+                <a:cs typeface="Arial" pitchFamily="34" charset="0"/>
+              </a:rPr>
+              <a:t>Patterns</a:t>
+            </a:r>
+            <a:endParaRPr lang="es-PE" sz="4400" dirty="0" smtClean="0">
+              <a:solidFill>
+                <a:schemeClr val="accent6">
+                  <a:lumMod val="75000"/>
+                </a:schemeClr>
+              </a:solidFill>
+              <a:latin typeface="Arial" pitchFamily="34" charset="0"/>
+              <a:cs typeface="Arial" pitchFamily="34" charset="0"/>
+            </a:endParaRPr>
+          </a:p>
+        </p:txBody>
+      </p:sp>
+    </p:spTree>
+    <p:extLst>
+      <p:ext uri="{BB962C8B-B14F-4D97-AF65-F5344CB8AC3E}">
+        <p14:creationId xmlns:p14="http://schemas.microsoft.com/office/powerpoint/2010/main" val="25800213"/>
+      </p:ext>
+    </p:extLst>
+  </p:cSld>
+  <p:clrMapOvr>
+    <a:masterClrMapping/>
+  </p:clrMapOvr>
+  <mc:AlternateContent xmlns:mc="http://schemas.openxmlformats.org/markup-compatibility/2006" xmlns:p14="http://schemas.microsoft.com/office/powerpoint/2010/main">
+    <mc:Choice Requires="p14">
+      <p:transition p14:dur="0"/>
+    </mc:Choice>
+    <mc:Fallback xmlns="">
+      <p:transition/>
+    </mc:Fallback>
+  </mc:AlternateContent>
+  <p:timing>
+    <p:tnLst>
+      <p:par>
+        <p:cTn id="1" dur="indefinite" restart="never" nodeType="tmRoot"/>
+      </p:par>
+    </p:tnLst>
+  </p:timing>
+</p:sld>
+</file>
+
 <file path=ppt/slides/slide2.xml><?xml version="1.0" encoding="utf-8"?>
 <p:sld xmlns:a="http://schemas.openxmlformats.org/drawingml/2006/main" xmlns:r="http://schemas.openxmlformats.org/officeDocument/2006/relationships" xmlns:p="http://schemas.openxmlformats.org/presentationml/2006/main">
   <p:cSld>
@@ -5489,16 +7197,6 @@
               </a:rPr>
               <a:t>No es una guía que puede ser transformada directamente en código, es una descripción de cómo solucionar un problema en diferentes situaciones.</a:t>
             </a:r>
-            <a:endParaRPr lang="es-PE" sz="2800" dirty="0" smtClean="0">
-              <a:solidFill>
-                <a:schemeClr val="bg1">
-                  <a:lumMod val="95000"/>
-                  <a:lumOff val="5000"/>
-                </a:schemeClr>
-              </a:solidFill>
-              <a:latin typeface="Arial" pitchFamily="34" charset="0"/>
-              <a:cs typeface="Arial" pitchFamily="34" charset="0"/>
-            </a:endParaRPr>
           </a:p>
           <a:p>
             <a:pPr marL="0" indent="0" algn="ctr">

--- a/Diapositivas/Design Patterns.pptx
+++ b/Diapositivas/Design Patterns.pptx
@@ -5,7 +5,7 @@
     <p:sldMasterId id="2147483660" r:id="rId1"/>
   </p:sldMasterIdLst>
   <p:notesMasterIdLst>
-    <p:notesMasterId r:id="rId16"/>
+    <p:notesMasterId r:id="rId20"/>
   </p:notesMasterIdLst>
   <p:sldIdLst>
     <p:sldId id="256" r:id="rId2"/>
@@ -22,6 +22,10 @@
     <p:sldId id="312" r:id="rId13"/>
     <p:sldId id="311" r:id="rId14"/>
     <p:sldId id="313" r:id="rId15"/>
+    <p:sldId id="314" r:id="rId16"/>
+    <p:sldId id="315" r:id="rId17"/>
+    <p:sldId id="316" r:id="rId18"/>
+    <p:sldId id="317" r:id="rId19"/>
   </p:sldIdLst>
   <p:sldSz cx="9144000" cy="6858000" type="screen4x3"/>
   <p:notesSz cx="6858000" cy="9144000"/>
@@ -1378,6 +1382,342 @@
             <a:fld id="{96DE5A63-0F1F-4DC0-ADE0-CC17EBA6F230}" type="slidenum">
               <a:rPr lang="es-PE" smtClean="0"/>
               <a:t>14</a:t>
+            </a:fld>
+            <a:endParaRPr lang="es-PE"/>
+          </a:p>
+        </p:txBody>
+      </p:sp>
+    </p:spTree>
+    <p:extLst>
+      <p:ext uri="{BB962C8B-B14F-4D97-AF65-F5344CB8AC3E}">
+        <p14:creationId xmlns:p14="http://schemas.microsoft.com/office/powerpoint/2010/main" val="3614550747"/>
+      </p:ext>
+    </p:extLst>
+  </p:cSld>
+  <p:clrMapOvr>
+    <a:masterClrMapping/>
+  </p:clrMapOvr>
+</p:notes>
+</file>
+
+<file path=ppt/notesSlides/notesSlide15.xml><?xml version="1.0" encoding="utf-8"?>
+<p:notes xmlns:a="http://schemas.openxmlformats.org/drawingml/2006/main" xmlns:r="http://schemas.openxmlformats.org/officeDocument/2006/relationships" xmlns:p="http://schemas.openxmlformats.org/presentationml/2006/main">
+  <p:cSld>
+    <p:spTree>
+      <p:nvGrpSpPr>
+        <p:cNvPr id="1" name=""/>
+        <p:cNvGrpSpPr/>
+        <p:nvPr/>
+      </p:nvGrpSpPr>
+      <p:grpSpPr>
+        <a:xfrm>
+          <a:off x="0" y="0"/>
+          <a:ext cx="0" cy="0"/>
+          <a:chOff x="0" y="0"/>
+          <a:chExt cx="0" cy="0"/>
+        </a:xfrm>
+      </p:grpSpPr>
+      <p:sp>
+        <p:nvSpPr>
+          <p:cNvPr id="2" name="1 Marcador de imagen de diapositiva"/>
+          <p:cNvSpPr>
+            <a:spLocks noGrp="1" noRot="1" noChangeAspect="1"/>
+          </p:cNvSpPr>
+          <p:nvPr>
+            <p:ph type="sldImg"/>
+          </p:nvPr>
+        </p:nvSpPr>
+        <p:spPr/>
+      </p:sp>
+      <p:sp>
+        <p:nvSpPr>
+          <p:cNvPr id="3" name="2 Marcador de notas"/>
+          <p:cNvSpPr>
+            <a:spLocks noGrp="1"/>
+          </p:cNvSpPr>
+          <p:nvPr>
+            <p:ph type="body" idx="1"/>
+          </p:nvPr>
+        </p:nvSpPr>
+        <p:spPr/>
+        <p:txBody>
+          <a:bodyPr/>
+          <a:lstStyle/>
+          <a:p>
+            <a:endParaRPr lang="es-PE" dirty="0"/>
+          </a:p>
+        </p:txBody>
+      </p:sp>
+      <p:sp>
+        <p:nvSpPr>
+          <p:cNvPr id="4" name="3 Marcador de número de diapositiva"/>
+          <p:cNvSpPr>
+            <a:spLocks noGrp="1"/>
+          </p:cNvSpPr>
+          <p:nvPr>
+            <p:ph type="sldNum" sz="quarter" idx="10"/>
+          </p:nvPr>
+        </p:nvSpPr>
+        <p:spPr/>
+        <p:txBody>
+          <a:bodyPr/>
+          <a:lstStyle/>
+          <a:p>
+            <a:fld id="{96DE5A63-0F1F-4DC0-ADE0-CC17EBA6F230}" type="slidenum">
+              <a:rPr lang="es-PE" smtClean="0"/>
+              <a:t>15</a:t>
+            </a:fld>
+            <a:endParaRPr lang="es-PE"/>
+          </a:p>
+        </p:txBody>
+      </p:sp>
+    </p:spTree>
+    <p:extLst>
+      <p:ext uri="{BB962C8B-B14F-4D97-AF65-F5344CB8AC3E}">
+        <p14:creationId xmlns:p14="http://schemas.microsoft.com/office/powerpoint/2010/main" val="3614550747"/>
+      </p:ext>
+    </p:extLst>
+  </p:cSld>
+  <p:clrMapOvr>
+    <a:masterClrMapping/>
+  </p:clrMapOvr>
+</p:notes>
+</file>
+
+<file path=ppt/notesSlides/notesSlide16.xml><?xml version="1.0" encoding="utf-8"?>
+<p:notes xmlns:a="http://schemas.openxmlformats.org/drawingml/2006/main" xmlns:r="http://schemas.openxmlformats.org/officeDocument/2006/relationships" xmlns:p="http://schemas.openxmlformats.org/presentationml/2006/main">
+  <p:cSld>
+    <p:spTree>
+      <p:nvGrpSpPr>
+        <p:cNvPr id="1" name=""/>
+        <p:cNvGrpSpPr/>
+        <p:nvPr/>
+      </p:nvGrpSpPr>
+      <p:grpSpPr>
+        <a:xfrm>
+          <a:off x="0" y="0"/>
+          <a:ext cx="0" cy="0"/>
+          <a:chOff x="0" y="0"/>
+          <a:chExt cx="0" cy="0"/>
+        </a:xfrm>
+      </p:grpSpPr>
+      <p:sp>
+        <p:nvSpPr>
+          <p:cNvPr id="2" name="1 Marcador de imagen de diapositiva"/>
+          <p:cNvSpPr>
+            <a:spLocks noGrp="1" noRot="1" noChangeAspect="1"/>
+          </p:cNvSpPr>
+          <p:nvPr>
+            <p:ph type="sldImg"/>
+          </p:nvPr>
+        </p:nvSpPr>
+        <p:spPr/>
+      </p:sp>
+      <p:sp>
+        <p:nvSpPr>
+          <p:cNvPr id="3" name="2 Marcador de notas"/>
+          <p:cNvSpPr>
+            <a:spLocks noGrp="1"/>
+          </p:cNvSpPr>
+          <p:nvPr>
+            <p:ph type="body" idx="1"/>
+          </p:nvPr>
+        </p:nvSpPr>
+        <p:spPr/>
+        <p:txBody>
+          <a:bodyPr/>
+          <a:lstStyle/>
+          <a:p>
+            <a:endParaRPr lang="es-PE" dirty="0"/>
+          </a:p>
+        </p:txBody>
+      </p:sp>
+      <p:sp>
+        <p:nvSpPr>
+          <p:cNvPr id="4" name="3 Marcador de número de diapositiva"/>
+          <p:cNvSpPr>
+            <a:spLocks noGrp="1"/>
+          </p:cNvSpPr>
+          <p:nvPr>
+            <p:ph type="sldNum" sz="quarter" idx="10"/>
+          </p:nvPr>
+        </p:nvSpPr>
+        <p:spPr/>
+        <p:txBody>
+          <a:bodyPr/>
+          <a:lstStyle/>
+          <a:p>
+            <a:fld id="{96DE5A63-0F1F-4DC0-ADE0-CC17EBA6F230}" type="slidenum">
+              <a:rPr lang="es-PE" smtClean="0"/>
+              <a:t>16</a:t>
+            </a:fld>
+            <a:endParaRPr lang="es-PE"/>
+          </a:p>
+        </p:txBody>
+      </p:sp>
+    </p:spTree>
+    <p:extLst>
+      <p:ext uri="{BB962C8B-B14F-4D97-AF65-F5344CB8AC3E}">
+        <p14:creationId xmlns:p14="http://schemas.microsoft.com/office/powerpoint/2010/main" val="3614550747"/>
+      </p:ext>
+    </p:extLst>
+  </p:cSld>
+  <p:clrMapOvr>
+    <a:masterClrMapping/>
+  </p:clrMapOvr>
+</p:notes>
+</file>
+
+<file path=ppt/notesSlides/notesSlide17.xml><?xml version="1.0" encoding="utf-8"?>
+<p:notes xmlns:a="http://schemas.openxmlformats.org/drawingml/2006/main" xmlns:r="http://schemas.openxmlformats.org/officeDocument/2006/relationships" xmlns:p="http://schemas.openxmlformats.org/presentationml/2006/main">
+  <p:cSld>
+    <p:spTree>
+      <p:nvGrpSpPr>
+        <p:cNvPr id="1" name=""/>
+        <p:cNvGrpSpPr/>
+        <p:nvPr/>
+      </p:nvGrpSpPr>
+      <p:grpSpPr>
+        <a:xfrm>
+          <a:off x="0" y="0"/>
+          <a:ext cx="0" cy="0"/>
+          <a:chOff x="0" y="0"/>
+          <a:chExt cx="0" cy="0"/>
+        </a:xfrm>
+      </p:grpSpPr>
+      <p:sp>
+        <p:nvSpPr>
+          <p:cNvPr id="2" name="1 Marcador de imagen de diapositiva"/>
+          <p:cNvSpPr>
+            <a:spLocks noGrp="1" noRot="1" noChangeAspect="1"/>
+          </p:cNvSpPr>
+          <p:nvPr>
+            <p:ph type="sldImg"/>
+          </p:nvPr>
+        </p:nvSpPr>
+        <p:spPr/>
+      </p:sp>
+      <p:sp>
+        <p:nvSpPr>
+          <p:cNvPr id="3" name="2 Marcador de notas"/>
+          <p:cNvSpPr>
+            <a:spLocks noGrp="1"/>
+          </p:cNvSpPr>
+          <p:nvPr>
+            <p:ph type="body" idx="1"/>
+          </p:nvPr>
+        </p:nvSpPr>
+        <p:spPr/>
+        <p:txBody>
+          <a:bodyPr/>
+          <a:lstStyle/>
+          <a:p>
+            <a:endParaRPr lang="es-PE" dirty="0"/>
+          </a:p>
+        </p:txBody>
+      </p:sp>
+      <p:sp>
+        <p:nvSpPr>
+          <p:cNvPr id="4" name="3 Marcador de número de diapositiva"/>
+          <p:cNvSpPr>
+            <a:spLocks noGrp="1"/>
+          </p:cNvSpPr>
+          <p:nvPr>
+            <p:ph type="sldNum" sz="quarter" idx="10"/>
+          </p:nvPr>
+        </p:nvSpPr>
+        <p:spPr/>
+        <p:txBody>
+          <a:bodyPr/>
+          <a:lstStyle/>
+          <a:p>
+            <a:fld id="{96DE5A63-0F1F-4DC0-ADE0-CC17EBA6F230}" type="slidenum">
+              <a:rPr lang="es-PE" smtClean="0"/>
+              <a:t>17</a:t>
+            </a:fld>
+            <a:endParaRPr lang="es-PE"/>
+          </a:p>
+        </p:txBody>
+      </p:sp>
+    </p:spTree>
+    <p:extLst>
+      <p:ext uri="{BB962C8B-B14F-4D97-AF65-F5344CB8AC3E}">
+        <p14:creationId xmlns:p14="http://schemas.microsoft.com/office/powerpoint/2010/main" val="3614550747"/>
+      </p:ext>
+    </p:extLst>
+  </p:cSld>
+  <p:clrMapOvr>
+    <a:masterClrMapping/>
+  </p:clrMapOvr>
+</p:notes>
+</file>
+
+<file path=ppt/notesSlides/notesSlide18.xml><?xml version="1.0" encoding="utf-8"?>
+<p:notes xmlns:a="http://schemas.openxmlformats.org/drawingml/2006/main" xmlns:r="http://schemas.openxmlformats.org/officeDocument/2006/relationships" xmlns:p="http://schemas.openxmlformats.org/presentationml/2006/main">
+  <p:cSld>
+    <p:spTree>
+      <p:nvGrpSpPr>
+        <p:cNvPr id="1" name=""/>
+        <p:cNvGrpSpPr/>
+        <p:nvPr/>
+      </p:nvGrpSpPr>
+      <p:grpSpPr>
+        <a:xfrm>
+          <a:off x="0" y="0"/>
+          <a:ext cx="0" cy="0"/>
+          <a:chOff x="0" y="0"/>
+          <a:chExt cx="0" cy="0"/>
+        </a:xfrm>
+      </p:grpSpPr>
+      <p:sp>
+        <p:nvSpPr>
+          <p:cNvPr id="2" name="1 Marcador de imagen de diapositiva"/>
+          <p:cNvSpPr>
+            <a:spLocks noGrp="1" noRot="1" noChangeAspect="1"/>
+          </p:cNvSpPr>
+          <p:nvPr>
+            <p:ph type="sldImg"/>
+          </p:nvPr>
+        </p:nvSpPr>
+        <p:spPr/>
+      </p:sp>
+      <p:sp>
+        <p:nvSpPr>
+          <p:cNvPr id="3" name="2 Marcador de notas"/>
+          <p:cNvSpPr>
+            <a:spLocks noGrp="1"/>
+          </p:cNvSpPr>
+          <p:nvPr>
+            <p:ph type="body" idx="1"/>
+          </p:nvPr>
+        </p:nvSpPr>
+        <p:spPr/>
+        <p:txBody>
+          <a:bodyPr/>
+          <a:lstStyle/>
+          <a:p>
+            <a:endParaRPr lang="es-PE" dirty="0"/>
+          </a:p>
+        </p:txBody>
+      </p:sp>
+      <p:sp>
+        <p:nvSpPr>
+          <p:cNvPr id="4" name="3 Marcador de número de diapositiva"/>
+          <p:cNvSpPr>
+            <a:spLocks noGrp="1"/>
+          </p:cNvSpPr>
+          <p:nvPr>
+            <p:ph type="sldNum" sz="quarter" idx="10"/>
+          </p:nvPr>
+        </p:nvSpPr>
+        <p:spPr/>
+        <p:txBody>
+          <a:bodyPr/>
+          <a:lstStyle/>
+          <a:p>
+            <a:fld id="{96DE5A63-0F1F-4DC0-ADE0-CC17EBA6F230}" type="slidenum">
+              <a:rPr lang="es-PE" smtClean="0"/>
+              <a:t>18</a:t>
             </a:fld>
             <a:endParaRPr lang="es-PE"/>
           </a:p>
@@ -6942,16 +7282,6 @@
               </a:rPr>
               <a:t>Concurrencia</a:t>
             </a:r>
-            <a:endParaRPr lang="es-PE" sz="2800" dirty="0" smtClean="0">
-              <a:solidFill>
-                <a:schemeClr val="bg1">
-                  <a:lumMod val="95000"/>
-                  <a:lumOff val="5000"/>
-                </a:schemeClr>
-              </a:solidFill>
-              <a:latin typeface="Arial" pitchFamily="34" charset="0"/>
-              <a:cs typeface="Arial" pitchFamily="34" charset="0"/>
-            </a:endParaRPr>
           </a:p>
           <a:p>
             <a:pPr marL="0" indent="0" algn="ctr">
@@ -7058,6 +7388,835 @@
     <p:extLst>
       <p:ext uri="{BB962C8B-B14F-4D97-AF65-F5344CB8AC3E}">
         <p14:creationId xmlns:p14="http://schemas.microsoft.com/office/powerpoint/2010/main" val="25800213"/>
+      </p:ext>
+    </p:extLst>
+  </p:cSld>
+  <p:clrMapOvr>
+    <a:masterClrMapping/>
+  </p:clrMapOvr>
+  <mc:AlternateContent xmlns:mc="http://schemas.openxmlformats.org/markup-compatibility/2006" xmlns:p14="http://schemas.microsoft.com/office/powerpoint/2010/main">
+    <mc:Choice Requires="p14">
+      <p:transition p14:dur="0"/>
+    </mc:Choice>
+    <mc:Fallback xmlns="">
+      <p:transition/>
+    </mc:Fallback>
+  </mc:AlternateContent>
+  <p:timing>
+    <p:tnLst>
+      <p:par>
+        <p:cTn id="1" dur="indefinite" restart="never" nodeType="tmRoot"/>
+      </p:par>
+    </p:tnLst>
+  </p:timing>
+</p:sld>
+</file>
+
+<file path=ppt/slides/slide15.xml><?xml version="1.0" encoding="utf-8"?>
+<p:sld xmlns:a="http://schemas.openxmlformats.org/drawingml/2006/main" xmlns:r="http://schemas.openxmlformats.org/officeDocument/2006/relationships" xmlns:p="http://schemas.openxmlformats.org/presentationml/2006/main">
+  <p:cSld>
+    <p:spTree>
+      <p:nvGrpSpPr>
+        <p:cNvPr id="1" name=""/>
+        <p:cNvGrpSpPr/>
+        <p:nvPr/>
+      </p:nvGrpSpPr>
+      <p:grpSpPr>
+        <a:xfrm>
+          <a:off x="0" y="0"/>
+          <a:ext cx="0" cy="0"/>
+          <a:chOff x="0" y="0"/>
+          <a:chExt cx="0" cy="0"/>
+        </a:xfrm>
+      </p:grpSpPr>
+      <p:sp>
+        <p:nvSpPr>
+          <p:cNvPr id="38" name="2 Marcador de contenido"/>
+          <p:cNvSpPr>
+            <a:spLocks noGrp="1"/>
+          </p:cNvSpPr>
+          <p:nvPr>
+            <p:ph idx="1"/>
+          </p:nvPr>
+        </p:nvSpPr>
+        <p:spPr>
+          <a:xfrm>
+            <a:off x="467544" y="2132856"/>
+            <a:ext cx="8352928" cy="2736304"/>
+          </a:xfrm>
+        </p:spPr>
+        <p:txBody>
+          <a:bodyPr/>
+          <a:lstStyle/>
+          <a:p>
+            <a:pPr>
+              <a:buSzPct val="100000"/>
+            </a:pPr>
+            <a:r>
+              <a:rPr lang="es-PE" sz="2400" dirty="0" smtClean="0">
+                <a:solidFill>
+                  <a:schemeClr val="bg1">
+                    <a:lumMod val="95000"/>
+                    <a:lumOff val="5000"/>
+                  </a:schemeClr>
+                </a:solidFill>
+                <a:latin typeface="Arial" pitchFamily="34" charset="0"/>
+                <a:cs typeface="Arial" pitchFamily="34" charset="0"/>
+              </a:rPr>
+              <a:t>Formar 2 grupos de personas.</a:t>
+            </a:r>
+          </a:p>
+          <a:p>
+            <a:pPr>
+              <a:buSzPct val="100000"/>
+            </a:pPr>
+            <a:endParaRPr lang="es-PE" sz="2400" dirty="0" smtClean="0">
+              <a:solidFill>
+                <a:schemeClr val="bg1">
+                  <a:lumMod val="95000"/>
+                  <a:lumOff val="5000"/>
+                </a:schemeClr>
+              </a:solidFill>
+              <a:latin typeface="Arial" pitchFamily="34" charset="0"/>
+              <a:cs typeface="Arial" pitchFamily="34" charset="0"/>
+            </a:endParaRPr>
+          </a:p>
+          <a:p>
+            <a:pPr>
+              <a:buSzPct val="100000"/>
+            </a:pPr>
+            <a:r>
+              <a:rPr lang="es-PE" sz="2400" dirty="0" smtClean="0">
+                <a:solidFill>
+                  <a:schemeClr val="bg1">
+                    <a:lumMod val="95000"/>
+                    <a:lumOff val="5000"/>
+                  </a:schemeClr>
+                </a:solidFill>
+                <a:latin typeface="Arial" pitchFamily="34" charset="0"/>
+                <a:cs typeface="Arial" pitchFamily="34" charset="0"/>
+              </a:rPr>
+              <a:t>A cada uno se le ha asignado material que corresponde a un patr</a:t>
+            </a:r>
+            <a:r>
+              <a:rPr lang="es-PE" sz="2400" dirty="0" smtClean="0">
+                <a:solidFill>
+                  <a:schemeClr val="bg1">
+                    <a:lumMod val="95000"/>
+                    <a:lumOff val="5000"/>
+                  </a:schemeClr>
+                </a:solidFill>
+                <a:latin typeface="Arial" pitchFamily="34" charset="0"/>
+                <a:cs typeface="Arial" pitchFamily="34" charset="0"/>
+              </a:rPr>
+              <a:t>ón empresarial de diseño.</a:t>
+            </a:r>
+          </a:p>
+          <a:p>
+            <a:pPr>
+              <a:buSzPct val="100000"/>
+            </a:pPr>
+            <a:endParaRPr lang="es-PE" sz="2400" dirty="0" smtClean="0">
+              <a:solidFill>
+                <a:schemeClr val="bg1">
+                  <a:lumMod val="95000"/>
+                  <a:lumOff val="5000"/>
+                </a:schemeClr>
+              </a:solidFill>
+              <a:latin typeface="Arial" pitchFamily="34" charset="0"/>
+              <a:cs typeface="Arial" pitchFamily="34" charset="0"/>
+            </a:endParaRPr>
+          </a:p>
+          <a:p>
+            <a:pPr>
+              <a:buSzPct val="100000"/>
+            </a:pPr>
+            <a:r>
+              <a:rPr lang="es-PE" sz="2400" dirty="0" smtClean="0">
+                <a:solidFill>
+                  <a:schemeClr val="bg1">
+                    <a:lumMod val="95000"/>
+                    <a:lumOff val="5000"/>
+                  </a:schemeClr>
+                </a:solidFill>
+                <a:latin typeface="Arial" pitchFamily="34" charset="0"/>
+                <a:cs typeface="Arial" pitchFamily="34" charset="0"/>
+              </a:rPr>
+              <a:t>Individualmente deberán analizar el material y entender el patrón que le ha sido asignado.</a:t>
+            </a:r>
+          </a:p>
+          <a:p>
+            <a:pPr lvl="1">
+              <a:buSzPct val="100000"/>
+            </a:pPr>
+            <a:r>
+              <a:rPr lang="es-PE" sz="2000" dirty="0" smtClean="0">
+                <a:solidFill>
+                  <a:schemeClr val="bg1">
+                    <a:lumMod val="95000"/>
+                    <a:lumOff val="5000"/>
+                  </a:schemeClr>
+                </a:solidFill>
+                <a:latin typeface="Arial" pitchFamily="34" charset="0"/>
+                <a:cs typeface="Arial" pitchFamily="34" charset="0"/>
+              </a:rPr>
+              <a:t>Tiempo: 15 minutos.</a:t>
+            </a:r>
+          </a:p>
+        </p:txBody>
+      </p:sp>
+      <p:sp>
+        <p:nvSpPr>
+          <p:cNvPr id="3" name="2 CuadroTexto"/>
+          <p:cNvSpPr txBox="1"/>
+          <p:nvPr/>
+        </p:nvSpPr>
+        <p:spPr>
+          <a:xfrm>
+            <a:off x="539552" y="260648"/>
+            <a:ext cx="8136904" cy="1446550"/>
+          </a:xfrm>
+          <a:prstGeom prst="rect">
+            <a:avLst/>
+          </a:prstGeom>
+          <a:noFill/>
+        </p:spPr>
+        <p:txBody>
+          <a:bodyPr wrap="square" rtlCol="0">
+            <a:spAutoFit/>
+          </a:bodyPr>
+          <a:lstStyle/>
+          <a:p>
+            <a:pPr algn="ctr"/>
+            <a:r>
+              <a:rPr lang="es-PE" sz="4400" dirty="0" smtClean="0">
+                <a:solidFill>
+                  <a:srgbClr val="00B050"/>
+                </a:solidFill>
+                <a:latin typeface="Arial" pitchFamily="34" charset="0"/>
+                <a:cs typeface="Arial" pitchFamily="34" charset="0"/>
+              </a:rPr>
+              <a:t>Ejercicio – Parte 1</a:t>
+            </a:r>
+            <a:br>
+              <a:rPr lang="es-PE" sz="4400" dirty="0" smtClean="0">
+                <a:solidFill>
+                  <a:srgbClr val="00B050"/>
+                </a:solidFill>
+                <a:latin typeface="Arial" pitchFamily="34" charset="0"/>
+                <a:cs typeface="Arial" pitchFamily="34" charset="0"/>
+              </a:rPr>
+            </a:br>
+            <a:r>
+              <a:rPr lang="es-PE" sz="4400" dirty="0" smtClean="0">
+                <a:solidFill>
+                  <a:srgbClr val="00B050"/>
+                </a:solidFill>
+                <a:latin typeface="Arial" pitchFamily="34" charset="0"/>
+                <a:cs typeface="Arial" pitchFamily="34" charset="0"/>
+              </a:rPr>
+              <a:t>Entendiendo</a:t>
+            </a:r>
+            <a:endParaRPr lang="es-PE" sz="4400" dirty="0" smtClean="0">
+              <a:solidFill>
+                <a:srgbClr val="00B050"/>
+              </a:solidFill>
+              <a:latin typeface="Arial" pitchFamily="34" charset="0"/>
+              <a:cs typeface="Arial" pitchFamily="34" charset="0"/>
+            </a:endParaRPr>
+          </a:p>
+        </p:txBody>
+      </p:sp>
+    </p:spTree>
+    <p:extLst>
+      <p:ext uri="{BB962C8B-B14F-4D97-AF65-F5344CB8AC3E}">
+        <p14:creationId xmlns:p14="http://schemas.microsoft.com/office/powerpoint/2010/main" val="3717724718"/>
+      </p:ext>
+    </p:extLst>
+  </p:cSld>
+  <p:clrMapOvr>
+    <a:masterClrMapping/>
+  </p:clrMapOvr>
+  <mc:AlternateContent xmlns:mc="http://schemas.openxmlformats.org/markup-compatibility/2006" xmlns:p14="http://schemas.microsoft.com/office/powerpoint/2010/main">
+    <mc:Choice Requires="p14">
+      <p:transition p14:dur="0"/>
+    </mc:Choice>
+    <mc:Fallback xmlns="">
+      <p:transition/>
+    </mc:Fallback>
+  </mc:AlternateContent>
+  <p:timing>
+    <p:tnLst>
+      <p:par>
+        <p:cTn id="1" dur="indefinite" restart="never" nodeType="tmRoot"/>
+      </p:par>
+    </p:tnLst>
+  </p:timing>
+</p:sld>
+</file>
+
+<file path=ppt/slides/slide16.xml><?xml version="1.0" encoding="utf-8"?>
+<p:sld xmlns:a="http://schemas.openxmlformats.org/drawingml/2006/main" xmlns:r="http://schemas.openxmlformats.org/officeDocument/2006/relationships" xmlns:p="http://schemas.openxmlformats.org/presentationml/2006/main">
+  <p:cSld>
+    <p:spTree>
+      <p:nvGrpSpPr>
+        <p:cNvPr id="1" name=""/>
+        <p:cNvGrpSpPr/>
+        <p:nvPr/>
+      </p:nvGrpSpPr>
+      <p:grpSpPr>
+        <a:xfrm>
+          <a:off x="0" y="0"/>
+          <a:ext cx="0" cy="0"/>
+          <a:chOff x="0" y="0"/>
+          <a:chExt cx="0" cy="0"/>
+        </a:xfrm>
+      </p:grpSpPr>
+      <p:sp>
+        <p:nvSpPr>
+          <p:cNvPr id="38" name="2 Marcador de contenido"/>
+          <p:cNvSpPr>
+            <a:spLocks noGrp="1"/>
+          </p:cNvSpPr>
+          <p:nvPr>
+            <p:ph idx="1"/>
+          </p:nvPr>
+        </p:nvSpPr>
+        <p:spPr>
+          <a:xfrm>
+            <a:off x="467544" y="2204864"/>
+            <a:ext cx="8352928" cy="2736304"/>
+          </a:xfrm>
+        </p:spPr>
+        <p:txBody>
+          <a:bodyPr/>
+          <a:lstStyle/>
+          <a:p>
+            <a:pPr>
+              <a:buSzPct val="100000"/>
+            </a:pPr>
+            <a:r>
+              <a:rPr lang="es-PE" sz="2400" dirty="0" smtClean="0">
+                <a:solidFill>
+                  <a:schemeClr val="bg1">
+                    <a:lumMod val="95000"/>
+                    <a:lumOff val="5000"/>
+                  </a:schemeClr>
+                </a:solidFill>
+                <a:latin typeface="Arial" pitchFamily="34" charset="0"/>
+                <a:cs typeface="Arial" pitchFamily="34" charset="0"/>
+              </a:rPr>
+              <a:t>Juntarse todos aquellos a los cuales les ha tocado el mismo patrón, discutir lo entendido y pensar cual es la mejor manera de explicar el patrón a su grupo original.</a:t>
+            </a:r>
+            <a:endParaRPr lang="es-PE" sz="2400" dirty="0" smtClean="0">
+              <a:solidFill>
+                <a:schemeClr val="bg1">
+                  <a:lumMod val="95000"/>
+                  <a:lumOff val="5000"/>
+                </a:schemeClr>
+              </a:solidFill>
+              <a:latin typeface="Arial" pitchFamily="34" charset="0"/>
+              <a:cs typeface="Arial" pitchFamily="34" charset="0"/>
+            </a:endParaRPr>
+          </a:p>
+          <a:p>
+            <a:pPr lvl="1">
+              <a:buSzPct val="100000"/>
+            </a:pPr>
+            <a:r>
+              <a:rPr lang="es-PE" sz="2000" dirty="0" smtClean="0">
+                <a:solidFill>
+                  <a:schemeClr val="bg1">
+                    <a:lumMod val="95000"/>
+                    <a:lumOff val="5000"/>
+                  </a:schemeClr>
+                </a:solidFill>
+                <a:latin typeface="Arial" pitchFamily="34" charset="0"/>
+                <a:cs typeface="Arial" pitchFamily="34" charset="0"/>
+              </a:rPr>
+              <a:t>Tiempo: 15 minutos.</a:t>
+            </a:r>
+          </a:p>
+        </p:txBody>
+      </p:sp>
+      <p:sp>
+        <p:nvSpPr>
+          <p:cNvPr id="3" name="2 CuadroTexto"/>
+          <p:cNvSpPr txBox="1"/>
+          <p:nvPr/>
+        </p:nvSpPr>
+        <p:spPr>
+          <a:xfrm>
+            <a:off x="539552" y="260648"/>
+            <a:ext cx="8136904" cy="1446550"/>
+          </a:xfrm>
+          <a:prstGeom prst="rect">
+            <a:avLst/>
+          </a:prstGeom>
+          <a:noFill/>
+        </p:spPr>
+        <p:txBody>
+          <a:bodyPr wrap="square" rtlCol="0">
+            <a:spAutoFit/>
+          </a:bodyPr>
+          <a:lstStyle/>
+          <a:p>
+            <a:pPr algn="ctr"/>
+            <a:r>
+              <a:rPr lang="es-PE" sz="4400" dirty="0" smtClean="0">
+                <a:solidFill>
+                  <a:srgbClr val="00B050"/>
+                </a:solidFill>
+                <a:latin typeface="Arial" pitchFamily="34" charset="0"/>
+                <a:cs typeface="Arial" pitchFamily="34" charset="0"/>
+              </a:rPr>
+              <a:t>Ejercicio – Parte 2</a:t>
+            </a:r>
+            <a:br>
+              <a:rPr lang="es-PE" sz="4400" dirty="0" smtClean="0">
+                <a:solidFill>
+                  <a:srgbClr val="00B050"/>
+                </a:solidFill>
+                <a:latin typeface="Arial" pitchFamily="34" charset="0"/>
+                <a:cs typeface="Arial" pitchFamily="34" charset="0"/>
+              </a:rPr>
+            </a:br>
+            <a:r>
+              <a:rPr lang="es-PE" sz="4400" dirty="0" smtClean="0">
+                <a:solidFill>
+                  <a:srgbClr val="00B050"/>
+                </a:solidFill>
+                <a:latin typeface="Arial" pitchFamily="34" charset="0"/>
+                <a:cs typeface="Arial" pitchFamily="34" charset="0"/>
+              </a:rPr>
+              <a:t>Discutiendo</a:t>
+            </a:r>
+            <a:endParaRPr lang="es-PE" sz="4400" dirty="0" smtClean="0">
+              <a:solidFill>
+                <a:srgbClr val="00B050"/>
+              </a:solidFill>
+              <a:latin typeface="Arial" pitchFamily="34" charset="0"/>
+              <a:cs typeface="Arial" pitchFamily="34" charset="0"/>
+            </a:endParaRPr>
+          </a:p>
+        </p:txBody>
+      </p:sp>
+    </p:spTree>
+    <p:extLst>
+      <p:ext uri="{BB962C8B-B14F-4D97-AF65-F5344CB8AC3E}">
+        <p14:creationId xmlns:p14="http://schemas.microsoft.com/office/powerpoint/2010/main" val="1968987265"/>
+      </p:ext>
+    </p:extLst>
+  </p:cSld>
+  <p:clrMapOvr>
+    <a:masterClrMapping/>
+  </p:clrMapOvr>
+  <mc:AlternateContent xmlns:mc="http://schemas.openxmlformats.org/markup-compatibility/2006" xmlns:p14="http://schemas.microsoft.com/office/powerpoint/2010/main">
+    <mc:Choice Requires="p14">
+      <p:transition p14:dur="0"/>
+    </mc:Choice>
+    <mc:Fallback xmlns="">
+      <p:transition/>
+    </mc:Fallback>
+  </mc:AlternateContent>
+  <p:timing>
+    <p:tnLst>
+      <p:par>
+        <p:cTn id="1" dur="indefinite" restart="never" nodeType="tmRoot"/>
+      </p:par>
+    </p:tnLst>
+  </p:timing>
+</p:sld>
+</file>
+
+<file path=ppt/slides/slide17.xml><?xml version="1.0" encoding="utf-8"?>
+<p:sld xmlns:a="http://schemas.openxmlformats.org/drawingml/2006/main" xmlns:r="http://schemas.openxmlformats.org/officeDocument/2006/relationships" xmlns:p="http://schemas.openxmlformats.org/presentationml/2006/main">
+  <p:cSld>
+    <p:spTree>
+      <p:nvGrpSpPr>
+        <p:cNvPr id="1" name=""/>
+        <p:cNvGrpSpPr/>
+        <p:nvPr/>
+      </p:nvGrpSpPr>
+      <p:grpSpPr>
+        <a:xfrm>
+          <a:off x="0" y="0"/>
+          <a:ext cx="0" cy="0"/>
+          <a:chOff x="0" y="0"/>
+          <a:chExt cx="0" cy="0"/>
+        </a:xfrm>
+      </p:grpSpPr>
+      <p:sp>
+        <p:nvSpPr>
+          <p:cNvPr id="38" name="2 Marcador de contenido"/>
+          <p:cNvSpPr>
+            <a:spLocks noGrp="1"/>
+          </p:cNvSpPr>
+          <p:nvPr>
+            <p:ph idx="1"/>
+          </p:nvPr>
+        </p:nvSpPr>
+        <p:spPr>
+          <a:xfrm>
+            <a:off x="467544" y="2348880"/>
+            <a:ext cx="8352928" cy="2736304"/>
+          </a:xfrm>
+        </p:spPr>
+        <p:txBody>
+          <a:bodyPr/>
+          <a:lstStyle/>
+          <a:p>
+            <a:pPr>
+              <a:buSzPct val="100000"/>
+            </a:pPr>
+            <a:r>
+              <a:rPr lang="es-PE" sz="2400" dirty="0" smtClean="0">
+                <a:solidFill>
+                  <a:schemeClr val="bg1">
+                    <a:lumMod val="95000"/>
+                    <a:lumOff val="5000"/>
+                  </a:schemeClr>
+                </a:solidFill>
+                <a:latin typeface="Arial" pitchFamily="34" charset="0"/>
+                <a:cs typeface="Arial" pitchFamily="34" charset="0"/>
+              </a:rPr>
+              <a:t>Regresar a sus grupos originales.</a:t>
+            </a:r>
+          </a:p>
+          <a:p>
+            <a:pPr>
+              <a:buSzPct val="100000"/>
+            </a:pPr>
+            <a:endParaRPr lang="es-PE" sz="2400" dirty="0" smtClean="0">
+              <a:solidFill>
+                <a:schemeClr val="bg1">
+                  <a:lumMod val="95000"/>
+                  <a:lumOff val="5000"/>
+                </a:schemeClr>
+              </a:solidFill>
+              <a:latin typeface="Arial" pitchFamily="34" charset="0"/>
+              <a:cs typeface="Arial" pitchFamily="34" charset="0"/>
+            </a:endParaRPr>
+          </a:p>
+          <a:p>
+            <a:pPr>
+              <a:buSzPct val="100000"/>
+            </a:pPr>
+            <a:r>
+              <a:rPr lang="es-PE" sz="2400" dirty="0" smtClean="0">
+                <a:solidFill>
+                  <a:schemeClr val="bg1">
+                    <a:lumMod val="95000"/>
+                    <a:lumOff val="5000"/>
+                  </a:schemeClr>
+                </a:solidFill>
+                <a:latin typeface="Arial" pitchFamily="34" charset="0"/>
+                <a:cs typeface="Arial" pitchFamily="34" charset="0"/>
+              </a:rPr>
+              <a:t>Cada uno deberá explicar el patrón al resto de los miembros del grupo. </a:t>
+            </a:r>
+            <a:endParaRPr lang="es-PE" sz="2000" dirty="0">
+              <a:solidFill>
+                <a:schemeClr val="bg1">
+                  <a:lumMod val="95000"/>
+                  <a:lumOff val="5000"/>
+                </a:schemeClr>
+              </a:solidFill>
+              <a:latin typeface="Arial" pitchFamily="34" charset="0"/>
+              <a:cs typeface="Arial" pitchFamily="34" charset="0"/>
+            </a:endParaRPr>
+          </a:p>
+          <a:p>
+            <a:pPr lvl="1">
+              <a:buSzPct val="100000"/>
+            </a:pPr>
+            <a:r>
+              <a:rPr lang="en-US" sz="2000" dirty="0" err="1" smtClean="0">
+                <a:solidFill>
+                  <a:schemeClr val="bg1">
+                    <a:lumMod val="95000"/>
+                    <a:lumOff val="5000"/>
+                  </a:schemeClr>
+                </a:solidFill>
+                <a:latin typeface="Arial" pitchFamily="34" charset="0"/>
+                <a:cs typeface="Arial" pitchFamily="34" charset="0"/>
+              </a:rPr>
+              <a:t>Tiempo</a:t>
+            </a:r>
+            <a:r>
+              <a:rPr lang="en-US" sz="2000" dirty="0" smtClean="0">
+                <a:solidFill>
+                  <a:schemeClr val="bg1">
+                    <a:lumMod val="95000"/>
+                    <a:lumOff val="5000"/>
+                  </a:schemeClr>
+                </a:solidFill>
+                <a:latin typeface="Arial" pitchFamily="34" charset="0"/>
+                <a:cs typeface="Arial" pitchFamily="34" charset="0"/>
+              </a:rPr>
+              <a:t>: 20 </a:t>
+            </a:r>
+            <a:r>
+              <a:rPr lang="en-US" sz="2000" dirty="0" err="1" smtClean="0">
+                <a:solidFill>
+                  <a:schemeClr val="bg1">
+                    <a:lumMod val="95000"/>
+                    <a:lumOff val="5000"/>
+                  </a:schemeClr>
+                </a:solidFill>
+                <a:latin typeface="Arial" pitchFamily="34" charset="0"/>
+                <a:cs typeface="Arial" pitchFamily="34" charset="0"/>
+              </a:rPr>
+              <a:t>minutos</a:t>
+            </a:r>
+            <a:r>
+              <a:rPr lang="en-US" sz="2000" dirty="0" smtClean="0">
+                <a:solidFill>
+                  <a:schemeClr val="bg1">
+                    <a:lumMod val="95000"/>
+                    <a:lumOff val="5000"/>
+                  </a:schemeClr>
+                </a:solidFill>
+                <a:latin typeface="Arial" pitchFamily="34" charset="0"/>
+                <a:cs typeface="Arial" pitchFamily="34" charset="0"/>
+              </a:rPr>
+              <a:t>.</a:t>
+            </a:r>
+            <a:endParaRPr lang="es-PE" sz="2000" dirty="0" smtClean="0">
+              <a:solidFill>
+                <a:schemeClr val="bg1">
+                  <a:lumMod val="95000"/>
+                  <a:lumOff val="5000"/>
+                </a:schemeClr>
+              </a:solidFill>
+              <a:latin typeface="Arial" pitchFamily="34" charset="0"/>
+              <a:cs typeface="Arial" pitchFamily="34" charset="0"/>
+            </a:endParaRPr>
+          </a:p>
+        </p:txBody>
+      </p:sp>
+      <p:sp>
+        <p:nvSpPr>
+          <p:cNvPr id="3" name="2 CuadroTexto"/>
+          <p:cNvSpPr txBox="1"/>
+          <p:nvPr/>
+        </p:nvSpPr>
+        <p:spPr>
+          <a:xfrm>
+            <a:off x="539552" y="260648"/>
+            <a:ext cx="8136904" cy="1446550"/>
+          </a:xfrm>
+          <a:prstGeom prst="rect">
+            <a:avLst/>
+          </a:prstGeom>
+          <a:noFill/>
+        </p:spPr>
+        <p:txBody>
+          <a:bodyPr wrap="square" rtlCol="0">
+            <a:spAutoFit/>
+          </a:bodyPr>
+          <a:lstStyle/>
+          <a:p>
+            <a:pPr algn="ctr"/>
+            <a:r>
+              <a:rPr lang="es-PE" sz="4400" dirty="0" smtClean="0">
+                <a:solidFill>
+                  <a:srgbClr val="00B050"/>
+                </a:solidFill>
+                <a:latin typeface="Arial" pitchFamily="34" charset="0"/>
+                <a:cs typeface="Arial" pitchFamily="34" charset="0"/>
+              </a:rPr>
+              <a:t>Ejercicio – Parte 3</a:t>
+            </a:r>
+            <a:br>
+              <a:rPr lang="es-PE" sz="4400" dirty="0" smtClean="0">
+                <a:solidFill>
+                  <a:srgbClr val="00B050"/>
+                </a:solidFill>
+                <a:latin typeface="Arial" pitchFamily="34" charset="0"/>
+                <a:cs typeface="Arial" pitchFamily="34" charset="0"/>
+              </a:rPr>
+            </a:br>
+            <a:r>
+              <a:rPr lang="es-PE" sz="4400" dirty="0" smtClean="0">
+                <a:solidFill>
+                  <a:srgbClr val="00B050"/>
+                </a:solidFill>
+                <a:latin typeface="Arial" pitchFamily="34" charset="0"/>
+                <a:cs typeface="Arial" pitchFamily="34" charset="0"/>
+              </a:rPr>
+              <a:t>Compartiendo</a:t>
+            </a:r>
+            <a:endParaRPr lang="es-PE" sz="4400" dirty="0" smtClean="0">
+              <a:solidFill>
+                <a:srgbClr val="00B050"/>
+              </a:solidFill>
+              <a:latin typeface="Arial" pitchFamily="34" charset="0"/>
+              <a:cs typeface="Arial" pitchFamily="34" charset="0"/>
+            </a:endParaRPr>
+          </a:p>
+        </p:txBody>
+      </p:sp>
+    </p:spTree>
+    <p:extLst>
+      <p:ext uri="{BB962C8B-B14F-4D97-AF65-F5344CB8AC3E}">
+        <p14:creationId xmlns:p14="http://schemas.microsoft.com/office/powerpoint/2010/main" val="139327075"/>
+      </p:ext>
+    </p:extLst>
+  </p:cSld>
+  <p:clrMapOvr>
+    <a:masterClrMapping/>
+  </p:clrMapOvr>
+  <mc:AlternateContent xmlns:mc="http://schemas.openxmlformats.org/markup-compatibility/2006" xmlns:p14="http://schemas.microsoft.com/office/powerpoint/2010/main">
+    <mc:Choice Requires="p14">
+      <p:transition p14:dur="0"/>
+    </mc:Choice>
+    <mc:Fallback xmlns="">
+      <p:transition/>
+    </mc:Fallback>
+  </mc:AlternateContent>
+  <p:timing>
+    <p:tnLst>
+      <p:par>
+        <p:cTn id="1" dur="indefinite" restart="never" nodeType="tmRoot"/>
+      </p:par>
+    </p:tnLst>
+  </p:timing>
+</p:sld>
+</file>
+
+<file path=ppt/slides/slide18.xml><?xml version="1.0" encoding="utf-8"?>
+<p:sld xmlns:a="http://schemas.openxmlformats.org/drawingml/2006/main" xmlns:r="http://schemas.openxmlformats.org/officeDocument/2006/relationships" xmlns:p="http://schemas.openxmlformats.org/presentationml/2006/main">
+  <p:cSld>
+    <p:spTree>
+      <p:nvGrpSpPr>
+        <p:cNvPr id="1" name=""/>
+        <p:cNvGrpSpPr/>
+        <p:nvPr/>
+      </p:nvGrpSpPr>
+      <p:grpSpPr>
+        <a:xfrm>
+          <a:off x="0" y="0"/>
+          <a:ext cx="0" cy="0"/>
+          <a:chOff x="0" y="0"/>
+          <a:chExt cx="0" cy="0"/>
+        </a:xfrm>
+      </p:grpSpPr>
+      <p:sp>
+        <p:nvSpPr>
+          <p:cNvPr id="38" name="2 Marcador de contenido"/>
+          <p:cNvSpPr>
+            <a:spLocks noGrp="1"/>
+          </p:cNvSpPr>
+          <p:nvPr>
+            <p:ph idx="1"/>
+          </p:nvPr>
+        </p:nvSpPr>
+        <p:spPr>
+          <a:xfrm>
+            <a:off x="467544" y="2348880"/>
+            <a:ext cx="8352928" cy="1008112"/>
+          </a:xfrm>
+        </p:spPr>
+        <p:txBody>
+          <a:bodyPr/>
+          <a:lstStyle/>
+          <a:p>
+            <a:pPr>
+              <a:buSzPct val="100000"/>
+            </a:pPr>
+            <a:r>
+              <a:rPr lang="es-PE" sz="2400" dirty="0" smtClean="0">
+                <a:solidFill>
+                  <a:schemeClr val="bg1">
+                    <a:lumMod val="95000"/>
+                    <a:lumOff val="5000"/>
+                  </a:schemeClr>
+                </a:solidFill>
+                <a:latin typeface="Arial" pitchFamily="34" charset="0"/>
+                <a:cs typeface="Arial" pitchFamily="34" charset="0"/>
+              </a:rPr>
+              <a:t>Practicaremos un ejercicio donde se vea representado cada patrón.</a:t>
+            </a:r>
+            <a:endParaRPr lang="es-PE" sz="2000" dirty="0" smtClean="0">
+              <a:solidFill>
+                <a:schemeClr val="bg1">
+                  <a:lumMod val="95000"/>
+                  <a:lumOff val="5000"/>
+                </a:schemeClr>
+              </a:solidFill>
+              <a:latin typeface="Arial" pitchFamily="34" charset="0"/>
+              <a:cs typeface="Arial" pitchFamily="34" charset="0"/>
+            </a:endParaRPr>
+          </a:p>
+        </p:txBody>
+      </p:sp>
+      <p:sp>
+        <p:nvSpPr>
+          <p:cNvPr id="3" name="2 CuadroTexto"/>
+          <p:cNvSpPr txBox="1"/>
+          <p:nvPr/>
+        </p:nvSpPr>
+        <p:spPr>
+          <a:xfrm>
+            <a:off x="539552" y="260648"/>
+            <a:ext cx="8136904" cy="1446550"/>
+          </a:xfrm>
+          <a:prstGeom prst="rect">
+            <a:avLst/>
+          </a:prstGeom>
+          <a:noFill/>
+        </p:spPr>
+        <p:txBody>
+          <a:bodyPr wrap="square" rtlCol="0">
+            <a:spAutoFit/>
+          </a:bodyPr>
+          <a:lstStyle/>
+          <a:p>
+            <a:pPr algn="ctr"/>
+            <a:r>
+              <a:rPr lang="es-PE" sz="4400" dirty="0" smtClean="0">
+                <a:solidFill>
+                  <a:srgbClr val="00B050"/>
+                </a:solidFill>
+                <a:latin typeface="Arial" pitchFamily="34" charset="0"/>
+                <a:cs typeface="Arial" pitchFamily="34" charset="0"/>
+              </a:rPr>
+              <a:t>Ejercicio – Parte 4</a:t>
+            </a:r>
+            <a:br>
+              <a:rPr lang="es-PE" sz="4400" dirty="0" smtClean="0">
+                <a:solidFill>
+                  <a:srgbClr val="00B050"/>
+                </a:solidFill>
+                <a:latin typeface="Arial" pitchFamily="34" charset="0"/>
+                <a:cs typeface="Arial" pitchFamily="34" charset="0"/>
+              </a:rPr>
+            </a:br>
+            <a:r>
+              <a:rPr lang="es-PE" sz="4400" dirty="0" smtClean="0">
+                <a:solidFill>
+                  <a:srgbClr val="00B050"/>
+                </a:solidFill>
+                <a:latin typeface="Arial" pitchFamily="34" charset="0"/>
+                <a:cs typeface="Arial" pitchFamily="34" charset="0"/>
+              </a:rPr>
+              <a:t>Practicando</a:t>
+            </a:r>
+            <a:endParaRPr lang="es-PE" sz="4400" dirty="0" smtClean="0">
+              <a:solidFill>
+                <a:srgbClr val="00B050"/>
+              </a:solidFill>
+              <a:latin typeface="Arial" pitchFamily="34" charset="0"/>
+              <a:cs typeface="Arial" pitchFamily="34" charset="0"/>
+            </a:endParaRPr>
+          </a:p>
+        </p:txBody>
+      </p:sp>
+    </p:spTree>
+    <p:extLst>
+      <p:ext uri="{BB962C8B-B14F-4D97-AF65-F5344CB8AC3E}">
+        <p14:creationId xmlns:p14="http://schemas.microsoft.com/office/powerpoint/2010/main" val="3572393376"/>
       </p:ext>
     </p:extLst>
   </p:cSld>

--- a/Diapositivas/Design Patterns.pptx
+++ b/Diapositivas/Design Patterns.pptx
@@ -5,7 +5,7 @@
     <p:sldMasterId id="2147483660" r:id="rId1"/>
   </p:sldMasterIdLst>
   <p:notesMasterIdLst>
-    <p:notesMasterId r:id="rId20"/>
+    <p:notesMasterId r:id="rId23"/>
   </p:notesMasterIdLst>
   <p:sldIdLst>
     <p:sldId id="256" r:id="rId2"/>
@@ -26,6 +26,9 @@
     <p:sldId id="315" r:id="rId17"/>
     <p:sldId id="316" r:id="rId18"/>
     <p:sldId id="317" r:id="rId19"/>
+    <p:sldId id="318" r:id="rId20"/>
+    <p:sldId id="319" r:id="rId21"/>
+    <p:sldId id="320" r:id="rId22"/>
   </p:sldIdLst>
   <p:sldSz cx="9144000" cy="6858000" type="screen4x3"/>
   <p:notesSz cx="6858000" cy="9144000"/>
@@ -209,7 +212,7 @@
           <a:p>
             <a:fld id="{651770C5-50B1-4017-8384-CA51988A7F0C}" type="datetimeFigureOut">
               <a:rPr lang="es-PE" smtClean="0"/>
-              <a:t>26/06/2013</a:t>
+              <a:t>01/07/2013</a:t>
             </a:fld>
             <a:endParaRPr lang="es-PE"/>
           </a:p>
@@ -1736,6 +1739,90 @@
 </p:notes>
 </file>
 
+<file path=ppt/notesSlides/notesSlide19.xml><?xml version="1.0" encoding="utf-8"?>
+<p:notes xmlns:a="http://schemas.openxmlformats.org/drawingml/2006/main" xmlns:r="http://schemas.openxmlformats.org/officeDocument/2006/relationships" xmlns:p="http://schemas.openxmlformats.org/presentationml/2006/main">
+  <p:cSld>
+    <p:spTree>
+      <p:nvGrpSpPr>
+        <p:cNvPr id="1" name=""/>
+        <p:cNvGrpSpPr/>
+        <p:nvPr/>
+      </p:nvGrpSpPr>
+      <p:grpSpPr>
+        <a:xfrm>
+          <a:off x="0" y="0"/>
+          <a:ext cx="0" cy="0"/>
+          <a:chOff x="0" y="0"/>
+          <a:chExt cx="0" cy="0"/>
+        </a:xfrm>
+      </p:grpSpPr>
+      <p:sp>
+        <p:nvSpPr>
+          <p:cNvPr id="2" name="1 Marcador de imagen de diapositiva"/>
+          <p:cNvSpPr>
+            <a:spLocks noGrp="1" noRot="1" noChangeAspect="1"/>
+          </p:cNvSpPr>
+          <p:nvPr>
+            <p:ph type="sldImg"/>
+          </p:nvPr>
+        </p:nvSpPr>
+        <p:spPr/>
+      </p:sp>
+      <p:sp>
+        <p:nvSpPr>
+          <p:cNvPr id="3" name="2 Marcador de notas"/>
+          <p:cNvSpPr>
+            <a:spLocks noGrp="1"/>
+          </p:cNvSpPr>
+          <p:nvPr>
+            <p:ph type="body" idx="1"/>
+          </p:nvPr>
+        </p:nvSpPr>
+        <p:spPr/>
+        <p:txBody>
+          <a:bodyPr/>
+          <a:lstStyle/>
+          <a:p>
+            <a:endParaRPr lang="es-PE" dirty="0"/>
+          </a:p>
+        </p:txBody>
+      </p:sp>
+      <p:sp>
+        <p:nvSpPr>
+          <p:cNvPr id="4" name="3 Marcador de número de diapositiva"/>
+          <p:cNvSpPr>
+            <a:spLocks noGrp="1"/>
+          </p:cNvSpPr>
+          <p:nvPr>
+            <p:ph type="sldNum" sz="quarter" idx="10"/>
+          </p:nvPr>
+        </p:nvSpPr>
+        <p:spPr/>
+        <p:txBody>
+          <a:bodyPr/>
+          <a:lstStyle/>
+          <a:p>
+            <a:fld id="{96DE5A63-0F1F-4DC0-ADE0-CC17EBA6F230}" type="slidenum">
+              <a:rPr lang="es-PE" smtClean="0"/>
+              <a:t>19</a:t>
+            </a:fld>
+            <a:endParaRPr lang="es-PE"/>
+          </a:p>
+        </p:txBody>
+      </p:sp>
+    </p:spTree>
+    <p:extLst>
+      <p:ext uri="{BB962C8B-B14F-4D97-AF65-F5344CB8AC3E}">
+        <p14:creationId xmlns:p14="http://schemas.microsoft.com/office/powerpoint/2010/main" val="3614550747"/>
+      </p:ext>
+    </p:extLst>
+  </p:cSld>
+  <p:clrMapOvr>
+    <a:masterClrMapping/>
+  </p:clrMapOvr>
+</p:notes>
+</file>
+
 <file path=ppt/notesSlides/notesSlide2.xml><?xml version="1.0" encoding="utf-8"?>
 <p:notes xmlns:a="http://schemas.openxmlformats.org/drawingml/2006/main" xmlns:r="http://schemas.openxmlformats.org/officeDocument/2006/relationships" xmlns:p="http://schemas.openxmlformats.org/presentationml/2006/main">
   <p:cSld>
@@ -1802,6 +1889,174 @@
             <a:fld id="{96DE5A63-0F1F-4DC0-ADE0-CC17EBA6F230}" type="slidenum">
               <a:rPr lang="es-PE" smtClean="0"/>
               <a:t>2</a:t>
+            </a:fld>
+            <a:endParaRPr lang="es-PE"/>
+          </a:p>
+        </p:txBody>
+      </p:sp>
+    </p:spTree>
+    <p:extLst>
+      <p:ext uri="{BB962C8B-B14F-4D97-AF65-F5344CB8AC3E}">
+        <p14:creationId xmlns:p14="http://schemas.microsoft.com/office/powerpoint/2010/main" val="3614550747"/>
+      </p:ext>
+    </p:extLst>
+  </p:cSld>
+  <p:clrMapOvr>
+    <a:masterClrMapping/>
+  </p:clrMapOvr>
+</p:notes>
+</file>
+
+<file path=ppt/notesSlides/notesSlide20.xml><?xml version="1.0" encoding="utf-8"?>
+<p:notes xmlns:a="http://schemas.openxmlformats.org/drawingml/2006/main" xmlns:r="http://schemas.openxmlformats.org/officeDocument/2006/relationships" xmlns:p="http://schemas.openxmlformats.org/presentationml/2006/main">
+  <p:cSld>
+    <p:spTree>
+      <p:nvGrpSpPr>
+        <p:cNvPr id="1" name=""/>
+        <p:cNvGrpSpPr/>
+        <p:nvPr/>
+      </p:nvGrpSpPr>
+      <p:grpSpPr>
+        <a:xfrm>
+          <a:off x="0" y="0"/>
+          <a:ext cx="0" cy="0"/>
+          <a:chOff x="0" y="0"/>
+          <a:chExt cx="0" cy="0"/>
+        </a:xfrm>
+      </p:grpSpPr>
+      <p:sp>
+        <p:nvSpPr>
+          <p:cNvPr id="2" name="1 Marcador de imagen de diapositiva"/>
+          <p:cNvSpPr>
+            <a:spLocks noGrp="1" noRot="1" noChangeAspect="1"/>
+          </p:cNvSpPr>
+          <p:nvPr>
+            <p:ph type="sldImg"/>
+          </p:nvPr>
+        </p:nvSpPr>
+        <p:spPr/>
+      </p:sp>
+      <p:sp>
+        <p:nvSpPr>
+          <p:cNvPr id="3" name="2 Marcador de notas"/>
+          <p:cNvSpPr>
+            <a:spLocks noGrp="1"/>
+          </p:cNvSpPr>
+          <p:nvPr>
+            <p:ph type="body" idx="1"/>
+          </p:nvPr>
+        </p:nvSpPr>
+        <p:spPr/>
+        <p:txBody>
+          <a:bodyPr/>
+          <a:lstStyle/>
+          <a:p>
+            <a:endParaRPr lang="es-PE" dirty="0"/>
+          </a:p>
+        </p:txBody>
+      </p:sp>
+      <p:sp>
+        <p:nvSpPr>
+          <p:cNvPr id="4" name="3 Marcador de número de diapositiva"/>
+          <p:cNvSpPr>
+            <a:spLocks noGrp="1"/>
+          </p:cNvSpPr>
+          <p:nvPr>
+            <p:ph type="sldNum" sz="quarter" idx="10"/>
+          </p:nvPr>
+        </p:nvSpPr>
+        <p:spPr/>
+        <p:txBody>
+          <a:bodyPr/>
+          <a:lstStyle/>
+          <a:p>
+            <a:fld id="{96DE5A63-0F1F-4DC0-ADE0-CC17EBA6F230}" type="slidenum">
+              <a:rPr lang="es-PE" smtClean="0"/>
+              <a:t>20</a:t>
+            </a:fld>
+            <a:endParaRPr lang="es-PE"/>
+          </a:p>
+        </p:txBody>
+      </p:sp>
+    </p:spTree>
+    <p:extLst>
+      <p:ext uri="{BB962C8B-B14F-4D97-AF65-F5344CB8AC3E}">
+        <p14:creationId xmlns:p14="http://schemas.microsoft.com/office/powerpoint/2010/main" val="3614550747"/>
+      </p:ext>
+    </p:extLst>
+  </p:cSld>
+  <p:clrMapOvr>
+    <a:masterClrMapping/>
+  </p:clrMapOvr>
+</p:notes>
+</file>
+
+<file path=ppt/notesSlides/notesSlide21.xml><?xml version="1.0" encoding="utf-8"?>
+<p:notes xmlns:a="http://schemas.openxmlformats.org/drawingml/2006/main" xmlns:r="http://schemas.openxmlformats.org/officeDocument/2006/relationships" xmlns:p="http://schemas.openxmlformats.org/presentationml/2006/main">
+  <p:cSld>
+    <p:spTree>
+      <p:nvGrpSpPr>
+        <p:cNvPr id="1" name=""/>
+        <p:cNvGrpSpPr/>
+        <p:nvPr/>
+      </p:nvGrpSpPr>
+      <p:grpSpPr>
+        <a:xfrm>
+          <a:off x="0" y="0"/>
+          <a:ext cx="0" cy="0"/>
+          <a:chOff x="0" y="0"/>
+          <a:chExt cx="0" cy="0"/>
+        </a:xfrm>
+      </p:grpSpPr>
+      <p:sp>
+        <p:nvSpPr>
+          <p:cNvPr id="2" name="1 Marcador de imagen de diapositiva"/>
+          <p:cNvSpPr>
+            <a:spLocks noGrp="1" noRot="1" noChangeAspect="1"/>
+          </p:cNvSpPr>
+          <p:nvPr>
+            <p:ph type="sldImg"/>
+          </p:nvPr>
+        </p:nvSpPr>
+        <p:spPr/>
+      </p:sp>
+      <p:sp>
+        <p:nvSpPr>
+          <p:cNvPr id="3" name="2 Marcador de notas"/>
+          <p:cNvSpPr>
+            <a:spLocks noGrp="1"/>
+          </p:cNvSpPr>
+          <p:nvPr>
+            <p:ph type="body" idx="1"/>
+          </p:nvPr>
+        </p:nvSpPr>
+        <p:spPr/>
+        <p:txBody>
+          <a:bodyPr/>
+          <a:lstStyle/>
+          <a:p>
+            <a:endParaRPr lang="es-PE" dirty="0"/>
+          </a:p>
+        </p:txBody>
+      </p:sp>
+      <p:sp>
+        <p:nvSpPr>
+          <p:cNvPr id="4" name="3 Marcador de número de diapositiva"/>
+          <p:cNvSpPr>
+            <a:spLocks noGrp="1"/>
+          </p:cNvSpPr>
+          <p:nvPr>
+            <p:ph type="sldNum" sz="quarter" idx="10"/>
+          </p:nvPr>
+        </p:nvSpPr>
+        <p:spPr/>
+        <p:txBody>
+          <a:bodyPr/>
+          <a:lstStyle/>
+          <a:p>
+            <a:fld id="{96DE5A63-0F1F-4DC0-ADE0-CC17EBA6F230}" type="slidenum">
+              <a:rPr lang="es-PE" smtClean="0"/>
+              <a:t>21</a:t>
             </a:fld>
             <a:endParaRPr lang="es-PE"/>
           </a:p>
@@ -2593,7 +2848,7 @@
           <a:p>
             <a:fld id="{D76286B0-60B7-4FD7-B94C-B0421D9B2B26}" type="datetimeFigureOut">
               <a:rPr lang="es-PE" smtClean="0"/>
-              <a:t>26/06/2013</a:t>
+              <a:t>01/07/2013</a:t>
             </a:fld>
             <a:endParaRPr lang="es-PE"/>
           </a:p>
@@ -2770,7 +3025,7 @@
           <a:p>
             <a:fld id="{D76286B0-60B7-4FD7-B94C-B0421D9B2B26}" type="datetimeFigureOut">
               <a:rPr lang="es-PE" smtClean="0"/>
-              <a:t>26/06/2013</a:t>
+              <a:t>01/07/2013</a:t>
             </a:fld>
             <a:endParaRPr lang="es-PE"/>
           </a:p>
@@ -2957,7 +3212,7 @@
           <a:p>
             <a:fld id="{D76286B0-60B7-4FD7-B94C-B0421D9B2B26}" type="datetimeFigureOut">
               <a:rPr lang="es-PE" smtClean="0"/>
-              <a:t>26/06/2013</a:t>
+              <a:t>01/07/2013</a:t>
             </a:fld>
             <a:endParaRPr lang="es-PE"/>
           </a:p>
@@ -3134,7 +3389,7 @@
           <a:p>
             <a:fld id="{D76286B0-60B7-4FD7-B94C-B0421D9B2B26}" type="datetimeFigureOut">
               <a:rPr lang="es-PE" smtClean="0"/>
-              <a:t>26/06/2013</a:t>
+              <a:t>01/07/2013</a:t>
             </a:fld>
             <a:endParaRPr lang="es-PE"/>
           </a:p>
@@ -3387,7 +3642,7 @@
           <a:p>
             <a:fld id="{D76286B0-60B7-4FD7-B94C-B0421D9B2B26}" type="datetimeFigureOut">
               <a:rPr lang="es-PE" smtClean="0"/>
-              <a:t>26/06/2013</a:t>
+              <a:t>01/07/2013</a:t>
             </a:fld>
             <a:endParaRPr lang="es-PE"/>
           </a:p>
@@ -3682,7 +3937,7 @@
           <a:p>
             <a:fld id="{D76286B0-60B7-4FD7-B94C-B0421D9B2B26}" type="datetimeFigureOut">
               <a:rPr lang="es-PE" smtClean="0"/>
-              <a:t>26/06/2013</a:t>
+              <a:t>01/07/2013</a:t>
             </a:fld>
             <a:endParaRPr lang="es-PE"/>
           </a:p>
@@ -4111,7 +4366,7 @@
           <a:p>
             <a:fld id="{D76286B0-60B7-4FD7-B94C-B0421D9B2B26}" type="datetimeFigureOut">
               <a:rPr lang="es-PE" smtClean="0"/>
-              <a:t>26/06/2013</a:t>
+              <a:t>01/07/2013</a:t>
             </a:fld>
             <a:endParaRPr lang="es-PE"/>
           </a:p>
@@ -4236,7 +4491,7 @@
           <a:p>
             <a:fld id="{D76286B0-60B7-4FD7-B94C-B0421D9B2B26}" type="datetimeFigureOut">
               <a:rPr lang="es-PE" smtClean="0"/>
-              <a:t>26/06/2013</a:t>
+              <a:t>01/07/2013</a:t>
             </a:fld>
             <a:endParaRPr lang="es-PE"/>
           </a:p>
@@ -4338,7 +4593,7 @@
           <a:p>
             <a:fld id="{D76286B0-60B7-4FD7-B94C-B0421D9B2B26}" type="datetimeFigureOut">
               <a:rPr lang="es-PE" smtClean="0"/>
-              <a:t>26/06/2013</a:t>
+              <a:t>01/07/2013</a:t>
             </a:fld>
             <a:endParaRPr lang="es-PE"/>
           </a:p>
@@ -4622,7 +4877,7 @@
           <a:p>
             <a:fld id="{D76286B0-60B7-4FD7-B94C-B0421D9B2B26}" type="datetimeFigureOut">
               <a:rPr lang="es-PE" smtClean="0"/>
-              <a:t>26/06/2013</a:t>
+              <a:t>01/07/2013</a:t>
             </a:fld>
             <a:endParaRPr lang="es-PE"/>
           </a:p>
@@ -4889,7 +5144,7 @@
           <a:p>
             <a:fld id="{D76286B0-60B7-4FD7-B94C-B0421D9B2B26}" type="datetimeFigureOut">
               <a:rPr lang="es-PE" smtClean="0"/>
-              <a:t>26/06/2013</a:t>
+              <a:t>01/07/2013</a:t>
             </a:fld>
             <a:endParaRPr lang="es-PE"/>
           </a:p>
@@ -5134,7 +5389,7 @@
           <a:p>
             <a:fld id="{D76286B0-60B7-4FD7-B94C-B0421D9B2B26}" type="datetimeFigureOut">
               <a:rPr lang="es-PE" smtClean="0"/>
-              <a:t>26/06/2013</a:t>
+              <a:t>01/07/2013</a:t>
             </a:fld>
             <a:endParaRPr lang="es-PE"/>
           </a:p>
@@ -7496,20 +7751,7 @@
                 <a:latin typeface="Arial" pitchFamily="34" charset="0"/>
                 <a:cs typeface="Arial" pitchFamily="34" charset="0"/>
               </a:rPr>
-              <a:t>A cada uno se le ha asignado material que corresponde a un patr</a:t>
-            </a:r>
-            <a:r>
-              <a:rPr lang="es-PE" sz="2400" dirty="0" smtClean="0">
-                <a:solidFill>
-                  <a:schemeClr val="bg1">
-                    <a:lumMod val="95000"/>
-                    <a:lumOff val="5000"/>
-                  </a:schemeClr>
-                </a:solidFill>
-                <a:latin typeface="Arial" pitchFamily="34" charset="0"/>
-                <a:cs typeface="Arial" pitchFamily="34" charset="0"/>
-              </a:rPr>
-              <a:t>ón empresarial de diseño.</a:t>
+              <a:t>A cada uno se le ha asignado material que corresponde a un patrón empresarial de diseño.</a:t>
             </a:r>
           </a:p>
           <a:p>
@@ -7617,13 +7859,6 @@
               </a:rPr>
               <a:t>Entendiendo</a:t>
             </a:r>
-            <a:endParaRPr lang="es-PE" sz="4400" dirty="0" smtClean="0">
-              <a:solidFill>
-                <a:srgbClr val="00B050"/>
-              </a:solidFill>
-              <a:latin typeface="Arial" pitchFamily="34" charset="0"/>
-              <a:cs typeface="Arial" pitchFamily="34" charset="0"/>
-            </a:endParaRPr>
           </a:p>
         </p:txBody>
       </p:sp>
@@ -7708,16 +7943,6 @@
               </a:rPr>
               <a:t>Juntarse todos aquellos a los cuales les ha tocado el mismo patrón, discutir lo entendido y pensar cual es la mejor manera de explicar el patrón a su grupo original.</a:t>
             </a:r>
-            <a:endParaRPr lang="es-PE" sz="2400" dirty="0" smtClean="0">
-              <a:solidFill>
-                <a:schemeClr val="bg1">
-                  <a:lumMod val="95000"/>
-                  <a:lumOff val="5000"/>
-                </a:schemeClr>
-              </a:solidFill>
-              <a:latin typeface="Arial" pitchFamily="34" charset="0"/>
-              <a:cs typeface="Arial" pitchFamily="34" charset="0"/>
-            </a:endParaRPr>
           </a:p>
           <a:p>
             <a:pPr lvl="1">
@@ -7791,13 +8016,6 @@
               </a:rPr>
               <a:t>Discutiendo</a:t>
             </a:r>
-            <a:endParaRPr lang="es-PE" sz="4400" dirty="0" smtClean="0">
-              <a:solidFill>
-                <a:srgbClr val="00B050"/>
-              </a:solidFill>
-              <a:latin typeface="Arial" pitchFamily="34" charset="0"/>
-              <a:cs typeface="Arial" pitchFamily="34" charset="0"/>
-            </a:endParaRPr>
           </a:p>
         </p:txBody>
       </p:sp>
@@ -8047,13 +8265,6 @@
               </a:rPr>
               <a:t>Compartiendo</a:t>
             </a:r>
-            <a:endParaRPr lang="es-PE" sz="4400" dirty="0" smtClean="0">
-              <a:solidFill>
-                <a:srgbClr val="00B050"/>
-              </a:solidFill>
-              <a:latin typeface="Arial" pitchFamily="34" charset="0"/>
-              <a:cs typeface="Arial" pitchFamily="34" charset="0"/>
-            </a:endParaRPr>
           </a:p>
         </p:txBody>
       </p:sp>
@@ -8203,6 +8414,382 @@
               </a:rPr>
               <a:t>Practicando</a:t>
             </a:r>
+          </a:p>
+        </p:txBody>
+      </p:sp>
+    </p:spTree>
+    <p:extLst>
+      <p:ext uri="{BB962C8B-B14F-4D97-AF65-F5344CB8AC3E}">
+        <p14:creationId xmlns:p14="http://schemas.microsoft.com/office/powerpoint/2010/main" val="3572393376"/>
+      </p:ext>
+    </p:extLst>
+  </p:cSld>
+  <p:clrMapOvr>
+    <a:masterClrMapping/>
+  </p:clrMapOvr>
+  <mc:AlternateContent xmlns:mc="http://schemas.openxmlformats.org/markup-compatibility/2006" xmlns:p14="http://schemas.microsoft.com/office/powerpoint/2010/main">
+    <mc:Choice Requires="p14">
+      <p:transition p14:dur="0"/>
+    </mc:Choice>
+    <mc:Fallback xmlns="">
+      <p:transition/>
+    </mc:Fallback>
+  </mc:AlternateContent>
+  <p:timing>
+    <p:tnLst>
+      <p:par>
+        <p:cTn id="1" dur="indefinite" restart="never" nodeType="tmRoot"/>
+      </p:par>
+    </p:tnLst>
+  </p:timing>
+</p:sld>
+</file>
+
+<file path=ppt/slides/slide19.xml><?xml version="1.0" encoding="utf-8"?>
+<p:sld xmlns:a="http://schemas.openxmlformats.org/drawingml/2006/main" xmlns:r="http://schemas.openxmlformats.org/officeDocument/2006/relationships" xmlns:p="http://schemas.openxmlformats.org/presentationml/2006/main">
+  <p:cSld>
+    <p:spTree>
+      <p:nvGrpSpPr>
+        <p:cNvPr id="1" name=""/>
+        <p:cNvGrpSpPr/>
+        <p:nvPr/>
+      </p:nvGrpSpPr>
+      <p:grpSpPr>
+        <a:xfrm>
+          <a:off x="0" y="0"/>
+          <a:ext cx="0" cy="0"/>
+          <a:chOff x="0" y="0"/>
+          <a:chExt cx="0" cy="0"/>
+        </a:xfrm>
+      </p:grpSpPr>
+      <p:sp>
+        <p:nvSpPr>
+          <p:cNvPr id="38" name="2 Marcador de contenido"/>
+          <p:cNvSpPr>
+            <a:spLocks noGrp="1"/>
+          </p:cNvSpPr>
+          <p:nvPr>
+            <p:ph idx="1"/>
+          </p:nvPr>
+        </p:nvSpPr>
+        <p:spPr>
+          <a:xfrm>
+            <a:off x="467544" y="2348880"/>
+            <a:ext cx="8352928" cy="1008112"/>
+          </a:xfrm>
+        </p:spPr>
+        <p:txBody>
+          <a:bodyPr/>
+          <a:lstStyle/>
+          <a:p>
+            <a:pPr>
+              <a:buSzPct val="100000"/>
+            </a:pPr>
+            <a:r>
+              <a:rPr lang="es-PE" sz="2400" dirty="0">
+                <a:solidFill>
+                  <a:schemeClr val="bg1">
+                    <a:lumMod val="95000"/>
+                    <a:lumOff val="5000"/>
+                  </a:schemeClr>
+                </a:solidFill>
+                <a:latin typeface="Arial" pitchFamily="34" charset="0"/>
+                <a:cs typeface="Arial" pitchFamily="34" charset="0"/>
+              </a:rPr>
+              <a:t>¿</a:t>
+            </a:r>
+            <a:r>
+              <a:rPr lang="es-PE" sz="2400" dirty="0" smtClean="0">
+                <a:solidFill>
+                  <a:schemeClr val="bg1">
+                    <a:lumMod val="95000"/>
+                    <a:lumOff val="5000"/>
+                  </a:schemeClr>
+                </a:solidFill>
+                <a:latin typeface="Arial" pitchFamily="34" charset="0"/>
+                <a:cs typeface="Arial" pitchFamily="34" charset="0"/>
+              </a:rPr>
+              <a:t>Qué es el patrón repositorio?</a:t>
+            </a:r>
+          </a:p>
+          <a:p>
+            <a:pPr>
+              <a:buSzPct val="100000"/>
+            </a:pPr>
+            <a:endParaRPr lang="es-PE" sz="2400" dirty="0" smtClean="0">
+              <a:solidFill>
+                <a:schemeClr val="bg1">
+                  <a:lumMod val="95000"/>
+                  <a:lumOff val="5000"/>
+                </a:schemeClr>
+              </a:solidFill>
+              <a:latin typeface="Arial" pitchFamily="34" charset="0"/>
+              <a:cs typeface="Arial" pitchFamily="34" charset="0"/>
+            </a:endParaRPr>
+          </a:p>
+          <a:p>
+            <a:pPr>
+              <a:buSzPct val="100000"/>
+            </a:pPr>
+            <a:r>
+              <a:rPr lang="es-PE" sz="2400" dirty="0" smtClean="0">
+                <a:solidFill>
+                  <a:schemeClr val="bg1">
+                    <a:lumMod val="95000"/>
+                    <a:lumOff val="5000"/>
+                  </a:schemeClr>
+                </a:solidFill>
+                <a:latin typeface="Arial" pitchFamily="34" charset="0"/>
+                <a:cs typeface="Arial" pitchFamily="34" charset="0"/>
+              </a:rPr>
+              <a:t>¿Cuál es la diferencia con el patr</a:t>
+            </a:r>
+            <a:r>
+              <a:rPr lang="es-PE" sz="2400" dirty="0" smtClean="0">
+                <a:solidFill>
+                  <a:schemeClr val="bg1">
+                    <a:lumMod val="95000"/>
+                    <a:lumOff val="5000"/>
+                  </a:schemeClr>
+                </a:solidFill>
+                <a:latin typeface="Arial" pitchFamily="34" charset="0"/>
+                <a:cs typeface="Arial" pitchFamily="34" charset="0"/>
+              </a:rPr>
+              <a:t>ón DAO</a:t>
+            </a:r>
+            <a:r>
+              <a:rPr lang="en-US" sz="2400" dirty="0" smtClean="0">
+                <a:solidFill>
+                  <a:schemeClr val="bg1">
+                    <a:lumMod val="95000"/>
+                    <a:lumOff val="5000"/>
+                  </a:schemeClr>
+                </a:solidFill>
+                <a:latin typeface="Arial" pitchFamily="34" charset="0"/>
+                <a:cs typeface="Arial" pitchFamily="34" charset="0"/>
+              </a:rPr>
+              <a:t>?</a:t>
+            </a:r>
+          </a:p>
+          <a:p>
+            <a:pPr>
+              <a:buSzPct val="100000"/>
+            </a:pPr>
+            <a:endParaRPr lang="en-US" sz="2400" dirty="0">
+              <a:solidFill>
+                <a:schemeClr val="bg1">
+                  <a:lumMod val="95000"/>
+                  <a:lumOff val="5000"/>
+                </a:schemeClr>
+              </a:solidFill>
+              <a:latin typeface="Arial" pitchFamily="34" charset="0"/>
+              <a:cs typeface="Arial" pitchFamily="34" charset="0"/>
+            </a:endParaRPr>
+          </a:p>
+          <a:p>
+            <a:pPr>
+              <a:buSzPct val="100000"/>
+            </a:pPr>
+            <a:r>
+              <a:rPr lang="es-PE" sz="2400" dirty="0" smtClean="0">
+                <a:solidFill>
+                  <a:schemeClr val="bg1">
+                    <a:lumMod val="95000"/>
+                    <a:lumOff val="5000"/>
+                  </a:schemeClr>
+                </a:solidFill>
+                <a:latin typeface="Arial" pitchFamily="34" charset="0"/>
+                <a:cs typeface="Arial" pitchFamily="34" charset="0"/>
+              </a:rPr>
+              <a:t>¿Por qu</a:t>
+            </a:r>
+            <a:r>
+              <a:rPr lang="es-PE" sz="2400" dirty="0" smtClean="0">
+                <a:solidFill>
+                  <a:schemeClr val="bg1">
+                    <a:lumMod val="95000"/>
+                    <a:lumOff val="5000"/>
+                  </a:schemeClr>
+                </a:solidFill>
+                <a:latin typeface="Arial" pitchFamily="34" charset="0"/>
+                <a:cs typeface="Arial" pitchFamily="34" charset="0"/>
+              </a:rPr>
+              <a:t>é cuando </a:t>
+            </a:r>
+            <a:r>
+              <a:rPr lang="es-PE" sz="2400" dirty="0" smtClean="0">
+                <a:solidFill>
+                  <a:schemeClr val="bg1">
+                    <a:lumMod val="95000"/>
+                    <a:lumOff val="5000"/>
+                  </a:schemeClr>
+                </a:solidFill>
+                <a:latin typeface="Arial" pitchFamily="34" charset="0"/>
+                <a:cs typeface="Arial" pitchFamily="34" charset="0"/>
+              </a:rPr>
+              <a:t>utilizamos ADO.NET usualmente llamamos a </a:t>
+            </a:r>
+            <a:r>
+              <a:rPr lang="es-PE" sz="2400" dirty="0" err="1" smtClean="0">
+                <a:solidFill>
+                  <a:schemeClr val="bg1">
+                    <a:lumMod val="95000"/>
+                    <a:lumOff val="5000"/>
+                  </a:schemeClr>
+                </a:solidFill>
+                <a:latin typeface="Arial" pitchFamily="34" charset="0"/>
+                <a:cs typeface="Arial" pitchFamily="34" charset="0"/>
+              </a:rPr>
+              <a:t>DataAccessObjects</a:t>
+            </a:r>
+            <a:r>
+              <a:rPr lang="es-PE" sz="2400" dirty="0" smtClean="0">
+                <a:solidFill>
+                  <a:schemeClr val="bg1">
+                    <a:lumMod val="95000"/>
+                    <a:lumOff val="5000"/>
+                  </a:schemeClr>
+                </a:solidFill>
+                <a:latin typeface="Arial" pitchFamily="34" charset="0"/>
+                <a:cs typeface="Arial" pitchFamily="34" charset="0"/>
+              </a:rPr>
+              <a:t> y con EF </a:t>
+            </a:r>
+            <a:r>
+              <a:rPr lang="es-PE" sz="2400" dirty="0" err="1" smtClean="0">
+                <a:solidFill>
+                  <a:schemeClr val="bg1">
+                    <a:lumMod val="95000"/>
+                    <a:lumOff val="5000"/>
+                  </a:schemeClr>
+                </a:solidFill>
+                <a:latin typeface="Arial" pitchFamily="34" charset="0"/>
+                <a:cs typeface="Arial" pitchFamily="34" charset="0"/>
+              </a:rPr>
+              <a:t>Repositories</a:t>
+            </a:r>
+            <a:r>
+              <a:rPr lang="en-US" sz="2400" dirty="0">
+                <a:solidFill>
+                  <a:schemeClr val="bg1">
+                    <a:lumMod val="95000"/>
+                    <a:lumOff val="5000"/>
+                  </a:schemeClr>
+                </a:solidFill>
+                <a:latin typeface="Arial" pitchFamily="34" charset="0"/>
+                <a:cs typeface="Arial" pitchFamily="34" charset="0"/>
+              </a:rPr>
+              <a:t>?</a:t>
+            </a:r>
+            <a:endParaRPr lang="es-PE" sz="2000" dirty="0" smtClean="0">
+              <a:solidFill>
+                <a:schemeClr val="bg1">
+                  <a:lumMod val="95000"/>
+                  <a:lumOff val="5000"/>
+                </a:schemeClr>
+              </a:solidFill>
+              <a:latin typeface="Arial" pitchFamily="34" charset="0"/>
+              <a:cs typeface="Arial" pitchFamily="34" charset="0"/>
+            </a:endParaRPr>
+          </a:p>
+        </p:txBody>
+      </p:sp>
+      <p:sp>
+        <p:nvSpPr>
+          <p:cNvPr id="3" name="2 CuadroTexto"/>
+          <p:cNvSpPr txBox="1"/>
+          <p:nvPr/>
+        </p:nvSpPr>
+        <p:spPr>
+          <a:xfrm>
+            <a:off x="539552" y="260648"/>
+            <a:ext cx="8136904" cy="1446550"/>
+          </a:xfrm>
+          <a:prstGeom prst="rect">
+            <a:avLst/>
+          </a:prstGeom>
+          <a:noFill/>
+        </p:spPr>
+        <p:txBody>
+          <a:bodyPr wrap="square" rtlCol="0">
+            <a:spAutoFit/>
+          </a:bodyPr>
+          <a:lstStyle/>
+          <a:p>
+            <a:pPr algn="ctr"/>
+            <a:r>
+              <a:rPr lang="es-PE" sz="4400" dirty="0" smtClean="0">
+                <a:solidFill>
+                  <a:srgbClr val="00B050"/>
+                </a:solidFill>
+                <a:latin typeface="Arial" pitchFamily="34" charset="0"/>
+                <a:cs typeface="Arial" pitchFamily="34" charset="0"/>
+              </a:rPr>
+              <a:t>Ejercicio </a:t>
+            </a:r>
+            <a:r>
+              <a:rPr lang="en-US" sz="4400" dirty="0" smtClean="0">
+                <a:solidFill>
+                  <a:srgbClr val="00B050"/>
+                </a:solidFill>
+                <a:latin typeface="Arial" pitchFamily="34" charset="0"/>
+                <a:cs typeface="Arial" pitchFamily="34" charset="0"/>
+              </a:rPr>
+              <a:t>- </a:t>
+            </a:r>
+            <a:r>
+              <a:rPr lang="es-PE" sz="4400" dirty="0" err="1" smtClean="0">
+                <a:solidFill>
+                  <a:srgbClr val="00B050"/>
+                </a:solidFill>
+                <a:latin typeface="Arial" pitchFamily="34" charset="0"/>
+                <a:cs typeface="Arial" pitchFamily="34" charset="0"/>
+              </a:rPr>
+              <a:t>Repository</a:t>
+            </a:r>
+            <a:r>
+              <a:rPr lang="es-PE" sz="4400" dirty="0" smtClean="0">
+                <a:solidFill>
+                  <a:srgbClr val="00B050"/>
+                </a:solidFill>
+                <a:latin typeface="Arial" pitchFamily="34" charset="0"/>
+                <a:cs typeface="Arial" pitchFamily="34" charset="0"/>
+              </a:rPr>
+              <a:t> </a:t>
+            </a:r>
+            <a:r>
+              <a:rPr lang="es-PE" sz="4400" dirty="0" err="1" smtClean="0">
+                <a:solidFill>
+                  <a:srgbClr val="00B050"/>
+                </a:solidFill>
+                <a:latin typeface="Arial" pitchFamily="34" charset="0"/>
+                <a:cs typeface="Arial" pitchFamily="34" charset="0"/>
+              </a:rPr>
+              <a:t>Pattern</a:t>
+            </a:r>
+            <a:r>
+              <a:rPr lang="es-PE" sz="4400" dirty="0" smtClean="0">
+                <a:solidFill>
+                  <a:srgbClr val="00B050"/>
+                </a:solidFill>
+                <a:latin typeface="Arial" pitchFamily="34" charset="0"/>
+                <a:cs typeface="Arial" pitchFamily="34" charset="0"/>
+              </a:rPr>
+              <a:t> </a:t>
+            </a:r>
+          </a:p>
+          <a:p>
+            <a:pPr algn="ctr"/>
+            <a:r>
+              <a:rPr lang="en-US" sz="4400" dirty="0" err="1" smtClean="0">
+                <a:solidFill>
+                  <a:srgbClr val="00B050"/>
+                </a:solidFill>
+                <a:latin typeface="Arial" pitchFamily="34" charset="0"/>
+                <a:cs typeface="Arial" pitchFamily="34" charset="0"/>
+              </a:rPr>
+              <a:t>Recordando</a:t>
+            </a:r>
             <a:endParaRPr lang="es-PE" sz="4400" dirty="0" smtClean="0">
               <a:solidFill>
                 <a:srgbClr val="00B050"/>
@@ -8216,7 +8803,7 @@
     </p:spTree>
     <p:extLst>
       <p:ext uri="{BB962C8B-B14F-4D97-AF65-F5344CB8AC3E}">
-        <p14:creationId xmlns:p14="http://schemas.microsoft.com/office/powerpoint/2010/main" val="3572393376"/>
+        <p14:creationId xmlns:p14="http://schemas.microsoft.com/office/powerpoint/2010/main" val="1991341768"/>
       </p:ext>
     </p:extLst>
   </p:cSld>
@@ -8474,6 +9061,507 @@
     <p:extLst>
       <p:ext uri="{BB962C8B-B14F-4D97-AF65-F5344CB8AC3E}">
         <p14:creationId xmlns:p14="http://schemas.microsoft.com/office/powerpoint/2010/main" val="784647920"/>
+      </p:ext>
+    </p:extLst>
+  </p:cSld>
+  <p:clrMapOvr>
+    <a:masterClrMapping/>
+  </p:clrMapOvr>
+  <mc:AlternateContent xmlns:mc="http://schemas.openxmlformats.org/markup-compatibility/2006" xmlns:p14="http://schemas.microsoft.com/office/powerpoint/2010/main">
+    <mc:Choice Requires="p14">
+      <p:transition p14:dur="0"/>
+    </mc:Choice>
+    <mc:Fallback xmlns="">
+      <p:transition/>
+    </mc:Fallback>
+  </mc:AlternateContent>
+  <p:timing>
+    <p:tnLst>
+      <p:par>
+        <p:cTn id="1" dur="indefinite" restart="never" nodeType="tmRoot"/>
+      </p:par>
+    </p:tnLst>
+  </p:timing>
+</p:sld>
+</file>
+
+<file path=ppt/slides/slide20.xml><?xml version="1.0" encoding="utf-8"?>
+<p:sld xmlns:a="http://schemas.openxmlformats.org/drawingml/2006/main" xmlns:r="http://schemas.openxmlformats.org/officeDocument/2006/relationships" xmlns:p="http://schemas.openxmlformats.org/presentationml/2006/main">
+  <p:cSld>
+    <p:spTree>
+      <p:nvGrpSpPr>
+        <p:cNvPr id="1" name=""/>
+        <p:cNvGrpSpPr/>
+        <p:nvPr/>
+      </p:nvGrpSpPr>
+      <p:grpSpPr>
+        <a:xfrm>
+          <a:off x="0" y="0"/>
+          <a:ext cx="0" cy="0"/>
+          <a:chOff x="0" y="0"/>
+          <a:chExt cx="0" cy="0"/>
+        </a:xfrm>
+      </p:grpSpPr>
+      <p:sp>
+        <p:nvSpPr>
+          <p:cNvPr id="38" name="2 Marcador de contenido"/>
+          <p:cNvSpPr>
+            <a:spLocks noGrp="1"/>
+          </p:cNvSpPr>
+          <p:nvPr>
+            <p:ph idx="1"/>
+          </p:nvPr>
+        </p:nvSpPr>
+        <p:spPr>
+          <a:xfrm>
+            <a:off x="467544" y="2348880"/>
+            <a:ext cx="8352928" cy="1872208"/>
+          </a:xfrm>
+        </p:spPr>
+        <p:txBody>
+          <a:bodyPr/>
+          <a:lstStyle/>
+          <a:p>
+            <a:pPr>
+              <a:buSzPct val="100000"/>
+            </a:pPr>
+            <a:r>
+              <a:rPr lang="es-PE" sz="2400" smtClean="0">
+                <a:solidFill>
+                  <a:schemeClr val="bg1">
+                    <a:lumMod val="95000"/>
+                    <a:lumOff val="5000"/>
+                  </a:schemeClr>
+                </a:solidFill>
+                <a:latin typeface="Arial" pitchFamily="34" charset="0"/>
+                <a:cs typeface="Arial" pitchFamily="34" charset="0"/>
+              </a:rPr>
+              <a:t>Basado en la definición de Repository, </a:t>
+            </a:r>
+            <a:br>
+              <a:rPr lang="es-PE" sz="2400" smtClean="0">
+                <a:solidFill>
+                  <a:schemeClr val="bg1">
+                    <a:lumMod val="95000"/>
+                    <a:lumOff val="5000"/>
+                  </a:schemeClr>
+                </a:solidFill>
+                <a:latin typeface="Arial" pitchFamily="34" charset="0"/>
+                <a:cs typeface="Arial" pitchFamily="34" charset="0"/>
+              </a:rPr>
+            </a:br>
+            <a:r>
+              <a:rPr lang="es-PE" sz="2400" smtClean="0">
+                <a:solidFill>
+                  <a:schemeClr val="bg1">
+                    <a:lumMod val="95000"/>
+                    <a:lumOff val="5000"/>
+                  </a:schemeClr>
+                </a:solidFill>
+                <a:latin typeface="Arial" pitchFamily="34" charset="0"/>
+                <a:cs typeface="Arial" pitchFamily="34" charset="0"/>
+              </a:rPr>
+              <a:t>¿Por qué la clase AccountRepository no es realmente un repositorio?</a:t>
+            </a:r>
+          </a:p>
+          <a:p>
+            <a:pPr>
+              <a:buSzPct val="100000"/>
+            </a:pPr>
+            <a:endParaRPr lang="es-PE" sz="2400" smtClean="0">
+              <a:solidFill>
+                <a:schemeClr val="bg1">
+                  <a:lumMod val="95000"/>
+                  <a:lumOff val="5000"/>
+                </a:schemeClr>
+              </a:solidFill>
+              <a:latin typeface="Arial" pitchFamily="34" charset="0"/>
+              <a:cs typeface="Arial" pitchFamily="34" charset="0"/>
+            </a:endParaRPr>
+          </a:p>
+          <a:p>
+            <a:pPr>
+              <a:buSzPct val="100000"/>
+            </a:pPr>
+            <a:endParaRPr lang="es-PE" sz="2000" smtClean="0">
+              <a:solidFill>
+                <a:schemeClr val="bg1">
+                  <a:lumMod val="95000"/>
+                  <a:lumOff val="5000"/>
+                </a:schemeClr>
+              </a:solidFill>
+              <a:latin typeface="Arial" pitchFamily="34" charset="0"/>
+              <a:cs typeface="Arial" pitchFamily="34" charset="0"/>
+            </a:endParaRPr>
+          </a:p>
+        </p:txBody>
+      </p:sp>
+      <p:sp>
+        <p:nvSpPr>
+          <p:cNvPr id="3" name="2 CuadroTexto"/>
+          <p:cNvSpPr txBox="1"/>
+          <p:nvPr/>
+        </p:nvSpPr>
+        <p:spPr>
+          <a:xfrm>
+            <a:off x="539552" y="260648"/>
+            <a:ext cx="8136904" cy="1446550"/>
+          </a:xfrm>
+          <a:prstGeom prst="rect">
+            <a:avLst/>
+          </a:prstGeom>
+          <a:noFill/>
+        </p:spPr>
+        <p:txBody>
+          <a:bodyPr wrap="square" rtlCol="0">
+            <a:spAutoFit/>
+          </a:bodyPr>
+          <a:lstStyle/>
+          <a:p>
+            <a:pPr algn="ctr"/>
+            <a:r>
+              <a:rPr lang="es-PE" sz="4400" dirty="0" smtClean="0">
+                <a:solidFill>
+                  <a:srgbClr val="00B050"/>
+                </a:solidFill>
+                <a:latin typeface="Arial" pitchFamily="34" charset="0"/>
+                <a:cs typeface="Arial" pitchFamily="34" charset="0"/>
+              </a:rPr>
+              <a:t>Ejercicio </a:t>
+            </a:r>
+            <a:r>
+              <a:rPr lang="en-US" sz="4400" dirty="0" smtClean="0">
+                <a:solidFill>
+                  <a:srgbClr val="00B050"/>
+                </a:solidFill>
+                <a:latin typeface="Arial" pitchFamily="34" charset="0"/>
+                <a:cs typeface="Arial" pitchFamily="34" charset="0"/>
+              </a:rPr>
+              <a:t>- </a:t>
+            </a:r>
+            <a:r>
+              <a:rPr lang="es-PE" sz="4400" dirty="0" err="1" smtClean="0">
+                <a:solidFill>
+                  <a:srgbClr val="00B050"/>
+                </a:solidFill>
+                <a:latin typeface="Arial" pitchFamily="34" charset="0"/>
+                <a:cs typeface="Arial" pitchFamily="34" charset="0"/>
+              </a:rPr>
+              <a:t>Repository</a:t>
+            </a:r>
+            <a:r>
+              <a:rPr lang="es-PE" sz="4400" dirty="0" smtClean="0">
+                <a:solidFill>
+                  <a:srgbClr val="00B050"/>
+                </a:solidFill>
+                <a:latin typeface="Arial" pitchFamily="34" charset="0"/>
+                <a:cs typeface="Arial" pitchFamily="34" charset="0"/>
+              </a:rPr>
+              <a:t> </a:t>
+            </a:r>
+            <a:r>
+              <a:rPr lang="es-PE" sz="4400" dirty="0" err="1" smtClean="0">
+                <a:solidFill>
+                  <a:srgbClr val="00B050"/>
+                </a:solidFill>
+                <a:latin typeface="Arial" pitchFamily="34" charset="0"/>
+                <a:cs typeface="Arial" pitchFamily="34" charset="0"/>
+              </a:rPr>
+              <a:t>Pattern</a:t>
+            </a:r>
+            <a:r>
+              <a:rPr lang="es-PE" sz="4400" dirty="0" smtClean="0">
+                <a:solidFill>
+                  <a:srgbClr val="00B050"/>
+                </a:solidFill>
+                <a:latin typeface="Arial" pitchFamily="34" charset="0"/>
+                <a:cs typeface="Arial" pitchFamily="34" charset="0"/>
+              </a:rPr>
+              <a:t> </a:t>
+            </a:r>
+          </a:p>
+          <a:p>
+            <a:pPr algn="ctr"/>
+            <a:r>
+              <a:rPr lang="en-US" sz="4400" dirty="0" err="1" smtClean="0">
+                <a:solidFill>
+                  <a:srgbClr val="00B050"/>
+                </a:solidFill>
+                <a:latin typeface="Arial" pitchFamily="34" charset="0"/>
+                <a:cs typeface="Arial" pitchFamily="34" charset="0"/>
+              </a:rPr>
+              <a:t>Analizando</a:t>
+            </a:r>
+            <a:endParaRPr lang="es-PE" sz="4400" dirty="0" smtClean="0">
+              <a:solidFill>
+                <a:srgbClr val="00B050"/>
+              </a:solidFill>
+              <a:latin typeface="Arial" pitchFamily="34" charset="0"/>
+              <a:cs typeface="Arial" pitchFamily="34" charset="0"/>
+            </a:endParaRPr>
+          </a:p>
+        </p:txBody>
+      </p:sp>
+    </p:spTree>
+    <p:extLst>
+      <p:ext uri="{BB962C8B-B14F-4D97-AF65-F5344CB8AC3E}">
+        <p14:creationId xmlns:p14="http://schemas.microsoft.com/office/powerpoint/2010/main" val="4082951045"/>
+      </p:ext>
+    </p:extLst>
+  </p:cSld>
+  <p:clrMapOvr>
+    <a:masterClrMapping/>
+  </p:clrMapOvr>
+  <mc:AlternateContent xmlns:mc="http://schemas.openxmlformats.org/markup-compatibility/2006" xmlns:p14="http://schemas.microsoft.com/office/powerpoint/2010/main">
+    <mc:Choice Requires="p14">
+      <p:transition p14:dur="0"/>
+    </mc:Choice>
+    <mc:Fallback xmlns="">
+      <p:transition/>
+    </mc:Fallback>
+  </mc:AlternateContent>
+  <p:timing>
+    <p:tnLst>
+      <p:par>
+        <p:cTn id="1" dur="indefinite" restart="never" nodeType="tmRoot"/>
+      </p:par>
+    </p:tnLst>
+  </p:timing>
+</p:sld>
+</file>
+
+<file path=ppt/slides/slide21.xml><?xml version="1.0" encoding="utf-8"?>
+<p:sld xmlns:a="http://schemas.openxmlformats.org/drawingml/2006/main" xmlns:r="http://schemas.openxmlformats.org/officeDocument/2006/relationships" xmlns:p="http://schemas.openxmlformats.org/presentationml/2006/main">
+  <p:cSld>
+    <p:spTree>
+      <p:nvGrpSpPr>
+        <p:cNvPr id="1" name=""/>
+        <p:cNvGrpSpPr/>
+        <p:nvPr/>
+      </p:nvGrpSpPr>
+      <p:grpSpPr>
+        <a:xfrm>
+          <a:off x="0" y="0"/>
+          <a:ext cx="0" cy="0"/>
+          <a:chOff x="0" y="0"/>
+          <a:chExt cx="0" cy="0"/>
+        </a:xfrm>
+      </p:grpSpPr>
+      <p:sp>
+        <p:nvSpPr>
+          <p:cNvPr id="38" name="2 Marcador de contenido"/>
+          <p:cNvSpPr>
+            <a:spLocks noGrp="1"/>
+          </p:cNvSpPr>
+          <p:nvPr>
+            <p:ph idx="1"/>
+          </p:nvPr>
+        </p:nvSpPr>
+        <p:spPr>
+          <a:xfrm>
+            <a:off x="467544" y="2348880"/>
+            <a:ext cx="8352928" cy="1008112"/>
+          </a:xfrm>
+        </p:spPr>
+        <p:txBody>
+          <a:bodyPr/>
+          <a:lstStyle/>
+          <a:p>
+            <a:pPr>
+              <a:buSzPct val="100000"/>
+            </a:pPr>
+            <a:r>
+              <a:rPr lang="es-PE" sz="2400" smtClean="0">
+                <a:solidFill>
+                  <a:schemeClr val="bg1">
+                    <a:lumMod val="95000"/>
+                    <a:lumOff val="5000"/>
+                  </a:schemeClr>
+                </a:solidFill>
+                <a:latin typeface="Arial" pitchFamily="34" charset="0"/>
+                <a:cs typeface="Arial" pitchFamily="34" charset="0"/>
+              </a:rPr>
+              <a:t>¿Qué es el patrón UoW?</a:t>
+            </a:r>
+          </a:p>
+          <a:p>
+            <a:pPr>
+              <a:buSzPct val="100000"/>
+            </a:pPr>
+            <a:endParaRPr lang="es-PE" sz="2400" smtClean="0">
+              <a:solidFill>
+                <a:schemeClr val="bg1">
+                  <a:lumMod val="95000"/>
+                  <a:lumOff val="5000"/>
+                </a:schemeClr>
+              </a:solidFill>
+              <a:latin typeface="Arial" pitchFamily="34" charset="0"/>
+              <a:cs typeface="Arial" pitchFamily="34" charset="0"/>
+            </a:endParaRPr>
+          </a:p>
+          <a:p>
+            <a:pPr>
+              <a:buSzPct val="100000"/>
+            </a:pPr>
+            <a:r>
+              <a:rPr lang="es-PE" sz="2400" smtClean="0">
+                <a:solidFill>
+                  <a:schemeClr val="bg1">
+                    <a:lumMod val="95000"/>
+                    <a:lumOff val="5000"/>
+                  </a:schemeClr>
+                </a:solidFill>
+                <a:latin typeface="Arial" pitchFamily="34" charset="0"/>
+                <a:cs typeface="Arial" pitchFamily="34" charset="0"/>
+              </a:rPr>
+              <a:t>¿</a:t>
+            </a:r>
+            <a:r>
+              <a:rPr lang="es-PE" sz="2400" smtClean="0">
+                <a:solidFill>
+                  <a:schemeClr val="bg1">
+                    <a:lumMod val="95000"/>
+                    <a:lumOff val="5000"/>
+                  </a:schemeClr>
+                </a:solidFill>
+                <a:latin typeface="Arial" pitchFamily="34" charset="0"/>
+                <a:cs typeface="Arial" pitchFamily="34" charset="0"/>
+              </a:rPr>
+              <a:t>Por qué el DbContext de EF es una implementación de este patrón?</a:t>
+            </a:r>
+            <a:endParaRPr lang="es-PE" sz="2000" smtClean="0">
+              <a:solidFill>
+                <a:schemeClr val="bg1">
+                  <a:lumMod val="95000"/>
+                  <a:lumOff val="5000"/>
+                </a:schemeClr>
+              </a:solidFill>
+              <a:latin typeface="Arial" pitchFamily="34" charset="0"/>
+              <a:cs typeface="Arial" pitchFamily="34" charset="0"/>
+            </a:endParaRPr>
+          </a:p>
+        </p:txBody>
+      </p:sp>
+      <p:sp>
+        <p:nvSpPr>
+          <p:cNvPr id="3" name="2 CuadroTexto"/>
+          <p:cNvSpPr txBox="1"/>
+          <p:nvPr/>
+        </p:nvSpPr>
+        <p:spPr>
+          <a:xfrm>
+            <a:off x="539552" y="260648"/>
+            <a:ext cx="8136904" cy="1446550"/>
+          </a:xfrm>
+          <a:prstGeom prst="rect">
+            <a:avLst/>
+          </a:prstGeom>
+          <a:noFill/>
+        </p:spPr>
+        <p:txBody>
+          <a:bodyPr wrap="square" rtlCol="0">
+            <a:spAutoFit/>
+          </a:bodyPr>
+          <a:lstStyle/>
+          <a:p>
+            <a:pPr algn="ctr"/>
+            <a:r>
+              <a:rPr lang="es-PE" sz="4400" dirty="0" smtClean="0">
+                <a:solidFill>
+                  <a:srgbClr val="00B050"/>
+                </a:solidFill>
+                <a:latin typeface="Arial" pitchFamily="34" charset="0"/>
+                <a:cs typeface="Arial" pitchFamily="34" charset="0"/>
+              </a:rPr>
+              <a:t>Ejercicio </a:t>
+            </a:r>
+            <a:r>
+              <a:rPr lang="en-US" sz="4400" dirty="0" smtClean="0">
+                <a:solidFill>
+                  <a:srgbClr val="00B050"/>
+                </a:solidFill>
+                <a:latin typeface="Arial" pitchFamily="34" charset="0"/>
+                <a:cs typeface="Arial" pitchFamily="34" charset="0"/>
+              </a:rPr>
+              <a:t>- </a:t>
+            </a:r>
+            <a:r>
+              <a:rPr lang="es-PE" sz="4400" dirty="0" err="1">
+                <a:solidFill>
+                  <a:srgbClr val="00B050"/>
+                </a:solidFill>
+                <a:latin typeface="Arial" pitchFamily="34" charset="0"/>
+                <a:cs typeface="Arial" pitchFamily="34" charset="0"/>
+              </a:rPr>
+              <a:t>U</a:t>
+            </a:r>
+            <a:r>
+              <a:rPr lang="es-PE" sz="4400" dirty="0" err="1" smtClean="0">
+                <a:solidFill>
+                  <a:srgbClr val="00B050"/>
+                </a:solidFill>
+                <a:latin typeface="Arial" pitchFamily="34" charset="0"/>
+                <a:cs typeface="Arial" pitchFamily="34" charset="0"/>
+              </a:rPr>
+              <a:t>oW</a:t>
+            </a:r>
+            <a:r>
+              <a:rPr lang="es-PE" sz="4400" dirty="0" smtClean="0">
+                <a:solidFill>
+                  <a:srgbClr val="00B050"/>
+                </a:solidFill>
+                <a:latin typeface="Arial" pitchFamily="34" charset="0"/>
+                <a:cs typeface="Arial" pitchFamily="34" charset="0"/>
+              </a:rPr>
+              <a:t> </a:t>
+            </a:r>
+            <a:r>
+              <a:rPr lang="es-PE" sz="4400" dirty="0" err="1" smtClean="0">
+                <a:solidFill>
+                  <a:srgbClr val="00B050"/>
+                </a:solidFill>
+                <a:latin typeface="Arial" pitchFamily="34" charset="0"/>
+                <a:cs typeface="Arial" pitchFamily="34" charset="0"/>
+              </a:rPr>
+              <a:t>Pattern</a:t>
+            </a:r>
+            <a:r>
+              <a:rPr lang="es-PE" sz="4400" dirty="0" smtClean="0">
+                <a:solidFill>
+                  <a:srgbClr val="00B050"/>
+                </a:solidFill>
+                <a:latin typeface="Arial" pitchFamily="34" charset="0"/>
+                <a:cs typeface="Arial" pitchFamily="34" charset="0"/>
+              </a:rPr>
+              <a:t> </a:t>
+            </a:r>
+          </a:p>
+          <a:p>
+            <a:pPr algn="ctr"/>
+            <a:r>
+              <a:rPr lang="en-US" sz="4400" dirty="0" err="1" smtClean="0">
+                <a:solidFill>
+                  <a:srgbClr val="00B050"/>
+                </a:solidFill>
+                <a:latin typeface="Arial" pitchFamily="34" charset="0"/>
+                <a:cs typeface="Arial" pitchFamily="34" charset="0"/>
+              </a:rPr>
+              <a:t>Recordando</a:t>
+            </a:r>
+            <a:endParaRPr lang="es-PE" sz="4400" dirty="0" smtClean="0">
+              <a:solidFill>
+                <a:srgbClr val="00B050"/>
+              </a:solidFill>
+              <a:latin typeface="Arial" pitchFamily="34" charset="0"/>
+              <a:cs typeface="Arial" pitchFamily="34" charset="0"/>
+            </a:endParaRPr>
+          </a:p>
+        </p:txBody>
+      </p:sp>
+    </p:spTree>
+    <p:extLst>
+      <p:ext uri="{BB962C8B-B14F-4D97-AF65-F5344CB8AC3E}">
+        <p14:creationId xmlns:p14="http://schemas.microsoft.com/office/powerpoint/2010/main" val="148414507"/>
       </p:ext>
     </p:extLst>
   </p:cSld>

--- a/Diapositivas/Design Patterns.pptx
+++ b/Diapositivas/Design Patterns.pptx
@@ -127,6 +127,22 @@
       </a:defRPr>
     </a:lvl9pPr>
   </p:defaultTextStyle>
+  <p:extLst>
+    <p:ext uri="{EFAFB233-063F-42B5-8137-9DF3F51BA10A}">
+      <p15:sldGuideLst xmlns:p15="http://schemas.microsoft.com/office/powerpoint/2012/main">
+        <p15:guide id="1" orient="horz" pos="2160">
+          <p15:clr>
+            <a:srgbClr val="A4A3A4"/>
+          </p15:clr>
+        </p15:guide>
+        <p15:guide id="2" pos="2880">
+          <p15:clr>
+            <a:srgbClr val="A4A3A4"/>
+          </p15:clr>
+        </p15:guide>
+      </p15:sldGuideLst>
+    </p:ext>
+  </p:extLst>
 </p:presentation>
 </file>
 
@@ -212,7 +228,7 @@
           <a:p>
             <a:fld id="{651770C5-50B1-4017-8384-CA51988A7F0C}" type="datetimeFigureOut">
               <a:rPr lang="es-PE" smtClean="0"/>
-              <a:t>01/07/2013</a:t>
+              <a:t>20/11/2013</a:t>
             </a:fld>
             <a:endParaRPr lang="es-PE"/>
           </a:p>
@@ -2848,7 +2864,7 @@
           <a:p>
             <a:fld id="{D76286B0-60B7-4FD7-B94C-B0421D9B2B26}" type="datetimeFigureOut">
               <a:rPr lang="es-PE" smtClean="0"/>
-              <a:t>01/07/2013</a:t>
+              <a:t>20/11/2013</a:t>
             </a:fld>
             <a:endParaRPr lang="es-PE"/>
           </a:p>
@@ -3025,7 +3041,7 @@
           <a:p>
             <a:fld id="{D76286B0-60B7-4FD7-B94C-B0421D9B2B26}" type="datetimeFigureOut">
               <a:rPr lang="es-PE" smtClean="0"/>
-              <a:t>01/07/2013</a:t>
+              <a:t>20/11/2013</a:t>
             </a:fld>
             <a:endParaRPr lang="es-PE"/>
           </a:p>
@@ -3212,7 +3228,7 @@
           <a:p>
             <a:fld id="{D76286B0-60B7-4FD7-B94C-B0421D9B2B26}" type="datetimeFigureOut">
               <a:rPr lang="es-PE" smtClean="0"/>
-              <a:t>01/07/2013</a:t>
+              <a:t>20/11/2013</a:t>
             </a:fld>
             <a:endParaRPr lang="es-PE"/>
           </a:p>
@@ -3389,7 +3405,7 @@
           <a:p>
             <a:fld id="{D76286B0-60B7-4FD7-B94C-B0421D9B2B26}" type="datetimeFigureOut">
               <a:rPr lang="es-PE" smtClean="0"/>
-              <a:t>01/07/2013</a:t>
+              <a:t>20/11/2013</a:t>
             </a:fld>
             <a:endParaRPr lang="es-PE"/>
           </a:p>
@@ -3642,7 +3658,7 @@
           <a:p>
             <a:fld id="{D76286B0-60B7-4FD7-B94C-B0421D9B2B26}" type="datetimeFigureOut">
               <a:rPr lang="es-PE" smtClean="0"/>
-              <a:t>01/07/2013</a:t>
+              <a:t>20/11/2013</a:t>
             </a:fld>
             <a:endParaRPr lang="es-PE"/>
           </a:p>
@@ -3937,7 +3953,7 @@
           <a:p>
             <a:fld id="{D76286B0-60B7-4FD7-B94C-B0421D9B2B26}" type="datetimeFigureOut">
               <a:rPr lang="es-PE" smtClean="0"/>
-              <a:t>01/07/2013</a:t>
+              <a:t>20/11/2013</a:t>
             </a:fld>
             <a:endParaRPr lang="es-PE"/>
           </a:p>
@@ -4366,7 +4382,7 @@
           <a:p>
             <a:fld id="{D76286B0-60B7-4FD7-B94C-B0421D9B2B26}" type="datetimeFigureOut">
               <a:rPr lang="es-PE" smtClean="0"/>
-              <a:t>01/07/2013</a:t>
+              <a:t>20/11/2013</a:t>
             </a:fld>
             <a:endParaRPr lang="es-PE"/>
           </a:p>
@@ -4491,7 +4507,7 @@
           <a:p>
             <a:fld id="{D76286B0-60B7-4FD7-B94C-B0421D9B2B26}" type="datetimeFigureOut">
               <a:rPr lang="es-PE" smtClean="0"/>
-              <a:t>01/07/2013</a:t>
+              <a:t>20/11/2013</a:t>
             </a:fld>
             <a:endParaRPr lang="es-PE"/>
           </a:p>
@@ -4593,7 +4609,7 @@
           <a:p>
             <a:fld id="{D76286B0-60B7-4FD7-B94C-B0421D9B2B26}" type="datetimeFigureOut">
               <a:rPr lang="es-PE" smtClean="0"/>
-              <a:t>01/07/2013</a:t>
+              <a:t>20/11/2013</a:t>
             </a:fld>
             <a:endParaRPr lang="es-PE"/>
           </a:p>
@@ -4877,7 +4893,7 @@
           <a:p>
             <a:fld id="{D76286B0-60B7-4FD7-B94C-B0421D9B2B26}" type="datetimeFigureOut">
               <a:rPr lang="es-PE" smtClean="0"/>
-              <a:t>01/07/2013</a:t>
+              <a:t>20/11/2013</a:t>
             </a:fld>
             <a:endParaRPr lang="es-PE"/>
           </a:p>
@@ -5144,7 +5160,7 @@
           <a:p>
             <a:fld id="{D76286B0-60B7-4FD7-B94C-B0421D9B2B26}" type="datetimeFigureOut">
               <a:rPr lang="es-PE" smtClean="0"/>
-              <a:t>01/07/2013</a:t>
+              <a:t>20/11/2013</a:t>
             </a:fld>
             <a:endParaRPr lang="es-PE"/>
           </a:p>
@@ -5389,7 +5405,7 @@
           <a:p>
             <a:fld id="{D76286B0-60B7-4FD7-B94C-B0421D9B2B26}" type="datetimeFigureOut">
               <a:rPr lang="es-PE" smtClean="0"/>
-              <a:t>01/07/2013</a:t>
+              <a:t>20/11/2013</a:t>
             </a:fld>
             <a:endParaRPr lang="es-PE"/>
           </a:p>
@@ -8542,20 +8558,7 @@
                 <a:latin typeface="Arial" pitchFamily="34" charset="0"/>
                 <a:cs typeface="Arial" pitchFamily="34" charset="0"/>
               </a:rPr>
-              <a:t>¿Cuál es la diferencia con el patr</a:t>
-            </a:r>
-            <a:r>
-              <a:rPr lang="es-PE" sz="2400" dirty="0" smtClean="0">
-                <a:solidFill>
-                  <a:schemeClr val="bg1">
-                    <a:lumMod val="95000"/>
-                    <a:lumOff val="5000"/>
-                  </a:schemeClr>
-                </a:solidFill>
-                <a:latin typeface="Arial" pitchFamily="34" charset="0"/>
-                <a:cs typeface="Arial" pitchFamily="34" charset="0"/>
-              </a:rPr>
-              <a:t>ón DAO</a:t>
+              <a:t>¿Cuál es la diferencia con el patrón DAO</a:t>
             </a:r>
             <a:r>
               <a:rPr lang="en-US" sz="2400" dirty="0" smtClean="0">
@@ -8601,33 +8604,7 @@
                 <a:latin typeface="Arial" pitchFamily="34" charset="0"/>
                 <a:cs typeface="Arial" pitchFamily="34" charset="0"/>
               </a:rPr>
-              <a:t>¿Por qu</a:t>
-            </a:r>
-            <a:r>
-              <a:rPr lang="es-PE" sz="2400" dirty="0" smtClean="0">
-                <a:solidFill>
-                  <a:schemeClr val="bg1">
-                    <a:lumMod val="95000"/>
-                    <a:lumOff val="5000"/>
-                  </a:schemeClr>
-                </a:solidFill>
-                <a:latin typeface="Arial" pitchFamily="34" charset="0"/>
-                <a:cs typeface="Arial" pitchFamily="34" charset="0"/>
-              </a:rPr>
-              <a:t>é cuando </a:t>
-            </a:r>
-            <a:r>
-              <a:rPr lang="es-PE" sz="2400" dirty="0" smtClean="0">
-                <a:solidFill>
-                  <a:schemeClr val="bg1">
-                    <a:lumMod val="95000"/>
-                    <a:lumOff val="5000"/>
-                  </a:schemeClr>
-                </a:solidFill>
-                <a:latin typeface="Arial" pitchFamily="34" charset="0"/>
-                <a:cs typeface="Arial" pitchFamily="34" charset="0"/>
-              </a:rPr>
-              <a:t>utilizamos ADO.NET usualmente llamamos a </a:t>
+              <a:t>¿Por qué cuando utilizamos ADO.NET usualmente llamamos a </a:t>
             </a:r>
             <a:r>
               <a:rPr lang="es-PE" sz="2400" dirty="0" err="1" smtClean="0">
@@ -8883,7 +8860,7 @@
               <a:t>Es una solución repetible a un problema de diseño que ocurre </a:t>
             </a:r>
             <a:r>
-              <a:rPr lang="es-PE" sz="2800" dirty="0" err="1" smtClean="0">
+              <a:rPr lang="es-PE" sz="2800" dirty="0" smtClean="0">
                 <a:solidFill>
                   <a:schemeClr val="bg1">
                     <a:lumMod val="95000"/>
@@ -8893,21 +8870,18 @@
                 <a:latin typeface="Arial" pitchFamily="34" charset="0"/>
                 <a:cs typeface="Arial" pitchFamily="34" charset="0"/>
               </a:rPr>
-              <a:t>comunmente</a:t>
-            </a:r>
-            <a:r>
-              <a:rPr lang="es-PE" sz="2800" dirty="0" smtClean="0">
-                <a:solidFill>
-                  <a:schemeClr val="bg1">
-                    <a:lumMod val="95000"/>
-                    <a:lumOff val="5000"/>
-                  </a:schemeClr>
-                </a:solidFill>
-                <a:latin typeface="Arial" pitchFamily="34" charset="0"/>
-                <a:cs typeface="Arial" pitchFamily="34" charset="0"/>
-              </a:rPr>
-              <a:t>. </a:t>
-            </a:r>
+              <a:t>comúnmente. </a:t>
+            </a:r>
+            <a:endParaRPr lang="es-PE" sz="2800" dirty="0" smtClean="0">
+              <a:solidFill>
+                <a:schemeClr val="bg1">
+                  <a:lumMod val="95000"/>
+                  <a:lumOff val="5000"/>
+                </a:schemeClr>
+              </a:solidFill>
+              <a:latin typeface="Arial" pitchFamily="34" charset="0"/>
+              <a:cs typeface="Arial" pitchFamily="34" charset="0"/>
+            </a:endParaRPr>
           </a:p>
           <a:p>
             <a:pPr marL="0" indent="0" algn="ctr">
@@ -9414,20 +9388,7 @@
                 <a:latin typeface="Arial" pitchFamily="34" charset="0"/>
                 <a:cs typeface="Arial" pitchFamily="34" charset="0"/>
               </a:rPr>
-              <a:t>¿</a:t>
-            </a:r>
-            <a:r>
-              <a:rPr lang="es-PE" sz="2400" smtClean="0">
-                <a:solidFill>
-                  <a:schemeClr val="bg1">
-                    <a:lumMod val="95000"/>
-                    <a:lumOff val="5000"/>
-                  </a:schemeClr>
-                </a:solidFill>
-                <a:latin typeface="Arial" pitchFamily="34" charset="0"/>
-                <a:cs typeface="Arial" pitchFamily="34" charset="0"/>
-              </a:rPr>
-              <a:t>Por qué el DbContext de EF es una implementación de este patrón?</a:t>
+              <a:t>¿Por qué el DbContext de EF es una implementación de este patrón?</a:t>
             </a:r>
             <a:endParaRPr lang="es-PE" sz="2000" smtClean="0">
               <a:solidFill>
@@ -10314,7 +10275,7 @@
 </file>
 
 <file path=ppt/slides/slide6.xml><?xml version="1.0" encoding="utf-8"?>
-<p:sld xmlns:a="http://schemas.openxmlformats.org/drawingml/2006/main" xmlns:r="http://schemas.openxmlformats.org/officeDocument/2006/relationships" xmlns:p="http://schemas.openxmlformats.org/presentationml/2006/main">
+<p:sld xmlns:a="http://schemas.openxmlformats.org/drawingml/2006/main" xmlns:r="http://schemas.openxmlformats.org/officeDocument/2006/relationships" xmlns:p="http://schemas.openxmlformats.org/presentationml/2006/main" show="0">
   <p:cSld>
     <p:spTree>
       <p:nvGrpSpPr>
@@ -10762,11 +10723,11 @@
   <p:clrMapOvr>
     <a:masterClrMapping/>
   </p:clrMapOvr>
-  <mc:AlternateContent xmlns:mc="http://schemas.openxmlformats.org/markup-compatibility/2006" xmlns:p14="http://schemas.microsoft.com/office/powerpoint/2010/main">
-    <mc:Choice Requires="p14">
+  <mc:AlternateContent xmlns:mc="http://schemas.openxmlformats.org/markup-compatibility/2006">
+    <mc:Choice xmlns:p14="http://schemas.microsoft.com/office/powerpoint/2010/main" Requires="p14">
       <p:transition p14:dur="0"/>
     </mc:Choice>
-    <mc:Fallback xmlns="">
+    <mc:Fallback>
       <p:transition/>
     </mc:Fallback>
   </mc:AlternateContent>
@@ -10891,10 +10852,10 @@
                 <a:latin typeface="Arial" pitchFamily="34" charset="0"/>
                 <a:cs typeface="Arial" pitchFamily="34" charset="0"/>
               </a:rPr>
-              <a:t>Qué patrón utilizaron, explicación del patrón  y porqué</a:t>
-            </a:r>
-            <a:r>
-              <a:rPr lang="en-US" sz="2400" dirty="0" smtClean="0">
+              <a:t>Qué patrón utilizaron, explicación del patrón </a:t>
+            </a:r>
+            <a:r>
+              <a:rPr lang="es-PE" sz="2400" dirty="0" smtClean="0">
                 <a:solidFill>
                   <a:schemeClr val="bg1">
                     <a:lumMod val="95000"/>
@@ -10904,15 +10865,8 @@
                 <a:latin typeface="Arial" pitchFamily="34" charset="0"/>
                 <a:cs typeface="Arial" pitchFamily="34" charset="0"/>
               </a:rPr>
-              <a:t>.</a:t>
-            </a:r>
-          </a:p>
-          <a:p>
-            <a:pPr lvl="1">
-              <a:buSzPct val="100000"/>
-              <a:buFont typeface="Courier New" pitchFamily="49" charset="0"/>
-              <a:buChar char="o"/>
-            </a:pPr>
+              <a:t>y </a:t>
+            </a:r>
             <a:r>
               <a:rPr lang="es-PE" sz="2400" dirty="0" smtClean="0">
                 <a:solidFill>
@@ -10924,7 +10878,20 @@
                 <a:latin typeface="Arial" pitchFamily="34" charset="0"/>
                 <a:cs typeface="Arial" pitchFamily="34" charset="0"/>
               </a:rPr>
-              <a:t>Si existe algún ejemplo en el .NET Framework que también utilice el patrón.</a:t>
+              <a:t>porqué</a:t>
+            </a:r>
+            <a:r>
+              <a:rPr lang="en-US" sz="2400" dirty="0" smtClean="0">
+                <a:solidFill>
+                  <a:schemeClr val="bg1">
+                    <a:lumMod val="95000"/>
+                    <a:lumOff val="5000"/>
+                  </a:schemeClr>
+                </a:solidFill>
+                <a:latin typeface="Arial" pitchFamily="34" charset="0"/>
+                <a:cs typeface="Arial" pitchFamily="34" charset="0"/>
+              </a:rPr>
+              <a:t>.</a:t>
             </a:r>
           </a:p>
           <a:p>
